--- a/GUI/Version4/Results_KK2.pptx
+++ b/GUI/Version4/Results_KK2.pptx
@@ -6,32 +6,44 @@
   </p:sldMasterIdLst>
   <p:sldIdLst>
     <p:sldId id="256" r:id="rId2"/>
-    <p:sldId id="257" r:id="rId3"/>
-    <p:sldId id="267" r:id="rId4"/>
-    <p:sldId id="258" r:id="rId5"/>
-    <p:sldId id="269" r:id="rId6"/>
-    <p:sldId id="270" r:id="rId7"/>
-    <p:sldId id="268" r:id="rId8"/>
-    <p:sldId id="259" r:id="rId9"/>
-    <p:sldId id="260" r:id="rId10"/>
-    <p:sldId id="261" r:id="rId11"/>
-    <p:sldId id="262" r:id="rId12"/>
-    <p:sldId id="263" r:id="rId13"/>
-    <p:sldId id="264" r:id="rId14"/>
-    <p:sldId id="265" r:id="rId15"/>
-    <p:sldId id="266" r:id="rId16"/>
-    <p:sldId id="281" r:id="rId17"/>
-    <p:sldId id="282" r:id="rId18"/>
-    <p:sldId id="280" r:id="rId19"/>
-    <p:sldId id="271" r:id="rId20"/>
-    <p:sldId id="272" r:id="rId21"/>
-    <p:sldId id="273" r:id="rId22"/>
-    <p:sldId id="274" r:id="rId23"/>
-    <p:sldId id="275" r:id="rId24"/>
-    <p:sldId id="276" r:id="rId25"/>
-    <p:sldId id="277" r:id="rId26"/>
-    <p:sldId id="278" r:id="rId27"/>
-    <p:sldId id="279" r:id="rId28"/>
+    <p:sldId id="293" r:id="rId3"/>
+    <p:sldId id="294" r:id="rId4"/>
+    <p:sldId id="257" r:id="rId5"/>
+    <p:sldId id="283" r:id="rId6"/>
+    <p:sldId id="284" r:id="rId7"/>
+    <p:sldId id="285" r:id="rId8"/>
+    <p:sldId id="288" r:id="rId9"/>
+    <p:sldId id="286" r:id="rId10"/>
+    <p:sldId id="287" r:id="rId11"/>
+    <p:sldId id="267" r:id="rId12"/>
+    <p:sldId id="258" r:id="rId13"/>
+    <p:sldId id="269" r:id="rId14"/>
+    <p:sldId id="270" r:id="rId15"/>
+    <p:sldId id="268" r:id="rId16"/>
+    <p:sldId id="259" r:id="rId17"/>
+    <p:sldId id="260" r:id="rId18"/>
+    <p:sldId id="261" r:id="rId19"/>
+    <p:sldId id="262" r:id="rId20"/>
+    <p:sldId id="263" r:id="rId21"/>
+    <p:sldId id="264" r:id="rId22"/>
+    <p:sldId id="265" r:id="rId23"/>
+    <p:sldId id="266" r:id="rId24"/>
+    <p:sldId id="281" r:id="rId25"/>
+    <p:sldId id="282" r:id="rId26"/>
+    <p:sldId id="280" r:id="rId27"/>
+    <p:sldId id="271" r:id="rId28"/>
+    <p:sldId id="272" r:id="rId29"/>
+    <p:sldId id="273" r:id="rId30"/>
+    <p:sldId id="274" r:id="rId31"/>
+    <p:sldId id="275" r:id="rId32"/>
+    <p:sldId id="276" r:id="rId33"/>
+    <p:sldId id="277" r:id="rId34"/>
+    <p:sldId id="278" r:id="rId35"/>
+    <p:sldId id="279" r:id="rId36"/>
+    <p:sldId id="289" r:id="rId37"/>
+    <p:sldId id="290" r:id="rId38"/>
+    <p:sldId id="291" r:id="rId39"/>
+    <p:sldId id="292" r:id="rId40"/>
   </p:sldIdLst>
   <p:sldSz cx="12192000" cy="6858000"/>
   <p:notesSz cx="6858000" cy="9144000"/>
@@ -130,6 +142,22 @@
       </a:defRPr>
     </a:lvl9pPr>
   </p:defaultTextStyle>
+  <p:extLst>
+    <p:ext uri="{EFAFB233-063F-42B5-8137-9DF3F51BA10A}">
+      <p15:sldGuideLst xmlns:p15="http://schemas.microsoft.com/office/powerpoint/2012/main">
+        <p15:guide id="1" orient="horz" pos="2160">
+          <p15:clr>
+            <a:srgbClr val="A4A3A4"/>
+          </p15:clr>
+        </p15:guide>
+        <p15:guide id="2" pos="3840">
+          <p15:clr>
+            <a:srgbClr val="A4A3A4"/>
+          </p15:clr>
+        </p15:guide>
+      </p15:sldGuideLst>
+    </p:ext>
+  </p:extLst>
 </p:presentation>
 </file>
 
@@ -280,7 +308,7 @@
           <a:p>
             <a:fld id="{741AFA77-A7AE-1E45-B388-07DCC57FFC64}" type="datetimeFigureOut">
               <a:rPr lang="en-US" smtClean="0"/>
-              <a:t>6/24/18</a:t>
+              <a:t>6/25/18</a:t>
             </a:fld>
             <a:endParaRPr lang="en-US"/>
           </a:p>
@@ -478,7 +506,7 @@
           <a:p>
             <a:fld id="{741AFA77-A7AE-1E45-B388-07DCC57FFC64}" type="datetimeFigureOut">
               <a:rPr lang="en-US" smtClean="0"/>
-              <a:t>6/24/18</a:t>
+              <a:t>6/25/18</a:t>
             </a:fld>
             <a:endParaRPr lang="en-US"/>
           </a:p>
@@ -686,7 +714,7 @@
           <a:p>
             <a:fld id="{741AFA77-A7AE-1E45-B388-07DCC57FFC64}" type="datetimeFigureOut">
               <a:rPr lang="en-US" smtClean="0"/>
-              <a:t>6/24/18</a:t>
+              <a:t>6/25/18</a:t>
             </a:fld>
             <a:endParaRPr lang="en-US"/>
           </a:p>
@@ -884,7 +912,7 @@
           <a:p>
             <a:fld id="{741AFA77-A7AE-1E45-B388-07DCC57FFC64}" type="datetimeFigureOut">
               <a:rPr lang="en-US" smtClean="0"/>
-              <a:t>6/24/18</a:t>
+              <a:t>6/25/18</a:t>
             </a:fld>
             <a:endParaRPr lang="en-US"/>
           </a:p>
@@ -1159,7 +1187,7 @@
           <a:p>
             <a:fld id="{741AFA77-A7AE-1E45-B388-07DCC57FFC64}" type="datetimeFigureOut">
               <a:rPr lang="en-US" smtClean="0"/>
-              <a:t>6/24/18</a:t>
+              <a:t>6/25/18</a:t>
             </a:fld>
             <a:endParaRPr lang="en-US"/>
           </a:p>
@@ -1424,7 +1452,7 @@
           <a:p>
             <a:fld id="{741AFA77-A7AE-1E45-B388-07DCC57FFC64}" type="datetimeFigureOut">
               <a:rPr lang="en-US" smtClean="0"/>
-              <a:t>6/24/18</a:t>
+              <a:t>6/25/18</a:t>
             </a:fld>
             <a:endParaRPr lang="en-US"/>
           </a:p>
@@ -1836,7 +1864,7 @@
           <a:p>
             <a:fld id="{741AFA77-A7AE-1E45-B388-07DCC57FFC64}" type="datetimeFigureOut">
               <a:rPr lang="en-US" smtClean="0"/>
-              <a:t>6/24/18</a:t>
+              <a:t>6/25/18</a:t>
             </a:fld>
             <a:endParaRPr lang="en-US"/>
           </a:p>
@@ -1977,7 +2005,7 @@
           <a:p>
             <a:fld id="{741AFA77-A7AE-1E45-B388-07DCC57FFC64}" type="datetimeFigureOut">
               <a:rPr lang="en-US" smtClean="0"/>
-              <a:t>6/24/18</a:t>
+              <a:t>6/25/18</a:t>
             </a:fld>
             <a:endParaRPr lang="en-US"/>
           </a:p>
@@ -2090,7 +2118,7 @@
           <a:p>
             <a:fld id="{741AFA77-A7AE-1E45-B388-07DCC57FFC64}" type="datetimeFigureOut">
               <a:rPr lang="en-US" smtClean="0"/>
-              <a:t>6/24/18</a:t>
+              <a:t>6/25/18</a:t>
             </a:fld>
             <a:endParaRPr lang="en-US"/>
           </a:p>
@@ -2401,7 +2429,7 @@
           <a:p>
             <a:fld id="{741AFA77-A7AE-1E45-B388-07DCC57FFC64}" type="datetimeFigureOut">
               <a:rPr lang="en-US" smtClean="0"/>
-              <a:t>6/24/18</a:t>
+              <a:t>6/25/18</a:t>
             </a:fld>
             <a:endParaRPr lang="en-US"/>
           </a:p>
@@ -2689,7 +2717,7 @@
           <a:p>
             <a:fld id="{741AFA77-A7AE-1E45-B388-07DCC57FFC64}" type="datetimeFigureOut">
               <a:rPr lang="en-US" smtClean="0"/>
-              <a:t>6/24/18</a:t>
+              <a:t>6/25/18</a:t>
             </a:fld>
             <a:endParaRPr lang="en-US"/>
           </a:p>
@@ -2930,7 +2958,7 @@
           <a:p>
             <a:fld id="{741AFA77-A7AE-1E45-B388-07DCC57FFC64}" type="datetimeFigureOut">
               <a:rPr lang="en-US" smtClean="0"/>
-              <a:t>6/24/18</a:t>
+              <a:t>6/25/18</a:t>
             </a:fld>
             <a:endParaRPr lang="en-US"/>
           </a:p>
@@ -3442,13 +3470,7 @@
       </p:grpSpPr>
       <p:sp>
         <p:nvSpPr>
-          <p:cNvPr id="2" name="Title 1">
-            <a:extLst>
-              <a:ext uri="{FF2B5EF4-FFF2-40B4-BE49-F238E27FC236}">
-                <a16:creationId xmlns:a16="http://schemas.microsoft.com/office/drawing/2014/main" id="{A063F629-197F-704E-A07F-2A5D08BC394B}"/>
-              </a:ext>
-            </a:extLst>
-          </p:cNvPr>
+          <p:cNvPr id="2" name="Title 1"/>
           <p:cNvSpPr>
             <a:spLocks noGrp="1"/>
           </p:cNvSpPr>
@@ -3463,27 +3485,16 @@
           <a:p>
             <a:r>
               <a:rPr lang="en-US" dirty="0"/>
-              <a:t>Case 2: 1000 sims, 1000 data points, 10 Ex </a:t>
-            </a:r>
-            <a:r>
-              <a:rPr lang="en-US" dirty="0" err="1"/>
-              <a:t>Vars</a:t>
-            </a:r>
-            <a:endParaRPr lang="en-US" dirty="0"/>
+              <a:t>Case 1 - 10 noise / 5 explanatory</a:t>
+            </a:r>
           </a:p>
         </p:txBody>
       </p:sp>
       <p:pic>
         <p:nvPicPr>
-          <p:cNvPr id="7" name="Content Placeholder 6">
-            <a:extLst>
-              <a:ext uri="{FF2B5EF4-FFF2-40B4-BE49-F238E27FC236}">
-                <a16:creationId xmlns:a16="http://schemas.microsoft.com/office/drawing/2014/main" id="{F6046C01-5B13-4D4D-8B78-730B88F52ED4}"/>
-              </a:ext>
-            </a:extLst>
-          </p:cNvPr>
+          <p:cNvPr id="3074" name="Picture 2"/>
           <p:cNvPicPr>
-            <a:picLocks noGrp="1" noChangeAspect="1"/>
+            <a:picLocks noGrp="1" noChangeAspect="1" noChangeArrowheads="1"/>
           </p:cNvPicPr>
           <p:nvPr>
             <p:ph sz="half" idx="1"/>
@@ -3497,97 +3508,104 @@
               </a:ext>
             </a:extLst>
           </a:blip>
+          <a:srcRect/>
           <a:stretch>
             <a:fillRect/>
           </a:stretch>
         </p:blipFill>
-        <p:spPr>
+        <p:spPr bwMode="auto">
           <a:xfrm>
-            <a:off x="838200" y="2985153"/>
-            <a:ext cx="5181600" cy="2032282"/>
-          </a:xfrm>
-        </p:spPr>
-      </p:pic>
-      <p:pic>
-        <p:nvPicPr>
-          <p:cNvPr id="9" name="Content Placeholder 8">
-            <a:extLst>
-              <a:ext uri="{FF2B5EF4-FFF2-40B4-BE49-F238E27FC236}">
-                <a16:creationId xmlns:a16="http://schemas.microsoft.com/office/drawing/2014/main" id="{303BE053-01C6-A441-AD8C-2F09F553FF77}"/>
-              </a:ext>
-            </a:extLst>
-          </p:cNvPr>
-          <p:cNvPicPr>
-            <a:picLocks noGrp="1" noChangeAspect="1"/>
-          </p:cNvPicPr>
-          <p:nvPr>
-            <p:ph sz="half" idx="2"/>
-          </p:nvPr>
-        </p:nvPicPr>
-        <p:blipFill>
-          <a:blip r:embed="rId3">
-            <a:extLst>
-              <a:ext uri="{28A0092B-C50C-407E-A947-70E740481C1C}">
-                <a14:useLocalDpi xmlns:a14="http://schemas.microsoft.com/office/drawing/2010/main" val="0"/>
-              </a:ext>
-            </a:extLst>
-          </a:blip>
-          <a:stretch>
-            <a:fillRect/>
-          </a:stretch>
-        </p:blipFill>
-        <p:spPr>
-          <a:xfrm>
-            <a:off x="6172200" y="2973719"/>
-            <a:ext cx="5181600" cy="2055149"/>
-          </a:xfrm>
-        </p:spPr>
-      </p:pic>
-      <p:sp>
-        <p:nvSpPr>
-          <p:cNvPr id="10" name="TextBox 9">
-            <a:extLst>
-              <a:ext uri="{FF2B5EF4-FFF2-40B4-BE49-F238E27FC236}">
-                <a16:creationId xmlns:a16="http://schemas.microsoft.com/office/drawing/2014/main" id="{EDC2F7B9-7DFD-6640-993C-08FBC85A6B41}"/>
-              </a:ext>
-            </a:extLst>
-          </p:cNvPr>
-          <p:cNvSpPr txBox="1"/>
-          <p:nvPr/>
-        </p:nvSpPr>
-        <p:spPr>
-          <a:xfrm>
-            <a:off x="838200" y="1964063"/>
-            <a:ext cx="5582490" cy="646331"/>
+            <a:off x="925830" y="2454434"/>
+            <a:ext cx="5006340" cy="3093720"/>
           </a:xfrm>
           <a:prstGeom prst="rect">
             <a:avLst/>
           </a:prstGeom>
           <a:noFill/>
+          <a:ln>
+            <a:noFill/>
+          </a:ln>
+          <a:extLst>
+            <a:ext uri="{909E8E84-426E-40DD-AFC4-6F175D3DCCD1}">
+              <a14:hiddenFill xmlns:a14="http://schemas.microsoft.com/office/drawing/2010/main">
+                <a:solidFill>
+                  <a:schemeClr val="accent1"/>
+                </a:solidFill>
+              </a14:hiddenFill>
+            </a:ext>
+            <a:ext uri="{91240B29-F687-4F45-9708-019B960494DF}">
+              <a14:hiddenLine xmlns:a14="http://schemas.microsoft.com/office/drawing/2010/main" w="9525">
+                <a:solidFill>
+                  <a:schemeClr val="tx1"/>
+                </a:solidFill>
+                <a:miter lim="800000"/>
+                <a:headEnd/>
+                <a:tailEnd/>
+              </a14:hiddenLine>
+            </a:ext>
+          </a:extLst>
         </p:spPr>
-        <p:txBody>
-          <a:bodyPr wrap="none" rtlCol="0">
-            <a:spAutoFit/>
-          </a:bodyPr>
-          <a:lstStyle/>
-          <a:p>
-            <a:r>
-              <a:rPr lang="en-US" dirty="0"/>
-              <a:t>*Description is hardcoded</a:t>
-            </a:r>
-          </a:p>
-          <a:p>
-            <a:r>
-              <a:rPr lang="en-US" dirty="0"/>
-              <a:t>*TPR for LR is the only one that is incorrect – reran to fix it</a:t>
-            </a:r>
-          </a:p>
-        </p:txBody>
-      </p:sp>
+      </p:pic>
+      <p:pic>
+        <p:nvPicPr>
+          <p:cNvPr id="3075" name="Picture 3"/>
+          <p:cNvPicPr>
+            <a:picLocks noGrp="1" noChangeAspect="1" noChangeArrowheads="1"/>
+          </p:cNvPicPr>
+          <p:nvPr>
+            <p:ph sz="half" idx="2"/>
+          </p:nvPr>
+        </p:nvPicPr>
+        <p:blipFill>
+          <a:blip r:embed="rId3">
+            <a:extLst>
+              <a:ext uri="{28A0092B-C50C-407E-A947-70E740481C1C}">
+                <a14:useLocalDpi xmlns:a14="http://schemas.microsoft.com/office/drawing/2010/main" val="0"/>
+              </a:ext>
+            </a:extLst>
+          </a:blip>
+          <a:srcRect/>
+          <a:stretch>
+            <a:fillRect/>
+          </a:stretch>
+        </p:blipFill>
+        <p:spPr bwMode="auto">
+          <a:xfrm>
+            <a:off x="6248400" y="2446814"/>
+            <a:ext cx="5029200" cy="3108960"/>
+          </a:xfrm>
+          <a:prstGeom prst="rect">
+            <a:avLst/>
+          </a:prstGeom>
+          <a:noFill/>
+          <a:ln>
+            <a:noFill/>
+          </a:ln>
+          <a:extLst>
+            <a:ext uri="{909E8E84-426E-40DD-AFC4-6F175D3DCCD1}">
+              <a14:hiddenFill xmlns:a14="http://schemas.microsoft.com/office/drawing/2010/main">
+                <a:solidFill>
+                  <a:schemeClr val="accent1"/>
+                </a:solidFill>
+              </a14:hiddenFill>
+            </a:ext>
+            <a:ext uri="{91240B29-F687-4F45-9708-019B960494DF}">
+              <a14:hiddenLine xmlns:a14="http://schemas.microsoft.com/office/drawing/2010/main" w="9525">
+                <a:solidFill>
+                  <a:schemeClr val="tx1"/>
+                </a:solidFill>
+                <a:miter lim="800000"/>
+                <a:headEnd/>
+                <a:tailEnd/>
+              </a14:hiddenLine>
+            </a:ext>
+          </a:extLst>
+        </p:spPr>
+      </p:pic>
     </p:spTree>
     <p:extLst>
       <p:ext uri="{BB962C8B-B14F-4D97-AF65-F5344CB8AC3E}">
-        <p14:creationId xmlns:p14="http://schemas.microsoft.com/office/powerpoint/2010/main" val="3779727014"/>
+        <p14:creationId xmlns:p14="http://schemas.microsoft.com/office/powerpoint/2010/main" val="3658199014"/>
       </p:ext>
     </p:extLst>
   </p:cSld>
@@ -3619,7 +3637,7 @@
           <p:cNvPr id="2" name="Title 1">
             <a:extLst>
               <a:ext uri="{FF2B5EF4-FFF2-40B4-BE49-F238E27FC236}">
-                <a16:creationId xmlns:a16="http://schemas.microsoft.com/office/drawing/2014/main" id="{A063F629-197F-704E-A07F-2A5D08BC394B}"/>
+                <a16:creationId xmlns:a16="http://schemas.microsoft.com/office/drawing/2014/main" id="{C0AF628F-F166-F74C-8E6D-DBDEA47A7605}"/>
               </a:ext>
             </a:extLst>
           </p:cNvPr>
@@ -3637,117 +3655,86 @@
           <a:p>
             <a:r>
               <a:rPr lang="en-US" dirty="0"/>
-              <a:t>Case 2: 1000 sims, 1000 data points, 10 Ex </a:t>
-            </a:r>
-            <a:r>
-              <a:rPr lang="en-US" dirty="0" err="1"/>
-              <a:t>Vars</a:t>
-            </a:r>
-            <a:endParaRPr lang="en-US" dirty="0"/>
-          </a:p>
-        </p:txBody>
-      </p:sp>
-      <p:pic>
-        <p:nvPicPr>
-          <p:cNvPr id="7" name="Content Placeholder 6">
-            <a:extLst>
-              <a:ext uri="{FF2B5EF4-FFF2-40B4-BE49-F238E27FC236}">
-                <a16:creationId xmlns:a16="http://schemas.microsoft.com/office/drawing/2014/main" id="{91E38659-E7D8-D84C-B6C0-4FB2B907243D}"/>
-              </a:ext>
-            </a:extLst>
-          </p:cNvPr>
-          <p:cNvPicPr>
-            <a:picLocks noGrp="1" noChangeAspect="1"/>
-          </p:cNvPicPr>
-          <p:nvPr>
-            <p:ph sz="half" idx="1"/>
-          </p:nvPr>
-        </p:nvPicPr>
-        <p:blipFill>
-          <a:blip r:embed="rId2">
-            <a:extLst>
-              <a:ext uri="{28A0092B-C50C-407E-A947-70E740481C1C}">
-                <a14:useLocalDpi xmlns:a14="http://schemas.microsoft.com/office/drawing/2010/main" val="0"/>
-              </a:ext>
-            </a:extLst>
-          </a:blip>
-          <a:stretch>
-            <a:fillRect/>
-          </a:stretch>
-        </p:blipFill>
-        <p:spPr>
-          <a:xfrm>
-            <a:off x="838200" y="2459065"/>
-            <a:ext cx="5181600" cy="3084457"/>
-          </a:xfrm>
-        </p:spPr>
-      </p:pic>
-      <p:pic>
-        <p:nvPicPr>
-          <p:cNvPr id="9" name="Content Placeholder 8">
-            <a:extLst>
-              <a:ext uri="{FF2B5EF4-FFF2-40B4-BE49-F238E27FC236}">
-                <a16:creationId xmlns:a16="http://schemas.microsoft.com/office/drawing/2014/main" id="{DC957996-6BF4-0C4F-82BC-E3A0D4DDBC98}"/>
-              </a:ext>
-            </a:extLst>
-          </p:cNvPr>
-          <p:cNvPicPr>
-            <a:picLocks noGrp="1" noChangeAspect="1"/>
-          </p:cNvPicPr>
-          <p:nvPr>
-            <p:ph sz="half" idx="2"/>
-          </p:nvPr>
-        </p:nvPicPr>
-        <p:blipFill>
-          <a:blip r:embed="rId3">
-            <a:extLst>
-              <a:ext uri="{28A0092B-C50C-407E-A947-70E740481C1C}">
-                <a14:useLocalDpi xmlns:a14="http://schemas.microsoft.com/office/drawing/2010/main" val="0"/>
-              </a:ext>
-            </a:extLst>
-          </a:blip>
-          <a:stretch>
-            <a:fillRect/>
-          </a:stretch>
-        </p:blipFill>
-        <p:spPr>
-          <a:xfrm>
-            <a:off x="6172200" y="2514117"/>
-            <a:ext cx="5181600" cy="2974354"/>
-          </a:xfrm>
-        </p:spPr>
-      </p:pic>
-      <p:sp>
-        <p:nvSpPr>
-          <p:cNvPr id="10" name="TextBox 9">
-            <a:extLst>
-              <a:ext uri="{FF2B5EF4-FFF2-40B4-BE49-F238E27FC236}">
-                <a16:creationId xmlns:a16="http://schemas.microsoft.com/office/drawing/2014/main" id="{BC5A1C41-1230-F944-89A2-79EB7ADFE6A3}"/>
-              </a:ext>
-            </a:extLst>
-          </p:cNvPr>
-          <p:cNvSpPr txBox="1"/>
-          <p:nvPr/>
-        </p:nvSpPr>
-        <p:spPr>
-          <a:xfrm>
-            <a:off x="838200" y="1927905"/>
-            <a:ext cx="5635389" cy="369332"/>
-          </a:xfrm>
-          <a:prstGeom prst="rect">
-            <a:avLst/>
-          </a:prstGeom>
-          <a:noFill/>
-        </p:spPr>
-        <p:txBody>
-          <a:bodyPr wrap="none" rtlCol="0">
-            <a:spAutoFit/>
-          </a:bodyPr>
+              <a:t>Case 2</a:t>
+            </a:r>
+          </a:p>
+        </p:txBody>
+      </p:sp>
+      <p:sp>
+        <p:nvSpPr>
+          <p:cNvPr id="3" name="Content Placeholder 2">
+            <a:extLst>
+              <a:ext uri="{FF2B5EF4-FFF2-40B4-BE49-F238E27FC236}">
+                <a16:creationId xmlns:a16="http://schemas.microsoft.com/office/drawing/2014/main" id="{A4F36379-91FF-E640-84BE-3FB27576C5E7}"/>
+              </a:ext>
+            </a:extLst>
+          </p:cNvPr>
+          <p:cNvSpPr>
+            <a:spLocks noGrp="1"/>
+          </p:cNvSpPr>
+          <p:nvPr>
+            <p:ph idx="1"/>
+          </p:nvPr>
+        </p:nvSpPr>
+        <p:spPr/>
+        <p:txBody>
+          <a:bodyPr/>
           <a:lstStyle/>
           <a:p>
             <a:r>
               <a:rPr lang="en-US" dirty="0"/>
-              <a:t>*TPR for LR is the only one that is incorrect – reran to fix it</a:t>
+              <a:t>In this case, we simulate the dataset and set the number of noise variables to 1, 5, 10, 20, and 50 and display the results of each simulation.</a:t>
+            </a:r>
+          </a:p>
+          <a:p>
+            <a:r>
+              <a:rPr lang="en-US" dirty="0"/>
+              <a:t>Run with 1000 sims</a:t>
+            </a:r>
+          </a:p>
+          <a:p>
+            <a:r>
+              <a:rPr lang="en-US" dirty="0"/>
+              <a:t>100, 1000 and </a:t>
+            </a:r>
+            <a:r>
+              <a:rPr lang="en-US" strike="sngStrike" dirty="0"/>
+              <a:t>100,000</a:t>
+            </a:r>
+            <a:r>
+              <a:rPr lang="en-US" dirty="0"/>
+              <a:t> data points</a:t>
+            </a:r>
+          </a:p>
+          <a:p>
+            <a:r>
+              <a:rPr lang="en-US" strike="sngStrike" dirty="0"/>
+              <a:t>1,</a:t>
+            </a:r>
+            <a:r>
+              <a:rPr lang="en-US" dirty="0"/>
+              <a:t> 5, 10, 20 explanatory variables</a:t>
+            </a:r>
+          </a:p>
+          <a:p>
+            <a:pPr lvl="1"/>
+            <a:r>
+              <a:rPr lang="en-US" dirty="0"/>
+              <a:t>Uniform 0.5 Coefficients – no difference</a:t>
+            </a:r>
+          </a:p>
+          <a:p>
+            <a:pPr lvl="1"/>
+            <a:r>
+              <a:rPr lang="en-US" dirty="0"/>
+              <a:t>Small/Medium/Large: 0.20, 0.50, 0.80 – no difference</a:t>
+            </a:r>
+          </a:p>
+          <a:p>
+            <a:pPr lvl="1"/>
+            <a:r>
+              <a:rPr lang="en-US" dirty="0"/>
+              <a:t>Forward &amp; backward + Small/ med/ large</a:t>
             </a:r>
           </a:p>
         </p:txBody>
@@ -3755,7 +3742,7 @@
     </p:spTree>
     <p:extLst>
       <p:ext uri="{BB962C8B-B14F-4D97-AF65-F5344CB8AC3E}">
-        <p14:creationId xmlns:p14="http://schemas.microsoft.com/office/powerpoint/2010/main" val="3110572038"/>
+        <p14:creationId xmlns:p14="http://schemas.microsoft.com/office/powerpoint/2010/main" val="547057354"/>
       </p:ext>
     </p:extLst>
   </p:cSld>
@@ -3766,7 +3753,7 @@
 </file>
 
 <file path=ppt/slides/slide12.xml><?xml version="1.0" encoding="utf-8"?>
-<p:sld xmlns:a="http://schemas.openxmlformats.org/drawingml/2006/main" xmlns:r="http://schemas.openxmlformats.org/officeDocument/2006/relationships" xmlns:p="http://schemas.openxmlformats.org/presentationml/2006/main">
+<p:sld xmlns:a="http://schemas.openxmlformats.org/drawingml/2006/main" xmlns:r="http://schemas.openxmlformats.org/officeDocument/2006/relationships" xmlns:p="http://schemas.openxmlformats.org/presentationml/2006/main" show="0">
   <p:cSld>
     <p:spTree>
       <p:nvGrpSpPr>
@@ -3805,7 +3792,15 @@
           <a:p>
             <a:r>
               <a:rPr lang="en-US" dirty="0"/>
-              <a:t>Case 2: 1000 sims, 1000 data points, 10 Ex </a:t>
+              <a:t>Case 2: 1000 sims, 1000 </a:t>
+            </a:r>
+            <a:r>
+              <a:rPr lang="en-US" dirty="0" err="1"/>
+              <a:t>datapoints</a:t>
+            </a:r>
+            <a:r>
+              <a:rPr lang="en-US" dirty="0"/>
+              <a:t>, 1 Ex </a:t>
             </a:r>
             <a:r>
               <a:rPr lang="en-US" dirty="0" err="1"/>
@@ -3815,80 +3810,35 @@
           </a:p>
         </p:txBody>
       </p:sp>
-      <p:pic>
-        <p:nvPicPr>
-          <p:cNvPr id="7" name="Content Placeholder 6">
-            <a:extLst>
-              <a:ext uri="{FF2B5EF4-FFF2-40B4-BE49-F238E27FC236}">
-                <a16:creationId xmlns:a16="http://schemas.microsoft.com/office/drawing/2014/main" id="{4B15F0F9-F78B-E445-B880-B409EB654DBE}"/>
-              </a:ext>
-            </a:extLst>
-          </p:cNvPr>
-          <p:cNvPicPr>
-            <a:picLocks noGrp="1" noChangeAspect="1"/>
-          </p:cNvPicPr>
-          <p:nvPr>
-            <p:ph sz="half" idx="1"/>
-          </p:nvPr>
-        </p:nvPicPr>
-        <p:blipFill>
-          <a:blip r:embed="rId2">
-            <a:extLst>
-              <a:ext uri="{28A0092B-C50C-407E-A947-70E740481C1C}">
-                <a14:useLocalDpi xmlns:a14="http://schemas.microsoft.com/office/drawing/2010/main" val="0"/>
-              </a:ext>
-            </a:extLst>
-          </a:blip>
-          <a:stretch>
-            <a:fillRect/>
-          </a:stretch>
-        </p:blipFill>
-        <p:spPr>
-          <a:xfrm>
-            <a:off x="838200" y="2531132"/>
-            <a:ext cx="5181600" cy="2940323"/>
-          </a:xfrm>
-        </p:spPr>
-      </p:pic>
-      <p:pic>
-        <p:nvPicPr>
-          <p:cNvPr id="9" name="Content Placeholder 8">
-            <a:extLst>
-              <a:ext uri="{FF2B5EF4-FFF2-40B4-BE49-F238E27FC236}">
-                <a16:creationId xmlns:a16="http://schemas.microsoft.com/office/drawing/2014/main" id="{71977463-EAAB-844E-BE47-083455ABEF0D}"/>
-              </a:ext>
-            </a:extLst>
-          </p:cNvPr>
-          <p:cNvPicPr>
-            <a:picLocks noGrp="1" noChangeAspect="1"/>
-          </p:cNvPicPr>
-          <p:nvPr>
-            <p:ph sz="half" idx="2"/>
-          </p:nvPr>
-        </p:nvPicPr>
-        <p:blipFill>
-          <a:blip r:embed="rId3">
-            <a:extLst>
-              <a:ext uri="{28A0092B-C50C-407E-A947-70E740481C1C}">
-                <a14:useLocalDpi xmlns:a14="http://schemas.microsoft.com/office/drawing/2010/main" val="0"/>
-              </a:ext>
-            </a:extLst>
-          </a:blip>
-          <a:stretch>
-            <a:fillRect/>
-          </a:stretch>
-        </p:blipFill>
-        <p:spPr>
-          <a:xfrm>
-            <a:off x="6172200" y="2526028"/>
-            <a:ext cx="5181600" cy="2950532"/>
-          </a:xfrm>
-        </p:spPr>
-      </p:pic>
+      <p:sp>
+        <p:nvSpPr>
+          <p:cNvPr id="3" name="Content Placeholder 2">
+            <a:extLst>
+              <a:ext uri="{FF2B5EF4-FFF2-40B4-BE49-F238E27FC236}">
+                <a16:creationId xmlns:a16="http://schemas.microsoft.com/office/drawing/2014/main" id="{FAEBC2D9-131F-6B4D-AF3C-BD2B1567A0A5}"/>
+              </a:ext>
+            </a:extLst>
+          </p:cNvPr>
+          <p:cNvSpPr>
+            <a:spLocks noGrp="1"/>
+          </p:cNvSpPr>
+          <p:nvPr>
+            <p:ph idx="1"/>
+          </p:nvPr>
+        </p:nvSpPr>
+        <p:spPr/>
+        <p:txBody>
+          <a:bodyPr/>
+          <a:lstStyle/>
+          <a:p>
+            <a:endParaRPr lang="en-US"/>
+          </a:p>
+        </p:txBody>
+      </p:sp>
     </p:spTree>
     <p:extLst>
       <p:ext uri="{BB962C8B-B14F-4D97-AF65-F5344CB8AC3E}">
-        <p14:creationId xmlns:p14="http://schemas.microsoft.com/office/powerpoint/2010/main" val="2509006070"/>
+        <p14:creationId xmlns:p14="http://schemas.microsoft.com/office/powerpoint/2010/main" val="382325634"/>
       </p:ext>
     </p:extLst>
   </p:cSld>
@@ -3899,7 +3849,7 @@
 </file>
 
 <file path=ppt/slides/slide13.xml><?xml version="1.0" encoding="utf-8"?>
-<p:sld xmlns:a="http://schemas.openxmlformats.org/drawingml/2006/main" xmlns:r="http://schemas.openxmlformats.org/officeDocument/2006/relationships" xmlns:p="http://schemas.openxmlformats.org/presentationml/2006/main">
+<p:sld xmlns:a="http://schemas.openxmlformats.org/drawingml/2006/main" xmlns:r="http://schemas.openxmlformats.org/officeDocument/2006/relationships" xmlns:p="http://schemas.openxmlformats.org/presentationml/2006/main" show="0">
   <p:cSld>
     <p:spTree>
       <p:nvGrpSpPr>
@@ -3938,7 +3888,15 @@
           <a:p>
             <a:r>
               <a:rPr lang="en-US" dirty="0"/>
-              <a:t>Case 2: 1000 sims, 1000 data points, 50 Ex </a:t>
+              <a:t>Case 2: 1000 sims, 1000 </a:t>
+            </a:r>
+            <a:r>
+              <a:rPr lang="en-US" dirty="0" err="1"/>
+              <a:t>datapoints</a:t>
+            </a:r>
+            <a:r>
+              <a:rPr lang="en-US" dirty="0"/>
+              <a:t>, 1 Ex </a:t>
             </a:r>
             <a:r>
               <a:rPr lang="en-US" dirty="0" err="1"/>
@@ -3948,80 +3906,35 @@
           </a:p>
         </p:txBody>
       </p:sp>
-      <p:pic>
-        <p:nvPicPr>
-          <p:cNvPr id="7" name="Content Placeholder 6">
-            <a:extLst>
-              <a:ext uri="{FF2B5EF4-FFF2-40B4-BE49-F238E27FC236}">
-                <a16:creationId xmlns:a16="http://schemas.microsoft.com/office/drawing/2014/main" id="{7414A580-C3F7-6548-B50A-E55E3DB50857}"/>
-              </a:ext>
-            </a:extLst>
-          </p:cNvPr>
-          <p:cNvPicPr>
-            <a:picLocks noGrp="1" noChangeAspect="1"/>
-          </p:cNvPicPr>
-          <p:nvPr>
-            <p:ph sz="half" idx="1"/>
-          </p:nvPr>
-        </p:nvPicPr>
-        <p:blipFill>
-          <a:blip r:embed="rId2">
-            <a:extLst>
-              <a:ext uri="{28A0092B-C50C-407E-A947-70E740481C1C}">
-                <a14:useLocalDpi xmlns:a14="http://schemas.microsoft.com/office/drawing/2010/main" val="0"/>
-              </a:ext>
-            </a:extLst>
-          </a:blip>
-          <a:stretch>
-            <a:fillRect/>
-          </a:stretch>
-        </p:blipFill>
-        <p:spPr>
-          <a:xfrm>
-            <a:off x="838200" y="3008154"/>
-            <a:ext cx="5181600" cy="1986280"/>
-          </a:xfrm>
-        </p:spPr>
-      </p:pic>
-      <p:pic>
-        <p:nvPicPr>
-          <p:cNvPr id="9" name="Content Placeholder 8">
-            <a:extLst>
-              <a:ext uri="{FF2B5EF4-FFF2-40B4-BE49-F238E27FC236}">
-                <a16:creationId xmlns:a16="http://schemas.microsoft.com/office/drawing/2014/main" id="{E17CB171-BDFA-D542-91E5-F13F92837F19}"/>
-              </a:ext>
-            </a:extLst>
-          </p:cNvPr>
-          <p:cNvPicPr>
-            <a:picLocks noGrp="1" noChangeAspect="1"/>
-          </p:cNvPicPr>
-          <p:nvPr>
-            <p:ph sz="half" idx="2"/>
-          </p:nvPr>
-        </p:nvPicPr>
-        <p:blipFill>
-          <a:blip r:embed="rId3">
-            <a:extLst>
-              <a:ext uri="{28A0092B-C50C-407E-A947-70E740481C1C}">
-                <a14:useLocalDpi xmlns:a14="http://schemas.microsoft.com/office/drawing/2010/main" val="0"/>
-              </a:ext>
-            </a:extLst>
-          </a:blip>
-          <a:stretch>
-            <a:fillRect/>
-          </a:stretch>
-        </p:blipFill>
-        <p:spPr>
-          <a:xfrm>
-            <a:off x="6172200" y="3008762"/>
-            <a:ext cx="5181600" cy="1985063"/>
-          </a:xfrm>
-        </p:spPr>
-      </p:pic>
+      <p:sp>
+        <p:nvSpPr>
+          <p:cNvPr id="3" name="Content Placeholder 2">
+            <a:extLst>
+              <a:ext uri="{FF2B5EF4-FFF2-40B4-BE49-F238E27FC236}">
+                <a16:creationId xmlns:a16="http://schemas.microsoft.com/office/drawing/2014/main" id="{FAEBC2D9-131F-6B4D-AF3C-BD2B1567A0A5}"/>
+              </a:ext>
+            </a:extLst>
+          </p:cNvPr>
+          <p:cNvSpPr>
+            <a:spLocks noGrp="1"/>
+          </p:cNvSpPr>
+          <p:nvPr>
+            <p:ph idx="1"/>
+          </p:nvPr>
+        </p:nvSpPr>
+        <p:spPr/>
+        <p:txBody>
+          <a:bodyPr/>
+          <a:lstStyle/>
+          <a:p>
+            <a:endParaRPr lang="en-US"/>
+          </a:p>
+        </p:txBody>
+      </p:sp>
     </p:spTree>
     <p:extLst>
       <p:ext uri="{BB962C8B-B14F-4D97-AF65-F5344CB8AC3E}">
-        <p14:creationId xmlns:p14="http://schemas.microsoft.com/office/powerpoint/2010/main" val="3432247937"/>
+        <p14:creationId xmlns:p14="http://schemas.microsoft.com/office/powerpoint/2010/main" val="851252504"/>
       </p:ext>
     </p:extLst>
   </p:cSld>
@@ -4032,7 +3945,7 @@
 </file>
 
 <file path=ppt/slides/slide14.xml><?xml version="1.0" encoding="utf-8"?>
-<p:sld xmlns:a="http://schemas.openxmlformats.org/drawingml/2006/main" xmlns:r="http://schemas.openxmlformats.org/officeDocument/2006/relationships" xmlns:p="http://schemas.openxmlformats.org/presentationml/2006/main">
+<p:sld xmlns:a="http://schemas.openxmlformats.org/drawingml/2006/main" xmlns:r="http://schemas.openxmlformats.org/officeDocument/2006/relationships" xmlns:p="http://schemas.openxmlformats.org/presentationml/2006/main" show="0">
   <p:cSld>
     <p:spTree>
       <p:nvGrpSpPr>
@@ -4071,7 +3984,15 @@
           <a:p>
             <a:r>
               <a:rPr lang="en-US" dirty="0"/>
-              <a:t>Case 2: 1000 sims, 1000 data points, 50 Ex </a:t>
+              <a:t>Case 2: 1000 sims, 1000 </a:t>
+            </a:r>
+            <a:r>
+              <a:rPr lang="en-US" dirty="0" err="1"/>
+              <a:t>datapoints</a:t>
+            </a:r>
+            <a:r>
+              <a:rPr lang="en-US" dirty="0"/>
+              <a:t>, 1 Ex </a:t>
             </a:r>
             <a:r>
               <a:rPr lang="en-US" dirty="0" err="1"/>
@@ -4081,80 +4002,35 @@
           </a:p>
         </p:txBody>
       </p:sp>
-      <p:pic>
-        <p:nvPicPr>
-          <p:cNvPr id="7" name="Content Placeholder 6">
-            <a:extLst>
-              <a:ext uri="{FF2B5EF4-FFF2-40B4-BE49-F238E27FC236}">
-                <a16:creationId xmlns:a16="http://schemas.microsoft.com/office/drawing/2014/main" id="{01E962EB-A3B9-8646-9A2E-CAF16CC1BD42}"/>
-              </a:ext>
-            </a:extLst>
-          </p:cNvPr>
-          <p:cNvPicPr>
-            <a:picLocks noGrp="1" noChangeAspect="1"/>
-          </p:cNvPicPr>
-          <p:nvPr>
-            <p:ph sz="half" idx="1"/>
-          </p:nvPr>
-        </p:nvPicPr>
-        <p:blipFill>
-          <a:blip r:embed="rId2">
-            <a:extLst>
-              <a:ext uri="{28A0092B-C50C-407E-A947-70E740481C1C}">
-                <a14:useLocalDpi xmlns:a14="http://schemas.microsoft.com/office/drawing/2010/main" val="0"/>
-              </a:ext>
-            </a:extLst>
-          </a:blip>
-          <a:stretch>
-            <a:fillRect/>
-          </a:stretch>
-        </p:blipFill>
-        <p:spPr>
-          <a:xfrm>
-            <a:off x="838200" y="2531723"/>
-            <a:ext cx="5181600" cy="2939142"/>
-          </a:xfrm>
-        </p:spPr>
-      </p:pic>
-      <p:pic>
-        <p:nvPicPr>
-          <p:cNvPr id="9" name="Content Placeholder 8">
-            <a:extLst>
-              <a:ext uri="{FF2B5EF4-FFF2-40B4-BE49-F238E27FC236}">
-                <a16:creationId xmlns:a16="http://schemas.microsoft.com/office/drawing/2014/main" id="{5C87F0DE-82FB-B049-8ABC-F4F56A3325E6}"/>
-              </a:ext>
-            </a:extLst>
-          </p:cNvPr>
-          <p:cNvPicPr>
-            <a:picLocks noGrp="1" noChangeAspect="1"/>
-          </p:cNvPicPr>
-          <p:nvPr>
-            <p:ph sz="half" idx="2"/>
-          </p:nvPr>
-        </p:nvPicPr>
-        <p:blipFill>
-          <a:blip r:embed="rId3">
-            <a:extLst>
-              <a:ext uri="{28A0092B-C50C-407E-A947-70E740481C1C}">
-                <a14:useLocalDpi xmlns:a14="http://schemas.microsoft.com/office/drawing/2010/main" val="0"/>
-              </a:ext>
-            </a:extLst>
-          </a:blip>
-          <a:stretch>
-            <a:fillRect/>
-          </a:stretch>
-        </p:blipFill>
-        <p:spPr>
-          <a:xfrm>
-            <a:off x="6172200" y="2521354"/>
-            <a:ext cx="5181600" cy="2959880"/>
-          </a:xfrm>
-        </p:spPr>
-      </p:pic>
+      <p:sp>
+        <p:nvSpPr>
+          <p:cNvPr id="3" name="Content Placeholder 2">
+            <a:extLst>
+              <a:ext uri="{FF2B5EF4-FFF2-40B4-BE49-F238E27FC236}">
+                <a16:creationId xmlns:a16="http://schemas.microsoft.com/office/drawing/2014/main" id="{FAEBC2D9-131F-6B4D-AF3C-BD2B1567A0A5}"/>
+              </a:ext>
+            </a:extLst>
+          </p:cNvPr>
+          <p:cNvSpPr>
+            <a:spLocks noGrp="1"/>
+          </p:cNvSpPr>
+          <p:nvPr>
+            <p:ph idx="1"/>
+          </p:nvPr>
+        </p:nvSpPr>
+        <p:spPr/>
+        <p:txBody>
+          <a:bodyPr/>
+          <a:lstStyle/>
+          <a:p>
+            <a:endParaRPr lang="en-US"/>
+          </a:p>
+        </p:txBody>
+      </p:sp>
     </p:spTree>
     <p:extLst>
       <p:ext uri="{BB962C8B-B14F-4D97-AF65-F5344CB8AC3E}">
-        <p14:creationId xmlns:p14="http://schemas.microsoft.com/office/powerpoint/2010/main" val="1276832929"/>
+        <p14:creationId xmlns:p14="http://schemas.microsoft.com/office/powerpoint/2010/main" val="1902638425"/>
       </p:ext>
     </p:extLst>
   </p:cSld>
@@ -4204,7 +4080,7 @@
           <a:p>
             <a:r>
               <a:rPr lang="en-US" dirty="0"/>
-              <a:t>Case 2: 1000 sims, 1000 data points, 50 Ex </a:t>
+              <a:t>Case 2: 1000 sims, 1000 data points, 5 Ex </a:t>
             </a:r>
             <a:r>
               <a:rPr lang="en-US" dirty="0" err="1"/>
@@ -4219,7 +4095,7 @@
           <p:cNvPr id="7" name="Content Placeholder 6">
             <a:extLst>
               <a:ext uri="{FF2B5EF4-FFF2-40B4-BE49-F238E27FC236}">
-                <a16:creationId xmlns:a16="http://schemas.microsoft.com/office/drawing/2014/main" id="{251CF48F-DD6F-0343-BA30-41733ACC5B86}"/>
+                <a16:creationId xmlns:a16="http://schemas.microsoft.com/office/drawing/2014/main" id="{8D9927CB-CDD3-9543-B041-F637B62D0FCF}"/>
               </a:ext>
             </a:extLst>
           </p:cNvPr>
@@ -4231,7 +4107,7 @@
           </p:nvPr>
         </p:nvPicPr>
         <p:blipFill>
-          <a:blip r:embed="rId2">
+          <a:blip r:embed="rId2" cstate="print">
             <a:extLst>
               <a:ext uri="{28A0092B-C50C-407E-A947-70E740481C1C}">
                 <a14:useLocalDpi xmlns:a14="http://schemas.microsoft.com/office/drawing/2010/main" val="0"/>
@@ -4244,8 +4120,8 @@
         </p:blipFill>
         <p:spPr>
           <a:xfrm>
-            <a:off x="838200" y="2523418"/>
-            <a:ext cx="5181600" cy="2955752"/>
+            <a:off x="838200" y="2958293"/>
+            <a:ext cx="5181600" cy="2086002"/>
           </a:xfrm>
         </p:spPr>
       </p:pic>
@@ -4254,7 +4130,7 @@
           <p:cNvPr id="9" name="Content Placeholder 8">
             <a:extLst>
               <a:ext uri="{FF2B5EF4-FFF2-40B4-BE49-F238E27FC236}">
-                <a16:creationId xmlns:a16="http://schemas.microsoft.com/office/drawing/2014/main" id="{51E0770A-63D1-C949-BE8A-E2653E0F75F8}"/>
+                <a16:creationId xmlns:a16="http://schemas.microsoft.com/office/drawing/2014/main" id="{DD694240-73F5-C04B-BC7F-0E77BEBF52A8}"/>
               </a:ext>
             </a:extLst>
           </p:cNvPr>
@@ -4266,7 +4142,7 @@
           </p:nvPr>
         </p:nvPicPr>
         <p:blipFill>
-          <a:blip r:embed="rId3">
+          <a:blip r:embed="rId3" cstate="print">
             <a:extLst>
               <a:ext uri="{28A0092B-C50C-407E-A947-70E740481C1C}">
                 <a14:useLocalDpi xmlns:a14="http://schemas.microsoft.com/office/drawing/2010/main" val="0"/>
@@ -4279,15 +4155,56 @@
         </p:blipFill>
         <p:spPr>
           <a:xfrm>
-            <a:off x="6172200" y="2517208"/>
-            <a:ext cx="5181600" cy="2968171"/>
+            <a:off x="6172200" y="2973908"/>
+            <a:ext cx="5181600" cy="2054772"/>
           </a:xfrm>
         </p:spPr>
       </p:pic>
+      <p:sp>
+        <p:nvSpPr>
+          <p:cNvPr id="10" name="TextBox 9">
+            <a:extLst>
+              <a:ext uri="{FF2B5EF4-FFF2-40B4-BE49-F238E27FC236}">
+                <a16:creationId xmlns:a16="http://schemas.microsoft.com/office/drawing/2014/main" id="{E3B9695A-7DBD-AE44-BA33-DCEF54122B5A}"/>
+              </a:ext>
+            </a:extLst>
+          </p:cNvPr>
+          <p:cNvSpPr txBox="1"/>
+          <p:nvPr/>
+        </p:nvSpPr>
+        <p:spPr>
+          <a:xfrm>
+            <a:off x="1075038" y="1690688"/>
+            <a:ext cx="5582490" cy="646331"/>
+          </a:xfrm>
+          <a:prstGeom prst="rect">
+            <a:avLst/>
+          </a:prstGeom>
+          <a:noFill/>
+        </p:spPr>
+        <p:txBody>
+          <a:bodyPr wrap="none" rtlCol="0">
+            <a:spAutoFit/>
+          </a:bodyPr>
+          <a:lstStyle/>
+          <a:p>
+            <a:r>
+              <a:rPr lang="en-US" dirty="0"/>
+              <a:t>*Description is hardcoded</a:t>
+            </a:r>
+          </a:p>
+          <a:p>
+            <a:r>
+              <a:rPr lang="en-US" dirty="0"/>
+              <a:t>*TPR for LR is the only one that is incorrect – reran to fix it</a:t>
+            </a:r>
+          </a:p>
+        </p:txBody>
+      </p:sp>
     </p:spTree>
     <p:extLst>
       <p:ext uri="{BB962C8B-B14F-4D97-AF65-F5344CB8AC3E}">
-        <p14:creationId xmlns:p14="http://schemas.microsoft.com/office/powerpoint/2010/main" val="1742175377"/>
+        <p14:creationId xmlns:p14="http://schemas.microsoft.com/office/powerpoint/2010/main" val="341843874"/>
       </p:ext>
     </p:extLst>
   </p:cSld>
@@ -4337,7 +4254,7 @@
           <a:p>
             <a:r>
               <a:rPr lang="en-US" dirty="0"/>
-              <a:t>Case 2 – Run 2: 1000 sims, 1000 data points, 50 Ex </a:t>
+              <a:t>Case 2: 1000 sims, 1000 data points, 5 Ex </a:t>
             </a:r>
             <a:r>
               <a:rPr lang="en-US" dirty="0" err="1"/>
@@ -4349,10 +4266,10 @@
       </p:sp>
       <p:pic>
         <p:nvPicPr>
-          <p:cNvPr id="10" name="Content Placeholder 9">
-            <a:extLst>
-              <a:ext uri="{FF2B5EF4-FFF2-40B4-BE49-F238E27FC236}">
-                <a16:creationId xmlns:a16="http://schemas.microsoft.com/office/drawing/2014/main" id="{E0878E3A-1D67-0E40-BD5D-1091F3DD50F6}"/>
+          <p:cNvPr id="7" name="Content Placeholder 6">
+            <a:extLst>
+              <a:ext uri="{FF2B5EF4-FFF2-40B4-BE49-F238E27FC236}">
+                <a16:creationId xmlns:a16="http://schemas.microsoft.com/office/drawing/2014/main" id="{97C4D4E9-8C16-0049-A1B6-1C1973E091A5}"/>
               </a:ext>
             </a:extLst>
           </p:cNvPr>
@@ -4364,7 +4281,7 @@
           </p:nvPr>
         </p:nvPicPr>
         <p:blipFill>
-          <a:blip r:embed="rId2">
+          <a:blip r:embed="rId2" cstate="print">
             <a:extLst>
               <a:ext uri="{28A0092B-C50C-407E-A947-70E740481C1C}">
                 <a14:useLocalDpi xmlns:a14="http://schemas.microsoft.com/office/drawing/2010/main" val="0"/>
@@ -4377,17 +4294,17 @@
         </p:blipFill>
         <p:spPr>
           <a:xfrm>
-            <a:off x="838200" y="2954783"/>
-            <a:ext cx="5181600" cy="2093021"/>
+            <a:off x="838200" y="2470195"/>
+            <a:ext cx="5181600" cy="3062197"/>
           </a:xfrm>
         </p:spPr>
       </p:pic>
       <p:pic>
         <p:nvPicPr>
-          <p:cNvPr id="12" name="Content Placeholder 11">
-            <a:extLst>
-              <a:ext uri="{FF2B5EF4-FFF2-40B4-BE49-F238E27FC236}">
-                <a16:creationId xmlns:a16="http://schemas.microsoft.com/office/drawing/2014/main" id="{478CE119-3850-B040-81D1-E03625F4E6E4}"/>
+          <p:cNvPr id="9" name="Content Placeholder 8">
+            <a:extLst>
+              <a:ext uri="{FF2B5EF4-FFF2-40B4-BE49-F238E27FC236}">
+                <a16:creationId xmlns:a16="http://schemas.microsoft.com/office/drawing/2014/main" id="{C905B4AA-51FF-8A4F-8152-E40E28318055}"/>
               </a:ext>
             </a:extLst>
           </p:cNvPr>
@@ -4399,7 +4316,7 @@
           </p:nvPr>
         </p:nvPicPr>
         <p:blipFill>
-          <a:blip r:embed="rId3">
+          <a:blip r:embed="rId3" cstate="print">
             <a:extLst>
               <a:ext uri="{28A0092B-C50C-407E-A947-70E740481C1C}">
                 <a14:useLocalDpi xmlns:a14="http://schemas.microsoft.com/office/drawing/2010/main" val="0"/>
@@ -4412,15 +4329,15 @@
         </p:blipFill>
         <p:spPr>
           <a:xfrm>
-            <a:off x="6172200" y="2933806"/>
-            <a:ext cx="5181600" cy="2134975"/>
+            <a:off x="6172200" y="2469343"/>
+            <a:ext cx="5181600" cy="3063902"/>
           </a:xfrm>
         </p:spPr>
       </p:pic>
     </p:spTree>
     <p:extLst>
       <p:ext uri="{BB962C8B-B14F-4D97-AF65-F5344CB8AC3E}">
-        <p14:creationId xmlns:p14="http://schemas.microsoft.com/office/powerpoint/2010/main" val="2108663382"/>
+        <p14:creationId xmlns:p14="http://schemas.microsoft.com/office/powerpoint/2010/main" val="2982233844"/>
       </p:ext>
     </p:extLst>
   </p:cSld>
@@ -4470,7 +4387,7 @@
           <a:p>
             <a:r>
               <a:rPr lang="en-US" dirty="0"/>
-              <a:t>Case 2 – Run 2: 1000 sims, 1000 data points, 50 Ex </a:t>
+              <a:t>Case 2: 1000 sims, 1000 data points, 5 Ex </a:t>
             </a:r>
             <a:r>
               <a:rPr lang="en-US" dirty="0" err="1"/>
@@ -4482,10 +4399,10 @@
       </p:sp>
       <p:pic>
         <p:nvPicPr>
-          <p:cNvPr id="10" name="Content Placeholder 9">
-            <a:extLst>
-              <a:ext uri="{FF2B5EF4-FFF2-40B4-BE49-F238E27FC236}">
-                <a16:creationId xmlns:a16="http://schemas.microsoft.com/office/drawing/2014/main" id="{901B9689-F13F-1D45-88DC-5DE58D9A4058}"/>
+          <p:cNvPr id="7" name="Content Placeholder 6">
+            <a:extLst>
+              <a:ext uri="{FF2B5EF4-FFF2-40B4-BE49-F238E27FC236}">
+                <a16:creationId xmlns:a16="http://schemas.microsoft.com/office/drawing/2014/main" id="{78D76495-20EF-C142-B7BA-8D8A19A65C78}"/>
               </a:ext>
             </a:extLst>
           </p:cNvPr>
@@ -4497,7 +4414,7 @@
           </p:nvPr>
         </p:nvPicPr>
         <p:blipFill>
-          <a:blip r:embed="rId2">
+          <a:blip r:embed="rId2" cstate="print">
             <a:extLst>
               <a:ext uri="{28A0092B-C50C-407E-A947-70E740481C1C}">
                 <a14:useLocalDpi xmlns:a14="http://schemas.microsoft.com/office/drawing/2010/main" val="0"/>
@@ -4510,17 +4427,17 @@
         </p:blipFill>
         <p:spPr>
           <a:xfrm>
-            <a:off x="838200" y="2401210"/>
-            <a:ext cx="5181600" cy="3200168"/>
+            <a:off x="838200" y="2463359"/>
+            <a:ext cx="5181600" cy="3075869"/>
           </a:xfrm>
         </p:spPr>
       </p:pic>
       <p:pic>
         <p:nvPicPr>
-          <p:cNvPr id="12" name="Content Placeholder 11">
-            <a:extLst>
-              <a:ext uri="{FF2B5EF4-FFF2-40B4-BE49-F238E27FC236}">
-                <a16:creationId xmlns:a16="http://schemas.microsoft.com/office/drawing/2014/main" id="{D7A008B3-FBDA-8245-AB2F-2CC69581CE50}"/>
+          <p:cNvPr id="9" name="Content Placeholder 8">
+            <a:extLst>
+              <a:ext uri="{FF2B5EF4-FFF2-40B4-BE49-F238E27FC236}">
+                <a16:creationId xmlns:a16="http://schemas.microsoft.com/office/drawing/2014/main" id="{BD93F27F-531F-3543-B542-919EA87E9B5F}"/>
               </a:ext>
             </a:extLst>
           </p:cNvPr>
@@ -4532,7 +4449,7 @@
           </p:nvPr>
         </p:nvPicPr>
         <p:blipFill>
-          <a:blip r:embed="rId3">
+          <a:blip r:embed="rId3" cstate="print">
             <a:extLst>
               <a:ext uri="{28A0092B-C50C-407E-A947-70E740481C1C}">
                 <a14:useLocalDpi xmlns:a14="http://schemas.microsoft.com/office/drawing/2010/main" val="0"/>
@@ -4545,15 +4462,15 @@
         </p:blipFill>
         <p:spPr>
           <a:xfrm>
-            <a:off x="6172200" y="2394443"/>
-            <a:ext cx="5181600" cy="3213702"/>
+            <a:off x="6172200" y="2468655"/>
+            <a:ext cx="5181600" cy="3065277"/>
           </a:xfrm>
         </p:spPr>
       </p:pic>
     </p:spTree>
     <p:extLst>
       <p:ext uri="{BB962C8B-B14F-4D97-AF65-F5344CB8AC3E}">
-        <p14:creationId xmlns:p14="http://schemas.microsoft.com/office/powerpoint/2010/main" val="445876771"/>
+        <p14:creationId xmlns:p14="http://schemas.microsoft.com/office/powerpoint/2010/main" val="2451847598"/>
       </p:ext>
     </p:extLst>
   </p:cSld>
@@ -4603,7 +4520,7 @@
           <a:p>
             <a:r>
               <a:rPr lang="en-US" dirty="0"/>
-              <a:t>Case 2 – Run 2: 1000 sims, 1000 data points, 50 Ex </a:t>
+              <a:t>Case 2: 1000 sims, 1000 data points, 10 Ex </a:t>
             </a:r>
             <a:r>
               <a:rPr lang="en-US" dirty="0" err="1"/>
@@ -4615,10 +4532,10 @@
       </p:sp>
       <p:pic>
         <p:nvPicPr>
-          <p:cNvPr id="10" name="Content Placeholder 9">
-            <a:extLst>
-              <a:ext uri="{FF2B5EF4-FFF2-40B4-BE49-F238E27FC236}">
-                <a16:creationId xmlns:a16="http://schemas.microsoft.com/office/drawing/2014/main" id="{B669B135-E7EF-C349-996B-C5D4CD908200}"/>
+          <p:cNvPr id="7" name="Content Placeholder 6">
+            <a:extLst>
+              <a:ext uri="{FF2B5EF4-FFF2-40B4-BE49-F238E27FC236}">
+                <a16:creationId xmlns:a16="http://schemas.microsoft.com/office/drawing/2014/main" id="{F6046C01-5B13-4D4D-8B78-730B88F52ED4}"/>
               </a:ext>
             </a:extLst>
           </p:cNvPr>
@@ -4630,7 +4547,7 @@
           </p:nvPr>
         </p:nvPicPr>
         <p:blipFill>
-          <a:blip r:embed="rId2">
+          <a:blip r:embed="rId2" cstate="print">
             <a:extLst>
               <a:ext uri="{28A0092B-C50C-407E-A947-70E740481C1C}">
                 <a14:useLocalDpi xmlns:a14="http://schemas.microsoft.com/office/drawing/2010/main" val="0"/>
@@ -4643,17 +4560,17 @@
         </p:blipFill>
         <p:spPr>
           <a:xfrm>
-            <a:off x="838200" y="2399349"/>
-            <a:ext cx="5181600" cy="3203890"/>
+            <a:off x="838200" y="2985153"/>
+            <a:ext cx="5181600" cy="2032282"/>
           </a:xfrm>
         </p:spPr>
       </p:pic>
       <p:pic>
         <p:nvPicPr>
-          <p:cNvPr id="12" name="Content Placeholder 11">
-            <a:extLst>
-              <a:ext uri="{FF2B5EF4-FFF2-40B4-BE49-F238E27FC236}">
-                <a16:creationId xmlns:a16="http://schemas.microsoft.com/office/drawing/2014/main" id="{B393A8E2-548C-AD43-852F-9A7EE7CCBC7E}"/>
+          <p:cNvPr id="9" name="Content Placeholder 8">
+            <a:extLst>
+              <a:ext uri="{FF2B5EF4-FFF2-40B4-BE49-F238E27FC236}">
+                <a16:creationId xmlns:a16="http://schemas.microsoft.com/office/drawing/2014/main" id="{303BE053-01C6-A441-AD8C-2F09F553FF77}"/>
               </a:ext>
             </a:extLst>
           </p:cNvPr>
@@ -4665,7 +4582,7 @@
           </p:nvPr>
         </p:nvPicPr>
         <p:blipFill>
-          <a:blip r:embed="rId3">
+          <a:blip r:embed="rId3" cstate="print">
             <a:extLst>
               <a:ext uri="{28A0092B-C50C-407E-A947-70E740481C1C}">
                 <a14:useLocalDpi xmlns:a14="http://schemas.microsoft.com/office/drawing/2010/main" val="0"/>
@@ -4678,15 +4595,56 @@
         </p:blipFill>
         <p:spPr>
           <a:xfrm>
-            <a:off x="6172200" y="2401791"/>
-            <a:ext cx="5181600" cy="3199006"/>
+            <a:off x="6172200" y="2973719"/>
+            <a:ext cx="5181600" cy="2055149"/>
           </a:xfrm>
         </p:spPr>
       </p:pic>
+      <p:sp>
+        <p:nvSpPr>
+          <p:cNvPr id="10" name="TextBox 9">
+            <a:extLst>
+              <a:ext uri="{FF2B5EF4-FFF2-40B4-BE49-F238E27FC236}">
+                <a16:creationId xmlns:a16="http://schemas.microsoft.com/office/drawing/2014/main" id="{EDC2F7B9-7DFD-6640-993C-08FBC85A6B41}"/>
+              </a:ext>
+            </a:extLst>
+          </p:cNvPr>
+          <p:cNvSpPr txBox="1"/>
+          <p:nvPr/>
+        </p:nvSpPr>
+        <p:spPr>
+          <a:xfrm>
+            <a:off x="838200" y="1964063"/>
+            <a:ext cx="5582490" cy="646331"/>
+          </a:xfrm>
+          <a:prstGeom prst="rect">
+            <a:avLst/>
+          </a:prstGeom>
+          <a:noFill/>
+        </p:spPr>
+        <p:txBody>
+          <a:bodyPr wrap="none" rtlCol="0">
+            <a:spAutoFit/>
+          </a:bodyPr>
+          <a:lstStyle/>
+          <a:p>
+            <a:r>
+              <a:rPr lang="en-US" dirty="0"/>
+              <a:t>*Description is hardcoded</a:t>
+            </a:r>
+          </a:p>
+          <a:p>
+            <a:r>
+              <a:rPr lang="en-US" dirty="0"/>
+              <a:t>*TPR for LR is the only one that is incorrect – reran to fix it</a:t>
+            </a:r>
+          </a:p>
+        </p:txBody>
+      </p:sp>
     </p:spTree>
     <p:extLst>
       <p:ext uri="{BB962C8B-B14F-4D97-AF65-F5344CB8AC3E}">
-        <p14:creationId xmlns:p14="http://schemas.microsoft.com/office/powerpoint/2010/main" val="2894074199"/>
+        <p14:creationId xmlns:p14="http://schemas.microsoft.com/office/powerpoint/2010/main" val="3779727014"/>
       </p:ext>
     </p:extLst>
   </p:cSld>
@@ -4736,7 +4694,7 @@
           <a:p>
             <a:r>
               <a:rPr lang="en-US" dirty="0"/>
-              <a:t>Case 2: 1000 sims, 100,000 data points, 5 Ex </a:t>
+              <a:t>Case 2: 1000 sims, 1000 data points, 10 Ex </a:t>
             </a:r>
             <a:r>
               <a:rPr lang="en-US" dirty="0" err="1"/>
@@ -4746,60 +4704,115 @@
           </a:p>
         </p:txBody>
       </p:sp>
-      <p:sp>
-        <p:nvSpPr>
-          <p:cNvPr id="4" name="Content Placeholder 3">
-            <a:extLst>
-              <a:ext uri="{FF2B5EF4-FFF2-40B4-BE49-F238E27FC236}">
-                <a16:creationId xmlns:a16="http://schemas.microsoft.com/office/drawing/2014/main" id="{476DB8E3-E8F4-4640-A97C-C260441B9F61}"/>
-              </a:ext>
-            </a:extLst>
-          </p:cNvPr>
-          <p:cNvSpPr>
-            <a:spLocks noGrp="1"/>
-          </p:cNvSpPr>
+      <p:pic>
+        <p:nvPicPr>
+          <p:cNvPr id="7" name="Content Placeholder 6">
+            <a:extLst>
+              <a:ext uri="{FF2B5EF4-FFF2-40B4-BE49-F238E27FC236}">
+                <a16:creationId xmlns:a16="http://schemas.microsoft.com/office/drawing/2014/main" id="{91E38659-E7D8-D84C-B6C0-4FB2B907243D}"/>
+              </a:ext>
+            </a:extLst>
+          </p:cNvPr>
+          <p:cNvPicPr>
+            <a:picLocks noGrp="1" noChangeAspect="1"/>
+          </p:cNvPicPr>
           <p:nvPr>
             <p:ph sz="half" idx="1"/>
           </p:nvPr>
-        </p:nvSpPr>
-        <p:spPr/>
-        <p:txBody>
-          <a:bodyPr/>
-          <a:lstStyle/>
-          <a:p>
-            <a:endParaRPr lang="en-US"/>
-          </a:p>
-        </p:txBody>
-      </p:sp>
-      <p:sp>
-        <p:nvSpPr>
-          <p:cNvPr id="5" name="Content Placeholder 4">
-            <a:extLst>
-              <a:ext uri="{FF2B5EF4-FFF2-40B4-BE49-F238E27FC236}">
-                <a16:creationId xmlns:a16="http://schemas.microsoft.com/office/drawing/2014/main" id="{7FD6F8C3-C368-F24C-A2C0-E2148C03243F}"/>
-              </a:ext>
-            </a:extLst>
-          </p:cNvPr>
-          <p:cNvSpPr>
-            <a:spLocks noGrp="1"/>
-          </p:cNvSpPr>
+        </p:nvPicPr>
+        <p:blipFill>
+          <a:blip r:embed="rId2" cstate="print">
+            <a:extLst>
+              <a:ext uri="{28A0092B-C50C-407E-A947-70E740481C1C}">
+                <a14:useLocalDpi xmlns:a14="http://schemas.microsoft.com/office/drawing/2010/main" val="0"/>
+              </a:ext>
+            </a:extLst>
+          </a:blip>
+          <a:stretch>
+            <a:fillRect/>
+          </a:stretch>
+        </p:blipFill>
+        <p:spPr>
+          <a:xfrm>
+            <a:off x="838200" y="2459065"/>
+            <a:ext cx="5181600" cy="3084457"/>
+          </a:xfrm>
+        </p:spPr>
+      </p:pic>
+      <p:pic>
+        <p:nvPicPr>
+          <p:cNvPr id="9" name="Content Placeholder 8">
+            <a:extLst>
+              <a:ext uri="{FF2B5EF4-FFF2-40B4-BE49-F238E27FC236}">
+                <a16:creationId xmlns:a16="http://schemas.microsoft.com/office/drawing/2014/main" id="{DC957996-6BF4-0C4F-82BC-E3A0D4DDBC98}"/>
+              </a:ext>
+            </a:extLst>
+          </p:cNvPr>
+          <p:cNvPicPr>
+            <a:picLocks noGrp="1" noChangeAspect="1"/>
+          </p:cNvPicPr>
           <p:nvPr>
             <p:ph sz="half" idx="2"/>
           </p:nvPr>
-        </p:nvSpPr>
-        <p:spPr/>
-        <p:txBody>
-          <a:bodyPr/>
-          <a:lstStyle/>
-          <a:p>
-            <a:endParaRPr lang="en-US"/>
+        </p:nvPicPr>
+        <p:blipFill>
+          <a:blip r:embed="rId3" cstate="print">
+            <a:extLst>
+              <a:ext uri="{28A0092B-C50C-407E-A947-70E740481C1C}">
+                <a14:useLocalDpi xmlns:a14="http://schemas.microsoft.com/office/drawing/2010/main" val="0"/>
+              </a:ext>
+            </a:extLst>
+          </a:blip>
+          <a:stretch>
+            <a:fillRect/>
+          </a:stretch>
+        </p:blipFill>
+        <p:spPr>
+          <a:xfrm>
+            <a:off x="6172200" y="2514117"/>
+            <a:ext cx="5181600" cy="2974354"/>
+          </a:xfrm>
+        </p:spPr>
+      </p:pic>
+      <p:sp>
+        <p:nvSpPr>
+          <p:cNvPr id="10" name="TextBox 9">
+            <a:extLst>
+              <a:ext uri="{FF2B5EF4-FFF2-40B4-BE49-F238E27FC236}">
+                <a16:creationId xmlns:a16="http://schemas.microsoft.com/office/drawing/2014/main" id="{BC5A1C41-1230-F944-89A2-79EB7ADFE6A3}"/>
+              </a:ext>
+            </a:extLst>
+          </p:cNvPr>
+          <p:cNvSpPr txBox="1"/>
+          <p:nvPr/>
+        </p:nvSpPr>
+        <p:spPr>
+          <a:xfrm>
+            <a:off x="838200" y="1927905"/>
+            <a:ext cx="5635389" cy="369332"/>
+          </a:xfrm>
+          <a:prstGeom prst="rect">
+            <a:avLst/>
+          </a:prstGeom>
+          <a:noFill/>
+        </p:spPr>
+        <p:txBody>
+          <a:bodyPr wrap="none" rtlCol="0">
+            <a:spAutoFit/>
+          </a:bodyPr>
+          <a:lstStyle/>
+          <a:p>
+            <a:r>
+              <a:rPr lang="en-US" dirty="0"/>
+              <a:t>*TPR for LR is the only one that is incorrect – reran to fix it</a:t>
+            </a:r>
           </a:p>
         </p:txBody>
       </p:sp>
     </p:spTree>
     <p:extLst>
       <p:ext uri="{BB962C8B-B14F-4D97-AF65-F5344CB8AC3E}">
-        <p14:creationId xmlns:p14="http://schemas.microsoft.com/office/powerpoint/2010/main" val="2813973535"/>
+        <p14:creationId xmlns:p14="http://schemas.microsoft.com/office/powerpoint/2010/main" val="3110572038"/>
       </p:ext>
     </p:extLst>
   </p:cSld>
@@ -4831,7 +4844,7 @@
           <p:cNvPr id="2" name="Title 1">
             <a:extLst>
               <a:ext uri="{FF2B5EF4-FFF2-40B4-BE49-F238E27FC236}">
-                <a16:creationId xmlns:a16="http://schemas.microsoft.com/office/drawing/2014/main" id="{D08B2E86-6C93-9A4E-95D5-2167F24BA32E}"/>
+                <a16:creationId xmlns:a16="http://schemas.microsoft.com/office/drawing/2014/main" id="{1448A6AF-97DD-CA47-951A-51E83B9E6A72}"/>
               </a:ext>
             </a:extLst>
           </p:cNvPr>
@@ -4849,46 +4862,85 @@
           <a:p>
             <a:r>
               <a:rPr lang="en-US" dirty="0"/>
-              <a:t>Case 1</a:t>
-            </a:r>
-          </a:p>
-        </p:txBody>
-      </p:sp>
-      <p:sp>
-        <p:nvSpPr>
-          <p:cNvPr id="3" name="Content Placeholder 2">
-            <a:extLst>
-              <a:ext uri="{FF2B5EF4-FFF2-40B4-BE49-F238E27FC236}">
-                <a16:creationId xmlns:a16="http://schemas.microsoft.com/office/drawing/2014/main" id="{FE0D021C-9597-EE4C-9656-740B97FC66DC}"/>
-              </a:ext>
-            </a:extLst>
-          </p:cNvPr>
-          <p:cNvSpPr>
-            <a:spLocks noGrp="1"/>
-          </p:cNvSpPr>
-          <p:nvPr>
-            <p:ph idx="1"/>
-          </p:nvPr>
-        </p:nvSpPr>
-        <p:spPr/>
-        <p:txBody>
-          <a:bodyPr/>
-          <a:lstStyle/>
-          <a:p>
-            <a:r>
-              <a:rPr lang="en-US" dirty="0"/>
-              <a:t>In this case, we simulate the dataset and set the variance of each variable (noise and explanatory) to 0.5 to 5.0 in an interval of 0.5 and display the results of each simulation.</a:t>
-            </a:r>
-          </a:p>
-          <a:p>
-            <a:endParaRPr lang="en-US" dirty="0"/>
-          </a:p>
-        </p:txBody>
-      </p:sp>
+              <a:t>Varying Data Points</a:t>
+            </a:r>
+          </a:p>
+        </p:txBody>
+      </p:sp>
+      <p:pic>
+        <p:nvPicPr>
+          <p:cNvPr id="17" name="Content Placeholder 16">
+            <a:extLst>
+              <a:ext uri="{FF2B5EF4-FFF2-40B4-BE49-F238E27FC236}">
+                <a16:creationId xmlns:a16="http://schemas.microsoft.com/office/drawing/2014/main" id="{23E8D760-5964-0D4A-AA92-D758D303D8D9}"/>
+              </a:ext>
+            </a:extLst>
+          </p:cNvPr>
+          <p:cNvPicPr>
+            <a:picLocks noGrp="1" noChangeAspect="1"/>
+          </p:cNvPicPr>
+          <p:nvPr>
+            <p:ph sz="half" idx="1"/>
+          </p:nvPr>
+        </p:nvPicPr>
+        <p:blipFill>
+          <a:blip r:embed="rId2">
+            <a:extLst>
+              <a:ext uri="{28A0092B-C50C-407E-A947-70E740481C1C}">
+                <a14:useLocalDpi xmlns:a14="http://schemas.microsoft.com/office/drawing/2010/main" val="0"/>
+              </a:ext>
+            </a:extLst>
+          </a:blip>
+          <a:stretch>
+            <a:fillRect/>
+          </a:stretch>
+        </p:blipFill>
+        <p:spPr>
+          <a:xfrm>
+            <a:off x="838200" y="1880494"/>
+            <a:ext cx="5181600" cy="4241600"/>
+          </a:xfrm>
+        </p:spPr>
+      </p:pic>
+      <p:pic>
+        <p:nvPicPr>
+          <p:cNvPr id="19" name="Content Placeholder 18">
+            <a:extLst>
+              <a:ext uri="{FF2B5EF4-FFF2-40B4-BE49-F238E27FC236}">
+                <a16:creationId xmlns:a16="http://schemas.microsoft.com/office/drawing/2014/main" id="{342A10A1-C3E6-EC45-9F4A-572CC901F10A}"/>
+              </a:ext>
+            </a:extLst>
+          </p:cNvPr>
+          <p:cNvPicPr>
+            <a:picLocks noGrp="1" noChangeAspect="1"/>
+          </p:cNvPicPr>
+          <p:nvPr>
+            <p:ph sz="half" idx="2"/>
+          </p:nvPr>
+        </p:nvPicPr>
+        <p:blipFill>
+          <a:blip r:embed="rId3">
+            <a:extLst>
+              <a:ext uri="{28A0092B-C50C-407E-A947-70E740481C1C}">
+                <a14:useLocalDpi xmlns:a14="http://schemas.microsoft.com/office/drawing/2010/main" val="0"/>
+              </a:ext>
+            </a:extLst>
+          </a:blip>
+          <a:stretch>
+            <a:fillRect/>
+          </a:stretch>
+        </p:blipFill>
+        <p:spPr>
+          <a:xfrm>
+            <a:off x="6172200" y="1873865"/>
+            <a:ext cx="5181600" cy="4254857"/>
+          </a:xfrm>
+        </p:spPr>
+      </p:pic>
     </p:spTree>
     <p:extLst>
       <p:ext uri="{BB962C8B-B14F-4D97-AF65-F5344CB8AC3E}">
-        <p14:creationId xmlns:p14="http://schemas.microsoft.com/office/powerpoint/2010/main" val="444506584"/>
+        <p14:creationId xmlns:p14="http://schemas.microsoft.com/office/powerpoint/2010/main" val="562506547"/>
       </p:ext>
     </p:extLst>
   </p:cSld>
@@ -4938,7 +4990,7 @@
           <a:p>
             <a:r>
               <a:rPr lang="en-US" dirty="0"/>
-              <a:t>Case 2: 1000 sims, 100,000 data points, 5 Ex </a:t>
+              <a:t>Case 2: 1000 sims, 1000 data points, 10 Ex </a:t>
             </a:r>
             <a:r>
               <a:rPr lang="en-US" dirty="0" err="1"/>
@@ -4948,60 +5000,80 @@
           </a:p>
         </p:txBody>
       </p:sp>
-      <p:sp>
-        <p:nvSpPr>
-          <p:cNvPr id="4" name="Content Placeholder 3">
-            <a:extLst>
-              <a:ext uri="{FF2B5EF4-FFF2-40B4-BE49-F238E27FC236}">
-                <a16:creationId xmlns:a16="http://schemas.microsoft.com/office/drawing/2014/main" id="{476DB8E3-E8F4-4640-A97C-C260441B9F61}"/>
-              </a:ext>
-            </a:extLst>
-          </p:cNvPr>
-          <p:cNvSpPr>
-            <a:spLocks noGrp="1"/>
-          </p:cNvSpPr>
+      <p:pic>
+        <p:nvPicPr>
+          <p:cNvPr id="7" name="Content Placeholder 6">
+            <a:extLst>
+              <a:ext uri="{FF2B5EF4-FFF2-40B4-BE49-F238E27FC236}">
+                <a16:creationId xmlns:a16="http://schemas.microsoft.com/office/drawing/2014/main" id="{4B15F0F9-F78B-E445-B880-B409EB654DBE}"/>
+              </a:ext>
+            </a:extLst>
+          </p:cNvPr>
+          <p:cNvPicPr>
+            <a:picLocks noGrp="1" noChangeAspect="1"/>
+          </p:cNvPicPr>
           <p:nvPr>
             <p:ph sz="half" idx="1"/>
           </p:nvPr>
-        </p:nvSpPr>
-        <p:spPr/>
-        <p:txBody>
-          <a:bodyPr/>
-          <a:lstStyle/>
-          <a:p>
-            <a:endParaRPr lang="en-US"/>
-          </a:p>
-        </p:txBody>
-      </p:sp>
-      <p:sp>
-        <p:nvSpPr>
-          <p:cNvPr id="5" name="Content Placeholder 4">
-            <a:extLst>
-              <a:ext uri="{FF2B5EF4-FFF2-40B4-BE49-F238E27FC236}">
-                <a16:creationId xmlns:a16="http://schemas.microsoft.com/office/drawing/2014/main" id="{7FD6F8C3-C368-F24C-A2C0-E2148C03243F}"/>
-              </a:ext>
-            </a:extLst>
-          </p:cNvPr>
-          <p:cNvSpPr>
-            <a:spLocks noGrp="1"/>
-          </p:cNvSpPr>
+        </p:nvPicPr>
+        <p:blipFill>
+          <a:blip r:embed="rId2" cstate="print">
+            <a:extLst>
+              <a:ext uri="{28A0092B-C50C-407E-A947-70E740481C1C}">
+                <a14:useLocalDpi xmlns:a14="http://schemas.microsoft.com/office/drawing/2010/main" val="0"/>
+              </a:ext>
+            </a:extLst>
+          </a:blip>
+          <a:stretch>
+            <a:fillRect/>
+          </a:stretch>
+        </p:blipFill>
+        <p:spPr>
+          <a:xfrm>
+            <a:off x="838200" y="2531132"/>
+            <a:ext cx="5181600" cy="2940323"/>
+          </a:xfrm>
+        </p:spPr>
+      </p:pic>
+      <p:pic>
+        <p:nvPicPr>
+          <p:cNvPr id="9" name="Content Placeholder 8">
+            <a:extLst>
+              <a:ext uri="{FF2B5EF4-FFF2-40B4-BE49-F238E27FC236}">
+                <a16:creationId xmlns:a16="http://schemas.microsoft.com/office/drawing/2014/main" id="{71977463-EAAB-844E-BE47-083455ABEF0D}"/>
+              </a:ext>
+            </a:extLst>
+          </p:cNvPr>
+          <p:cNvPicPr>
+            <a:picLocks noGrp="1" noChangeAspect="1"/>
+          </p:cNvPicPr>
           <p:nvPr>
             <p:ph sz="half" idx="2"/>
           </p:nvPr>
-        </p:nvSpPr>
-        <p:spPr/>
-        <p:txBody>
-          <a:bodyPr/>
-          <a:lstStyle/>
-          <a:p>
-            <a:endParaRPr lang="en-US"/>
-          </a:p>
-        </p:txBody>
-      </p:sp>
+        </p:nvPicPr>
+        <p:blipFill>
+          <a:blip r:embed="rId3" cstate="print">
+            <a:extLst>
+              <a:ext uri="{28A0092B-C50C-407E-A947-70E740481C1C}">
+                <a14:useLocalDpi xmlns:a14="http://schemas.microsoft.com/office/drawing/2010/main" val="0"/>
+              </a:ext>
+            </a:extLst>
+          </a:blip>
+          <a:stretch>
+            <a:fillRect/>
+          </a:stretch>
+        </p:blipFill>
+        <p:spPr>
+          <a:xfrm>
+            <a:off x="6172200" y="2526028"/>
+            <a:ext cx="5181600" cy="2950532"/>
+          </a:xfrm>
+        </p:spPr>
+      </p:pic>
     </p:spTree>
     <p:extLst>
       <p:ext uri="{BB962C8B-B14F-4D97-AF65-F5344CB8AC3E}">
-        <p14:creationId xmlns:p14="http://schemas.microsoft.com/office/powerpoint/2010/main" val="3516400454"/>
+        <p14:creationId xmlns:p14="http://schemas.microsoft.com/office/powerpoint/2010/main" val="2509006070"/>
       </p:ext>
     </p:extLst>
   </p:cSld>
@@ -5051,7 +5123,7 @@
           <a:p>
             <a:r>
               <a:rPr lang="en-US" dirty="0"/>
-              <a:t>Case 2: 1000 sims, 100,000 data points, 5 Ex </a:t>
+              <a:t>Case 2: 1000 sims, 1000 data points, 50 Ex </a:t>
             </a:r>
             <a:r>
               <a:rPr lang="en-US" dirty="0" err="1"/>
@@ -5061,60 +5133,80 @@
           </a:p>
         </p:txBody>
       </p:sp>
-      <p:sp>
-        <p:nvSpPr>
-          <p:cNvPr id="4" name="Content Placeholder 3">
-            <a:extLst>
-              <a:ext uri="{FF2B5EF4-FFF2-40B4-BE49-F238E27FC236}">
-                <a16:creationId xmlns:a16="http://schemas.microsoft.com/office/drawing/2014/main" id="{476DB8E3-E8F4-4640-A97C-C260441B9F61}"/>
-              </a:ext>
-            </a:extLst>
-          </p:cNvPr>
-          <p:cNvSpPr>
-            <a:spLocks noGrp="1"/>
-          </p:cNvSpPr>
+      <p:pic>
+        <p:nvPicPr>
+          <p:cNvPr id="7" name="Content Placeholder 6">
+            <a:extLst>
+              <a:ext uri="{FF2B5EF4-FFF2-40B4-BE49-F238E27FC236}">
+                <a16:creationId xmlns:a16="http://schemas.microsoft.com/office/drawing/2014/main" id="{7414A580-C3F7-6548-B50A-E55E3DB50857}"/>
+              </a:ext>
+            </a:extLst>
+          </p:cNvPr>
+          <p:cNvPicPr>
+            <a:picLocks noGrp="1" noChangeAspect="1"/>
+          </p:cNvPicPr>
           <p:nvPr>
             <p:ph sz="half" idx="1"/>
           </p:nvPr>
-        </p:nvSpPr>
-        <p:spPr/>
-        <p:txBody>
-          <a:bodyPr/>
-          <a:lstStyle/>
-          <a:p>
-            <a:endParaRPr lang="en-US"/>
-          </a:p>
-        </p:txBody>
-      </p:sp>
-      <p:sp>
-        <p:nvSpPr>
-          <p:cNvPr id="5" name="Content Placeholder 4">
-            <a:extLst>
-              <a:ext uri="{FF2B5EF4-FFF2-40B4-BE49-F238E27FC236}">
-                <a16:creationId xmlns:a16="http://schemas.microsoft.com/office/drawing/2014/main" id="{7FD6F8C3-C368-F24C-A2C0-E2148C03243F}"/>
-              </a:ext>
-            </a:extLst>
-          </p:cNvPr>
-          <p:cNvSpPr>
-            <a:spLocks noGrp="1"/>
-          </p:cNvSpPr>
+        </p:nvPicPr>
+        <p:blipFill>
+          <a:blip r:embed="rId2" cstate="print">
+            <a:extLst>
+              <a:ext uri="{28A0092B-C50C-407E-A947-70E740481C1C}">
+                <a14:useLocalDpi xmlns:a14="http://schemas.microsoft.com/office/drawing/2010/main" val="0"/>
+              </a:ext>
+            </a:extLst>
+          </a:blip>
+          <a:stretch>
+            <a:fillRect/>
+          </a:stretch>
+        </p:blipFill>
+        <p:spPr>
+          <a:xfrm>
+            <a:off x="838200" y="3008154"/>
+            <a:ext cx="5181600" cy="1986280"/>
+          </a:xfrm>
+        </p:spPr>
+      </p:pic>
+      <p:pic>
+        <p:nvPicPr>
+          <p:cNvPr id="9" name="Content Placeholder 8">
+            <a:extLst>
+              <a:ext uri="{FF2B5EF4-FFF2-40B4-BE49-F238E27FC236}">
+                <a16:creationId xmlns:a16="http://schemas.microsoft.com/office/drawing/2014/main" id="{E17CB171-BDFA-D542-91E5-F13F92837F19}"/>
+              </a:ext>
+            </a:extLst>
+          </p:cNvPr>
+          <p:cNvPicPr>
+            <a:picLocks noGrp="1" noChangeAspect="1"/>
+          </p:cNvPicPr>
           <p:nvPr>
             <p:ph sz="half" idx="2"/>
           </p:nvPr>
-        </p:nvSpPr>
-        <p:spPr/>
-        <p:txBody>
-          <a:bodyPr/>
-          <a:lstStyle/>
-          <a:p>
-            <a:endParaRPr lang="en-US"/>
-          </a:p>
-        </p:txBody>
-      </p:sp>
+        </p:nvPicPr>
+        <p:blipFill>
+          <a:blip r:embed="rId3" cstate="print">
+            <a:extLst>
+              <a:ext uri="{28A0092B-C50C-407E-A947-70E740481C1C}">
+                <a14:useLocalDpi xmlns:a14="http://schemas.microsoft.com/office/drawing/2010/main" val="0"/>
+              </a:ext>
+            </a:extLst>
+          </a:blip>
+          <a:stretch>
+            <a:fillRect/>
+          </a:stretch>
+        </p:blipFill>
+        <p:spPr>
+          <a:xfrm>
+            <a:off x="6172200" y="3008762"/>
+            <a:ext cx="5181600" cy="1985063"/>
+          </a:xfrm>
+        </p:spPr>
+      </p:pic>
     </p:spTree>
     <p:extLst>
       <p:ext uri="{BB962C8B-B14F-4D97-AF65-F5344CB8AC3E}">
-        <p14:creationId xmlns:p14="http://schemas.microsoft.com/office/powerpoint/2010/main" val="3396077213"/>
+        <p14:creationId xmlns:p14="http://schemas.microsoft.com/office/powerpoint/2010/main" val="3432247937"/>
       </p:ext>
     </p:extLst>
   </p:cSld>
@@ -5164,7 +5256,7 @@
           <a:p>
             <a:r>
               <a:rPr lang="en-US" dirty="0"/>
-              <a:t>Case 2: 1000 sims, 100,000 data points, 10 Ex </a:t>
+              <a:t>Case 2: 1000 sims, 1000 data points, 50 Ex </a:t>
             </a:r>
             <a:r>
               <a:rPr lang="en-US" dirty="0" err="1"/>
@@ -5174,60 +5266,80 @@
           </a:p>
         </p:txBody>
       </p:sp>
-      <p:sp>
-        <p:nvSpPr>
-          <p:cNvPr id="4" name="Content Placeholder 3">
-            <a:extLst>
-              <a:ext uri="{FF2B5EF4-FFF2-40B4-BE49-F238E27FC236}">
-                <a16:creationId xmlns:a16="http://schemas.microsoft.com/office/drawing/2014/main" id="{476DB8E3-E8F4-4640-A97C-C260441B9F61}"/>
-              </a:ext>
-            </a:extLst>
-          </p:cNvPr>
-          <p:cNvSpPr>
-            <a:spLocks noGrp="1"/>
-          </p:cNvSpPr>
+      <p:pic>
+        <p:nvPicPr>
+          <p:cNvPr id="7" name="Content Placeholder 6">
+            <a:extLst>
+              <a:ext uri="{FF2B5EF4-FFF2-40B4-BE49-F238E27FC236}">
+                <a16:creationId xmlns:a16="http://schemas.microsoft.com/office/drawing/2014/main" id="{01E962EB-A3B9-8646-9A2E-CAF16CC1BD42}"/>
+              </a:ext>
+            </a:extLst>
+          </p:cNvPr>
+          <p:cNvPicPr>
+            <a:picLocks noGrp="1" noChangeAspect="1"/>
+          </p:cNvPicPr>
           <p:nvPr>
             <p:ph sz="half" idx="1"/>
           </p:nvPr>
-        </p:nvSpPr>
-        <p:spPr/>
-        <p:txBody>
-          <a:bodyPr/>
-          <a:lstStyle/>
-          <a:p>
-            <a:endParaRPr lang="en-US"/>
-          </a:p>
-        </p:txBody>
-      </p:sp>
-      <p:sp>
-        <p:nvSpPr>
-          <p:cNvPr id="5" name="Content Placeholder 4">
-            <a:extLst>
-              <a:ext uri="{FF2B5EF4-FFF2-40B4-BE49-F238E27FC236}">
-                <a16:creationId xmlns:a16="http://schemas.microsoft.com/office/drawing/2014/main" id="{7FD6F8C3-C368-F24C-A2C0-E2148C03243F}"/>
-              </a:ext>
-            </a:extLst>
-          </p:cNvPr>
-          <p:cNvSpPr>
-            <a:spLocks noGrp="1"/>
-          </p:cNvSpPr>
+        </p:nvPicPr>
+        <p:blipFill>
+          <a:blip r:embed="rId2" cstate="print">
+            <a:extLst>
+              <a:ext uri="{28A0092B-C50C-407E-A947-70E740481C1C}">
+                <a14:useLocalDpi xmlns:a14="http://schemas.microsoft.com/office/drawing/2010/main" val="0"/>
+              </a:ext>
+            </a:extLst>
+          </a:blip>
+          <a:stretch>
+            <a:fillRect/>
+          </a:stretch>
+        </p:blipFill>
+        <p:spPr>
+          <a:xfrm>
+            <a:off x="838200" y="2531723"/>
+            <a:ext cx="5181600" cy="2939142"/>
+          </a:xfrm>
+        </p:spPr>
+      </p:pic>
+      <p:pic>
+        <p:nvPicPr>
+          <p:cNvPr id="9" name="Content Placeholder 8">
+            <a:extLst>
+              <a:ext uri="{FF2B5EF4-FFF2-40B4-BE49-F238E27FC236}">
+                <a16:creationId xmlns:a16="http://schemas.microsoft.com/office/drawing/2014/main" id="{5C87F0DE-82FB-B049-8ABC-F4F56A3325E6}"/>
+              </a:ext>
+            </a:extLst>
+          </p:cNvPr>
+          <p:cNvPicPr>
+            <a:picLocks noGrp="1" noChangeAspect="1"/>
+          </p:cNvPicPr>
           <p:nvPr>
             <p:ph sz="half" idx="2"/>
           </p:nvPr>
-        </p:nvSpPr>
-        <p:spPr/>
-        <p:txBody>
-          <a:bodyPr/>
-          <a:lstStyle/>
-          <a:p>
-            <a:endParaRPr lang="en-US"/>
-          </a:p>
-        </p:txBody>
-      </p:sp>
+        </p:nvPicPr>
+        <p:blipFill>
+          <a:blip r:embed="rId3" cstate="print">
+            <a:extLst>
+              <a:ext uri="{28A0092B-C50C-407E-A947-70E740481C1C}">
+                <a14:useLocalDpi xmlns:a14="http://schemas.microsoft.com/office/drawing/2010/main" val="0"/>
+              </a:ext>
+            </a:extLst>
+          </a:blip>
+          <a:stretch>
+            <a:fillRect/>
+          </a:stretch>
+        </p:blipFill>
+        <p:spPr>
+          <a:xfrm>
+            <a:off x="6172200" y="2521354"/>
+            <a:ext cx="5181600" cy="2959880"/>
+          </a:xfrm>
+        </p:spPr>
+      </p:pic>
     </p:spTree>
     <p:extLst>
       <p:ext uri="{BB962C8B-B14F-4D97-AF65-F5344CB8AC3E}">
-        <p14:creationId xmlns:p14="http://schemas.microsoft.com/office/powerpoint/2010/main" val="1759168878"/>
+        <p14:creationId xmlns:p14="http://schemas.microsoft.com/office/powerpoint/2010/main" val="1276832929"/>
       </p:ext>
     </p:extLst>
   </p:cSld>
@@ -5277,7 +5389,7 @@
           <a:p>
             <a:r>
               <a:rPr lang="en-US" dirty="0"/>
-              <a:t>Case 2: 1000 sims, 100,000 data points, 10 Ex </a:t>
+              <a:t>Case 2: 1000 sims, 1000 data points, 50 Ex </a:t>
             </a:r>
             <a:r>
               <a:rPr lang="en-US" dirty="0" err="1"/>
@@ -5287,60 +5399,80 @@
           </a:p>
         </p:txBody>
       </p:sp>
-      <p:sp>
-        <p:nvSpPr>
-          <p:cNvPr id="4" name="Content Placeholder 3">
-            <a:extLst>
-              <a:ext uri="{FF2B5EF4-FFF2-40B4-BE49-F238E27FC236}">
-                <a16:creationId xmlns:a16="http://schemas.microsoft.com/office/drawing/2014/main" id="{476DB8E3-E8F4-4640-A97C-C260441B9F61}"/>
-              </a:ext>
-            </a:extLst>
-          </p:cNvPr>
-          <p:cNvSpPr>
-            <a:spLocks noGrp="1"/>
-          </p:cNvSpPr>
+      <p:pic>
+        <p:nvPicPr>
+          <p:cNvPr id="7" name="Content Placeholder 6">
+            <a:extLst>
+              <a:ext uri="{FF2B5EF4-FFF2-40B4-BE49-F238E27FC236}">
+                <a16:creationId xmlns:a16="http://schemas.microsoft.com/office/drawing/2014/main" id="{251CF48F-DD6F-0343-BA30-41733ACC5B86}"/>
+              </a:ext>
+            </a:extLst>
+          </p:cNvPr>
+          <p:cNvPicPr>
+            <a:picLocks noGrp="1" noChangeAspect="1"/>
+          </p:cNvPicPr>
           <p:nvPr>
             <p:ph sz="half" idx="1"/>
           </p:nvPr>
-        </p:nvSpPr>
-        <p:spPr/>
-        <p:txBody>
-          <a:bodyPr/>
-          <a:lstStyle/>
-          <a:p>
-            <a:endParaRPr lang="en-US"/>
-          </a:p>
-        </p:txBody>
-      </p:sp>
-      <p:sp>
-        <p:nvSpPr>
-          <p:cNvPr id="5" name="Content Placeholder 4">
-            <a:extLst>
-              <a:ext uri="{FF2B5EF4-FFF2-40B4-BE49-F238E27FC236}">
-                <a16:creationId xmlns:a16="http://schemas.microsoft.com/office/drawing/2014/main" id="{7FD6F8C3-C368-F24C-A2C0-E2148C03243F}"/>
-              </a:ext>
-            </a:extLst>
-          </p:cNvPr>
-          <p:cNvSpPr>
-            <a:spLocks noGrp="1"/>
-          </p:cNvSpPr>
+        </p:nvPicPr>
+        <p:blipFill>
+          <a:blip r:embed="rId2" cstate="print">
+            <a:extLst>
+              <a:ext uri="{28A0092B-C50C-407E-A947-70E740481C1C}">
+                <a14:useLocalDpi xmlns:a14="http://schemas.microsoft.com/office/drawing/2010/main" val="0"/>
+              </a:ext>
+            </a:extLst>
+          </a:blip>
+          <a:stretch>
+            <a:fillRect/>
+          </a:stretch>
+        </p:blipFill>
+        <p:spPr>
+          <a:xfrm>
+            <a:off x="838200" y="2523418"/>
+            <a:ext cx="5181600" cy="2955752"/>
+          </a:xfrm>
+        </p:spPr>
+      </p:pic>
+      <p:pic>
+        <p:nvPicPr>
+          <p:cNvPr id="9" name="Content Placeholder 8">
+            <a:extLst>
+              <a:ext uri="{FF2B5EF4-FFF2-40B4-BE49-F238E27FC236}">
+                <a16:creationId xmlns:a16="http://schemas.microsoft.com/office/drawing/2014/main" id="{51E0770A-63D1-C949-BE8A-E2653E0F75F8}"/>
+              </a:ext>
+            </a:extLst>
+          </p:cNvPr>
+          <p:cNvPicPr>
+            <a:picLocks noGrp="1" noChangeAspect="1"/>
+          </p:cNvPicPr>
           <p:nvPr>
             <p:ph sz="half" idx="2"/>
           </p:nvPr>
-        </p:nvSpPr>
-        <p:spPr/>
-        <p:txBody>
-          <a:bodyPr/>
-          <a:lstStyle/>
-          <a:p>
-            <a:endParaRPr lang="en-US"/>
-          </a:p>
-        </p:txBody>
-      </p:sp>
+        </p:nvPicPr>
+        <p:blipFill>
+          <a:blip r:embed="rId3" cstate="print">
+            <a:extLst>
+              <a:ext uri="{28A0092B-C50C-407E-A947-70E740481C1C}">
+                <a14:useLocalDpi xmlns:a14="http://schemas.microsoft.com/office/drawing/2010/main" val="0"/>
+              </a:ext>
+            </a:extLst>
+          </a:blip>
+          <a:stretch>
+            <a:fillRect/>
+          </a:stretch>
+        </p:blipFill>
+        <p:spPr>
+          <a:xfrm>
+            <a:off x="6172200" y="2517208"/>
+            <a:ext cx="5181600" cy="2968171"/>
+          </a:xfrm>
+        </p:spPr>
+      </p:pic>
     </p:spTree>
     <p:extLst>
       <p:ext uri="{BB962C8B-B14F-4D97-AF65-F5344CB8AC3E}">
-        <p14:creationId xmlns:p14="http://schemas.microsoft.com/office/powerpoint/2010/main" val="423279544"/>
+        <p14:creationId xmlns:p14="http://schemas.microsoft.com/office/powerpoint/2010/main" val="1742175377"/>
       </p:ext>
     </p:extLst>
   </p:cSld>
@@ -5390,7 +5522,7 @@
           <a:p>
             <a:r>
               <a:rPr lang="en-US" dirty="0"/>
-              <a:t>Case 2: 1000 sims, 100,000 data points, 10 Ex </a:t>
+              <a:t>Case 2 – Run 2: 1000 sims, 1000 data points, 50 Ex </a:t>
             </a:r>
             <a:r>
               <a:rPr lang="en-US" dirty="0" err="1"/>
@@ -5400,60 +5532,80 @@
           </a:p>
         </p:txBody>
       </p:sp>
-      <p:sp>
-        <p:nvSpPr>
-          <p:cNvPr id="4" name="Content Placeholder 3">
-            <a:extLst>
-              <a:ext uri="{FF2B5EF4-FFF2-40B4-BE49-F238E27FC236}">
-                <a16:creationId xmlns:a16="http://schemas.microsoft.com/office/drawing/2014/main" id="{476DB8E3-E8F4-4640-A97C-C260441B9F61}"/>
-              </a:ext>
-            </a:extLst>
-          </p:cNvPr>
-          <p:cNvSpPr>
-            <a:spLocks noGrp="1"/>
-          </p:cNvSpPr>
+      <p:pic>
+        <p:nvPicPr>
+          <p:cNvPr id="10" name="Content Placeholder 9">
+            <a:extLst>
+              <a:ext uri="{FF2B5EF4-FFF2-40B4-BE49-F238E27FC236}">
+                <a16:creationId xmlns:a16="http://schemas.microsoft.com/office/drawing/2014/main" id="{E0878E3A-1D67-0E40-BD5D-1091F3DD50F6}"/>
+              </a:ext>
+            </a:extLst>
+          </p:cNvPr>
+          <p:cNvPicPr>
+            <a:picLocks noGrp="1" noChangeAspect="1"/>
+          </p:cNvPicPr>
           <p:nvPr>
             <p:ph sz="half" idx="1"/>
           </p:nvPr>
-        </p:nvSpPr>
-        <p:spPr/>
-        <p:txBody>
-          <a:bodyPr/>
-          <a:lstStyle/>
-          <a:p>
-            <a:endParaRPr lang="en-US"/>
-          </a:p>
-        </p:txBody>
-      </p:sp>
-      <p:sp>
-        <p:nvSpPr>
-          <p:cNvPr id="5" name="Content Placeholder 4">
-            <a:extLst>
-              <a:ext uri="{FF2B5EF4-FFF2-40B4-BE49-F238E27FC236}">
-                <a16:creationId xmlns:a16="http://schemas.microsoft.com/office/drawing/2014/main" id="{7FD6F8C3-C368-F24C-A2C0-E2148C03243F}"/>
-              </a:ext>
-            </a:extLst>
-          </p:cNvPr>
-          <p:cNvSpPr>
-            <a:spLocks noGrp="1"/>
-          </p:cNvSpPr>
+        </p:nvPicPr>
+        <p:blipFill>
+          <a:blip r:embed="rId2" cstate="print">
+            <a:extLst>
+              <a:ext uri="{28A0092B-C50C-407E-A947-70E740481C1C}">
+                <a14:useLocalDpi xmlns:a14="http://schemas.microsoft.com/office/drawing/2010/main" val="0"/>
+              </a:ext>
+            </a:extLst>
+          </a:blip>
+          <a:stretch>
+            <a:fillRect/>
+          </a:stretch>
+        </p:blipFill>
+        <p:spPr>
+          <a:xfrm>
+            <a:off x="838200" y="2954783"/>
+            <a:ext cx="5181600" cy="2093021"/>
+          </a:xfrm>
+        </p:spPr>
+      </p:pic>
+      <p:pic>
+        <p:nvPicPr>
+          <p:cNvPr id="12" name="Content Placeholder 11">
+            <a:extLst>
+              <a:ext uri="{FF2B5EF4-FFF2-40B4-BE49-F238E27FC236}">
+                <a16:creationId xmlns:a16="http://schemas.microsoft.com/office/drawing/2014/main" id="{478CE119-3850-B040-81D1-E03625F4E6E4}"/>
+              </a:ext>
+            </a:extLst>
+          </p:cNvPr>
+          <p:cNvPicPr>
+            <a:picLocks noGrp="1" noChangeAspect="1"/>
+          </p:cNvPicPr>
           <p:nvPr>
             <p:ph sz="half" idx="2"/>
           </p:nvPr>
-        </p:nvSpPr>
-        <p:spPr/>
-        <p:txBody>
-          <a:bodyPr/>
-          <a:lstStyle/>
-          <a:p>
-            <a:endParaRPr lang="en-US"/>
-          </a:p>
-        </p:txBody>
-      </p:sp>
+        </p:nvPicPr>
+        <p:blipFill>
+          <a:blip r:embed="rId3" cstate="print">
+            <a:extLst>
+              <a:ext uri="{28A0092B-C50C-407E-A947-70E740481C1C}">
+                <a14:useLocalDpi xmlns:a14="http://schemas.microsoft.com/office/drawing/2010/main" val="0"/>
+              </a:ext>
+            </a:extLst>
+          </a:blip>
+          <a:stretch>
+            <a:fillRect/>
+          </a:stretch>
+        </p:blipFill>
+        <p:spPr>
+          <a:xfrm>
+            <a:off x="6172200" y="2933806"/>
+            <a:ext cx="5181600" cy="2134975"/>
+          </a:xfrm>
+        </p:spPr>
+      </p:pic>
     </p:spTree>
     <p:extLst>
       <p:ext uri="{BB962C8B-B14F-4D97-AF65-F5344CB8AC3E}">
-        <p14:creationId xmlns:p14="http://schemas.microsoft.com/office/powerpoint/2010/main" val="2863462758"/>
+        <p14:creationId xmlns:p14="http://schemas.microsoft.com/office/powerpoint/2010/main" val="2108663382"/>
       </p:ext>
     </p:extLst>
   </p:cSld>
@@ -5503,7 +5655,7 @@
           <a:p>
             <a:r>
               <a:rPr lang="en-US" dirty="0"/>
-              <a:t>Case 2: 1000 sims, 100,000 data points, 50 Ex </a:t>
+              <a:t>Case 2 – Run 2: 1000 sims, 1000 data points, 50 Ex </a:t>
             </a:r>
             <a:r>
               <a:rPr lang="en-US" dirty="0" err="1"/>
@@ -5513,60 +5665,80 @@
           </a:p>
         </p:txBody>
       </p:sp>
-      <p:sp>
-        <p:nvSpPr>
-          <p:cNvPr id="4" name="Content Placeholder 3">
-            <a:extLst>
-              <a:ext uri="{FF2B5EF4-FFF2-40B4-BE49-F238E27FC236}">
-                <a16:creationId xmlns:a16="http://schemas.microsoft.com/office/drawing/2014/main" id="{476DB8E3-E8F4-4640-A97C-C260441B9F61}"/>
-              </a:ext>
-            </a:extLst>
-          </p:cNvPr>
-          <p:cNvSpPr>
-            <a:spLocks noGrp="1"/>
-          </p:cNvSpPr>
+      <p:pic>
+        <p:nvPicPr>
+          <p:cNvPr id="10" name="Content Placeholder 9">
+            <a:extLst>
+              <a:ext uri="{FF2B5EF4-FFF2-40B4-BE49-F238E27FC236}">
+                <a16:creationId xmlns:a16="http://schemas.microsoft.com/office/drawing/2014/main" id="{901B9689-F13F-1D45-88DC-5DE58D9A4058}"/>
+              </a:ext>
+            </a:extLst>
+          </p:cNvPr>
+          <p:cNvPicPr>
+            <a:picLocks noGrp="1" noChangeAspect="1"/>
+          </p:cNvPicPr>
           <p:nvPr>
             <p:ph sz="half" idx="1"/>
           </p:nvPr>
-        </p:nvSpPr>
-        <p:spPr/>
-        <p:txBody>
-          <a:bodyPr/>
-          <a:lstStyle/>
-          <a:p>
-            <a:endParaRPr lang="en-US"/>
-          </a:p>
-        </p:txBody>
-      </p:sp>
-      <p:sp>
-        <p:nvSpPr>
-          <p:cNvPr id="5" name="Content Placeholder 4">
-            <a:extLst>
-              <a:ext uri="{FF2B5EF4-FFF2-40B4-BE49-F238E27FC236}">
-                <a16:creationId xmlns:a16="http://schemas.microsoft.com/office/drawing/2014/main" id="{7FD6F8C3-C368-F24C-A2C0-E2148C03243F}"/>
-              </a:ext>
-            </a:extLst>
-          </p:cNvPr>
-          <p:cNvSpPr>
-            <a:spLocks noGrp="1"/>
-          </p:cNvSpPr>
+        </p:nvPicPr>
+        <p:blipFill>
+          <a:blip r:embed="rId2" cstate="print">
+            <a:extLst>
+              <a:ext uri="{28A0092B-C50C-407E-A947-70E740481C1C}">
+                <a14:useLocalDpi xmlns:a14="http://schemas.microsoft.com/office/drawing/2010/main" val="0"/>
+              </a:ext>
+            </a:extLst>
+          </a:blip>
+          <a:stretch>
+            <a:fillRect/>
+          </a:stretch>
+        </p:blipFill>
+        <p:spPr>
+          <a:xfrm>
+            <a:off x="838200" y="2401210"/>
+            <a:ext cx="5181600" cy="3200168"/>
+          </a:xfrm>
+        </p:spPr>
+      </p:pic>
+      <p:pic>
+        <p:nvPicPr>
+          <p:cNvPr id="12" name="Content Placeholder 11">
+            <a:extLst>
+              <a:ext uri="{FF2B5EF4-FFF2-40B4-BE49-F238E27FC236}">
+                <a16:creationId xmlns:a16="http://schemas.microsoft.com/office/drawing/2014/main" id="{D7A008B3-FBDA-8245-AB2F-2CC69581CE50}"/>
+              </a:ext>
+            </a:extLst>
+          </p:cNvPr>
+          <p:cNvPicPr>
+            <a:picLocks noGrp="1" noChangeAspect="1"/>
+          </p:cNvPicPr>
           <p:nvPr>
             <p:ph sz="half" idx="2"/>
           </p:nvPr>
-        </p:nvSpPr>
-        <p:spPr/>
-        <p:txBody>
-          <a:bodyPr/>
-          <a:lstStyle/>
-          <a:p>
-            <a:endParaRPr lang="en-US"/>
-          </a:p>
-        </p:txBody>
-      </p:sp>
+        </p:nvPicPr>
+        <p:blipFill>
+          <a:blip r:embed="rId3" cstate="print">
+            <a:extLst>
+              <a:ext uri="{28A0092B-C50C-407E-A947-70E740481C1C}">
+                <a14:useLocalDpi xmlns:a14="http://schemas.microsoft.com/office/drawing/2010/main" val="0"/>
+              </a:ext>
+            </a:extLst>
+          </a:blip>
+          <a:stretch>
+            <a:fillRect/>
+          </a:stretch>
+        </p:blipFill>
+        <p:spPr>
+          <a:xfrm>
+            <a:off x="6172200" y="2394443"/>
+            <a:ext cx="5181600" cy="3213702"/>
+          </a:xfrm>
+        </p:spPr>
+      </p:pic>
     </p:spTree>
     <p:extLst>
       <p:ext uri="{BB962C8B-B14F-4D97-AF65-F5344CB8AC3E}">
-        <p14:creationId xmlns:p14="http://schemas.microsoft.com/office/powerpoint/2010/main" val="3314514004"/>
+        <p14:creationId xmlns:p14="http://schemas.microsoft.com/office/powerpoint/2010/main" val="445876771"/>
       </p:ext>
     </p:extLst>
   </p:cSld>
@@ -5616,7 +5788,7 @@
           <a:p>
             <a:r>
               <a:rPr lang="en-US" dirty="0"/>
-              <a:t>Case 2: 1000 sims, 100,000 data points, 50 Ex </a:t>
+              <a:t>Case 2 – Run 2: 1000 sims, 1000 data points, 50 Ex </a:t>
             </a:r>
             <a:r>
               <a:rPr lang="en-US" dirty="0" err="1"/>
@@ -5626,60 +5798,80 @@
           </a:p>
         </p:txBody>
       </p:sp>
-      <p:sp>
-        <p:nvSpPr>
-          <p:cNvPr id="4" name="Content Placeholder 3">
-            <a:extLst>
-              <a:ext uri="{FF2B5EF4-FFF2-40B4-BE49-F238E27FC236}">
-                <a16:creationId xmlns:a16="http://schemas.microsoft.com/office/drawing/2014/main" id="{476DB8E3-E8F4-4640-A97C-C260441B9F61}"/>
-              </a:ext>
-            </a:extLst>
-          </p:cNvPr>
-          <p:cNvSpPr>
-            <a:spLocks noGrp="1"/>
-          </p:cNvSpPr>
+      <p:pic>
+        <p:nvPicPr>
+          <p:cNvPr id="10" name="Content Placeholder 9">
+            <a:extLst>
+              <a:ext uri="{FF2B5EF4-FFF2-40B4-BE49-F238E27FC236}">
+                <a16:creationId xmlns:a16="http://schemas.microsoft.com/office/drawing/2014/main" id="{B669B135-E7EF-C349-996B-C5D4CD908200}"/>
+              </a:ext>
+            </a:extLst>
+          </p:cNvPr>
+          <p:cNvPicPr>
+            <a:picLocks noGrp="1" noChangeAspect="1"/>
+          </p:cNvPicPr>
           <p:nvPr>
             <p:ph sz="half" idx="1"/>
           </p:nvPr>
-        </p:nvSpPr>
-        <p:spPr/>
-        <p:txBody>
-          <a:bodyPr/>
-          <a:lstStyle/>
-          <a:p>
-            <a:endParaRPr lang="en-US"/>
-          </a:p>
-        </p:txBody>
-      </p:sp>
-      <p:sp>
-        <p:nvSpPr>
-          <p:cNvPr id="5" name="Content Placeholder 4">
-            <a:extLst>
-              <a:ext uri="{FF2B5EF4-FFF2-40B4-BE49-F238E27FC236}">
-                <a16:creationId xmlns:a16="http://schemas.microsoft.com/office/drawing/2014/main" id="{7FD6F8C3-C368-F24C-A2C0-E2148C03243F}"/>
-              </a:ext>
-            </a:extLst>
-          </p:cNvPr>
-          <p:cNvSpPr>
-            <a:spLocks noGrp="1"/>
-          </p:cNvSpPr>
+        </p:nvPicPr>
+        <p:blipFill>
+          <a:blip r:embed="rId2" cstate="print">
+            <a:extLst>
+              <a:ext uri="{28A0092B-C50C-407E-A947-70E740481C1C}">
+                <a14:useLocalDpi xmlns:a14="http://schemas.microsoft.com/office/drawing/2010/main" val="0"/>
+              </a:ext>
+            </a:extLst>
+          </a:blip>
+          <a:stretch>
+            <a:fillRect/>
+          </a:stretch>
+        </p:blipFill>
+        <p:spPr>
+          <a:xfrm>
+            <a:off x="838200" y="2399349"/>
+            <a:ext cx="5181600" cy="3203890"/>
+          </a:xfrm>
+        </p:spPr>
+      </p:pic>
+      <p:pic>
+        <p:nvPicPr>
+          <p:cNvPr id="12" name="Content Placeholder 11">
+            <a:extLst>
+              <a:ext uri="{FF2B5EF4-FFF2-40B4-BE49-F238E27FC236}">
+                <a16:creationId xmlns:a16="http://schemas.microsoft.com/office/drawing/2014/main" id="{B393A8E2-548C-AD43-852F-9A7EE7CCBC7E}"/>
+              </a:ext>
+            </a:extLst>
+          </p:cNvPr>
+          <p:cNvPicPr>
+            <a:picLocks noGrp="1" noChangeAspect="1"/>
+          </p:cNvPicPr>
           <p:nvPr>
             <p:ph sz="half" idx="2"/>
           </p:nvPr>
-        </p:nvSpPr>
-        <p:spPr/>
-        <p:txBody>
-          <a:bodyPr/>
-          <a:lstStyle/>
-          <a:p>
-            <a:endParaRPr lang="en-US"/>
-          </a:p>
-        </p:txBody>
-      </p:sp>
+        </p:nvPicPr>
+        <p:blipFill>
+          <a:blip r:embed="rId3" cstate="print">
+            <a:extLst>
+              <a:ext uri="{28A0092B-C50C-407E-A947-70E740481C1C}">
+                <a14:useLocalDpi xmlns:a14="http://schemas.microsoft.com/office/drawing/2010/main" val="0"/>
+              </a:ext>
+            </a:extLst>
+          </a:blip>
+          <a:stretch>
+            <a:fillRect/>
+          </a:stretch>
+        </p:blipFill>
+        <p:spPr>
+          <a:xfrm>
+            <a:off x="6172200" y="2401791"/>
+            <a:ext cx="5181600" cy="3199006"/>
+          </a:xfrm>
+        </p:spPr>
+      </p:pic>
     </p:spTree>
     <p:extLst>
       <p:ext uri="{BB962C8B-B14F-4D97-AF65-F5344CB8AC3E}">
-        <p14:creationId xmlns:p14="http://schemas.microsoft.com/office/powerpoint/2010/main" val="3192578731"/>
+        <p14:creationId xmlns:p14="http://schemas.microsoft.com/office/powerpoint/2010/main" val="2894074199"/>
       </p:ext>
     </p:extLst>
   </p:cSld>
@@ -5729,7 +5921,7 @@
           <a:p>
             <a:r>
               <a:rPr lang="en-US" dirty="0"/>
-              <a:t>Case 2: 1000 sims, 100,000 data points, 50 Ex </a:t>
+              <a:t>Case 2: 1000 sims, 100,000 data points, 5 Ex </a:t>
             </a:r>
             <a:r>
               <a:rPr lang="en-US" dirty="0" err="1"/>
@@ -5792,7 +5984,233 @@
     </p:spTree>
     <p:extLst>
       <p:ext uri="{BB962C8B-B14F-4D97-AF65-F5344CB8AC3E}">
-        <p14:creationId xmlns:p14="http://schemas.microsoft.com/office/powerpoint/2010/main" val="650272069"/>
+        <p14:creationId xmlns:p14="http://schemas.microsoft.com/office/powerpoint/2010/main" val="2813973535"/>
+      </p:ext>
+    </p:extLst>
+  </p:cSld>
+  <p:clrMapOvr>
+    <a:masterClrMapping/>
+  </p:clrMapOvr>
+</p:sld>
+</file>
+
+<file path=ppt/slides/slide28.xml><?xml version="1.0" encoding="utf-8"?>
+<p:sld xmlns:a="http://schemas.openxmlformats.org/drawingml/2006/main" xmlns:r="http://schemas.openxmlformats.org/officeDocument/2006/relationships" xmlns:p="http://schemas.openxmlformats.org/presentationml/2006/main">
+  <p:cSld>
+    <p:spTree>
+      <p:nvGrpSpPr>
+        <p:cNvPr id="1" name=""/>
+        <p:cNvGrpSpPr/>
+        <p:nvPr/>
+      </p:nvGrpSpPr>
+      <p:grpSpPr>
+        <a:xfrm>
+          <a:off x="0" y="0"/>
+          <a:ext cx="0" cy="0"/>
+          <a:chOff x="0" y="0"/>
+          <a:chExt cx="0" cy="0"/>
+        </a:xfrm>
+      </p:grpSpPr>
+      <p:sp>
+        <p:nvSpPr>
+          <p:cNvPr id="2" name="Title 1">
+            <a:extLst>
+              <a:ext uri="{FF2B5EF4-FFF2-40B4-BE49-F238E27FC236}">
+                <a16:creationId xmlns:a16="http://schemas.microsoft.com/office/drawing/2014/main" id="{A063F629-197F-704E-A07F-2A5D08BC394B}"/>
+              </a:ext>
+            </a:extLst>
+          </p:cNvPr>
+          <p:cNvSpPr>
+            <a:spLocks noGrp="1"/>
+          </p:cNvSpPr>
+          <p:nvPr>
+            <p:ph type="title"/>
+          </p:nvPr>
+        </p:nvSpPr>
+        <p:spPr/>
+        <p:txBody>
+          <a:bodyPr/>
+          <a:lstStyle/>
+          <a:p>
+            <a:r>
+              <a:rPr lang="en-US" dirty="0"/>
+              <a:t>Case 2: 1000 sims, 100,000 data points, 5 Ex </a:t>
+            </a:r>
+            <a:r>
+              <a:rPr lang="en-US" dirty="0" err="1"/>
+              <a:t>Vars</a:t>
+            </a:r>
+            <a:endParaRPr lang="en-US" dirty="0"/>
+          </a:p>
+        </p:txBody>
+      </p:sp>
+      <p:sp>
+        <p:nvSpPr>
+          <p:cNvPr id="4" name="Content Placeholder 3">
+            <a:extLst>
+              <a:ext uri="{FF2B5EF4-FFF2-40B4-BE49-F238E27FC236}">
+                <a16:creationId xmlns:a16="http://schemas.microsoft.com/office/drawing/2014/main" id="{476DB8E3-E8F4-4640-A97C-C260441B9F61}"/>
+              </a:ext>
+            </a:extLst>
+          </p:cNvPr>
+          <p:cNvSpPr>
+            <a:spLocks noGrp="1"/>
+          </p:cNvSpPr>
+          <p:nvPr>
+            <p:ph sz="half" idx="1"/>
+          </p:nvPr>
+        </p:nvSpPr>
+        <p:spPr/>
+        <p:txBody>
+          <a:bodyPr/>
+          <a:lstStyle/>
+          <a:p>
+            <a:endParaRPr lang="en-US"/>
+          </a:p>
+        </p:txBody>
+      </p:sp>
+      <p:sp>
+        <p:nvSpPr>
+          <p:cNvPr id="5" name="Content Placeholder 4">
+            <a:extLst>
+              <a:ext uri="{FF2B5EF4-FFF2-40B4-BE49-F238E27FC236}">
+                <a16:creationId xmlns:a16="http://schemas.microsoft.com/office/drawing/2014/main" id="{7FD6F8C3-C368-F24C-A2C0-E2148C03243F}"/>
+              </a:ext>
+            </a:extLst>
+          </p:cNvPr>
+          <p:cNvSpPr>
+            <a:spLocks noGrp="1"/>
+          </p:cNvSpPr>
+          <p:nvPr>
+            <p:ph sz="half" idx="2"/>
+          </p:nvPr>
+        </p:nvSpPr>
+        <p:spPr/>
+        <p:txBody>
+          <a:bodyPr/>
+          <a:lstStyle/>
+          <a:p>
+            <a:endParaRPr lang="en-US"/>
+          </a:p>
+        </p:txBody>
+      </p:sp>
+    </p:spTree>
+    <p:extLst>
+      <p:ext uri="{BB962C8B-B14F-4D97-AF65-F5344CB8AC3E}">
+        <p14:creationId xmlns:p14="http://schemas.microsoft.com/office/powerpoint/2010/main" val="3516400454"/>
+      </p:ext>
+    </p:extLst>
+  </p:cSld>
+  <p:clrMapOvr>
+    <a:masterClrMapping/>
+  </p:clrMapOvr>
+</p:sld>
+</file>
+
+<file path=ppt/slides/slide29.xml><?xml version="1.0" encoding="utf-8"?>
+<p:sld xmlns:a="http://schemas.openxmlformats.org/drawingml/2006/main" xmlns:r="http://schemas.openxmlformats.org/officeDocument/2006/relationships" xmlns:p="http://schemas.openxmlformats.org/presentationml/2006/main">
+  <p:cSld>
+    <p:spTree>
+      <p:nvGrpSpPr>
+        <p:cNvPr id="1" name=""/>
+        <p:cNvGrpSpPr/>
+        <p:nvPr/>
+      </p:nvGrpSpPr>
+      <p:grpSpPr>
+        <a:xfrm>
+          <a:off x="0" y="0"/>
+          <a:ext cx="0" cy="0"/>
+          <a:chOff x="0" y="0"/>
+          <a:chExt cx="0" cy="0"/>
+        </a:xfrm>
+      </p:grpSpPr>
+      <p:sp>
+        <p:nvSpPr>
+          <p:cNvPr id="2" name="Title 1">
+            <a:extLst>
+              <a:ext uri="{FF2B5EF4-FFF2-40B4-BE49-F238E27FC236}">
+                <a16:creationId xmlns:a16="http://schemas.microsoft.com/office/drawing/2014/main" id="{A063F629-197F-704E-A07F-2A5D08BC394B}"/>
+              </a:ext>
+            </a:extLst>
+          </p:cNvPr>
+          <p:cNvSpPr>
+            <a:spLocks noGrp="1"/>
+          </p:cNvSpPr>
+          <p:nvPr>
+            <p:ph type="title"/>
+          </p:nvPr>
+        </p:nvSpPr>
+        <p:spPr/>
+        <p:txBody>
+          <a:bodyPr/>
+          <a:lstStyle/>
+          <a:p>
+            <a:r>
+              <a:rPr lang="en-US" dirty="0"/>
+              <a:t>Case 2: 1000 sims, 100,000 data points, 5 Ex </a:t>
+            </a:r>
+            <a:r>
+              <a:rPr lang="en-US" dirty="0" err="1"/>
+              <a:t>Vars</a:t>
+            </a:r>
+            <a:endParaRPr lang="en-US" dirty="0"/>
+          </a:p>
+        </p:txBody>
+      </p:sp>
+      <p:sp>
+        <p:nvSpPr>
+          <p:cNvPr id="4" name="Content Placeholder 3">
+            <a:extLst>
+              <a:ext uri="{FF2B5EF4-FFF2-40B4-BE49-F238E27FC236}">
+                <a16:creationId xmlns:a16="http://schemas.microsoft.com/office/drawing/2014/main" id="{476DB8E3-E8F4-4640-A97C-C260441B9F61}"/>
+              </a:ext>
+            </a:extLst>
+          </p:cNvPr>
+          <p:cNvSpPr>
+            <a:spLocks noGrp="1"/>
+          </p:cNvSpPr>
+          <p:nvPr>
+            <p:ph sz="half" idx="1"/>
+          </p:nvPr>
+        </p:nvSpPr>
+        <p:spPr/>
+        <p:txBody>
+          <a:bodyPr/>
+          <a:lstStyle/>
+          <a:p>
+            <a:endParaRPr lang="en-US"/>
+          </a:p>
+        </p:txBody>
+      </p:sp>
+      <p:sp>
+        <p:nvSpPr>
+          <p:cNvPr id="5" name="Content Placeholder 4">
+            <a:extLst>
+              <a:ext uri="{FF2B5EF4-FFF2-40B4-BE49-F238E27FC236}">
+                <a16:creationId xmlns:a16="http://schemas.microsoft.com/office/drawing/2014/main" id="{7FD6F8C3-C368-F24C-A2C0-E2148C03243F}"/>
+              </a:ext>
+            </a:extLst>
+          </p:cNvPr>
+          <p:cNvSpPr>
+            <a:spLocks noGrp="1"/>
+          </p:cNvSpPr>
+          <p:nvPr>
+            <p:ph sz="half" idx="2"/>
+          </p:nvPr>
+        </p:nvSpPr>
+        <p:spPr/>
+        <p:txBody>
+          <a:bodyPr/>
+          <a:lstStyle/>
+          <a:p>
+            <a:endParaRPr lang="en-US"/>
+          </a:p>
+        </p:txBody>
+      </p:sp>
+    </p:spTree>
+    <p:extLst>
+      <p:ext uri="{BB962C8B-B14F-4D97-AF65-F5344CB8AC3E}">
+        <p14:creationId xmlns:p14="http://schemas.microsoft.com/office/powerpoint/2010/main" val="3396077213"/>
       </p:ext>
     </p:extLst>
   </p:cSld>
@@ -5824,7 +6242,7 @@
           <p:cNvPr id="2" name="Title 1">
             <a:extLst>
               <a:ext uri="{FF2B5EF4-FFF2-40B4-BE49-F238E27FC236}">
-                <a16:creationId xmlns:a16="http://schemas.microsoft.com/office/drawing/2014/main" id="{C0AF628F-F166-F74C-8E6D-DBDEA47A7605}"/>
+                <a16:creationId xmlns:a16="http://schemas.microsoft.com/office/drawing/2014/main" id="{1448A6AF-97DD-CA47-951A-51E83B9E6A72}"/>
               </a:ext>
             </a:extLst>
           </p:cNvPr>
@@ -5842,65 +6260,85 @@
           <a:p>
             <a:r>
               <a:rPr lang="en-US" dirty="0"/>
-              <a:t>Case 2</a:t>
-            </a:r>
-          </a:p>
-        </p:txBody>
-      </p:sp>
-      <p:sp>
-        <p:nvSpPr>
-          <p:cNvPr id="3" name="Content Placeholder 2">
-            <a:extLst>
-              <a:ext uri="{FF2B5EF4-FFF2-40B4-BE49-F238E27FC236}">
-                <a16:creationId xmlns:a16="http://schemas.microsoft.com/office/drawing/2014/main" id="{A4F36379-91FF-E640-84BE-3FB27576C5E7}"/>
-              </a:ext>
-            </a:extLst>
-          </p:cNvPr>
-          <p:cNvSpPr>
-            <a:spLocks noGrp="1"/>
-          </p:cNvSpPr>
-          <p:nvPr>
-            <p:ph idx="1"/>
-          </p:nvPr>
-        </p:nvSpPr>
-        <p:spPr/>
-        <p:txBody>
-          <a:bodyPr/>
-          <a:lstStyle/>
-          <a:p>
-            <a:r>
-              <a:rPr lang="en-US" dirty="0"/>
-              <a:t>In this case, we simulate the dataset and set the number of noise variables to 1, 5, 10, 20, and 50 and display the results of each simulation.</a:t>
-            </a:r>
-          </a:p>
-          <a:p>
-            <a:r>
-              <a:rPr lang="en-US" dirty="0"/>
-              <a:t>Run with 1000 sims</a:t>
-            </a:r>
-          </a:p>
-          <a:p>
-            <a:r>
-              <a:rPr lang="en-US" dirty="0"/>
-              <a:t>100, 1000 and 100,000 data points</a:t>
-            </a:r>
-          </a:p>
-          <a:p>
-            <a:r>
-              <a:rPr lang="en-US" strike="sngStrike" dirty="0"/>
-              <a:t>1,</a:t>
-            </a:r>
-            <a:r>
-              <a:rPr lang="en-US" dirty="0"/>
-              <a:t> 5, 10, 20 explanatory variables</a:t>
-            </a:r>
-          </a:p>
-        </p:txBody>
-      </p:sp>
+              <a:t>Varying Data Points</a:t>
+            </a:r>
+          </a:p>
+        </p:txBody>
+      </p:sp>
+      <p:pic>
+        <p:nvPicPr>
+          <p:cNvPr id="8" name="Content Placeholder 7">
+            <a:extLst>
+              <a:ext uri="{FF2B5EF4-FFF2-40B4-BE49-F238E27FC236}">
+                <a16:creationId xmlns:a16="http://schemas.microsoft.com/office/drawing/2014/main" id="{B4E38860-BD8E-E946-8EC3-8D8AC8006A55}"/>
+              </a:ext>
+            </a:extLst>
+          </p:cNvPr>
+          <p:cNvPicPr>
+            <a:picLocks noGrp="1" noChangeAspect="1"/>
+          </p:cNvPicPr>
+          <p:nvPr>
+            <p:ph sz="half" idx="1"/>
+          </p:nvPr>
+        </p:nvPicPr>
+        <p:blipFill>
+          <a:blip r:embed="rId2">
+            <a:extLst>
+              <a:ext uri="{28A0092B-C50C-407E-A947-70E740481C1C}">
+                <a14:useLocalDpi xmlns:a14="http://schemas.microsoft.com/office/drawing/2010/main" val="0"/>
+              </a:ext>
+            </a:extLst>
+          </a:blip>
+          <a:stretch>
+            <a:fillRect/>
+          </a:stretch>
+        </p:blipFill>
+        <p:spPr>
+          <a:xfrm>
+            <a:off x="838200" y="1885764"/>
+            <a:ext cx="5181600" cy="4231060"/>
+          </a:xfrm>
+        </p:spPr>
+      </p:pic>
+      <p:pic>
+        <p:nvPicPr>
+          <p:cNvPr id="10" name="Content Placeholder 9">
+            <a:extLst>
+              <a:ext uri="{FF2B5EF4-FFF2-40B4-BE49-F238E27FC236}">
+                <a16:creationId xmlns:a16="http://schemas.microsoft.com/office/drawing/2014/main" id="{55155887-35A4-094B-B06D-8A557C58D45C}"/>
+              </a:ext>
+            </a:extLst>
+          </p:cNvPr>
+          <p:cNvPicPr>
+            <a:picLocks noGrp="1" noChangeAspect="1"/>
+          </p:cNvPicPr>
+          <p:nvPr>
+            <p:ph sz="half" idx="2"/>
+          </p:nvPr>
+        </p:nvPicPr>
+        <p:blipFill>
+          <a:blip r:embed="rId3">
+            <a:extLst>
+              <a:ext uri="{28A0092B-C50C-407E-A947-70E740481C1C}">
+                <a14:useLocalDpi xmlns:a14="http://schemas.microsoft.com/office/drawing/2010/main" val="0"/>
+              </a:ext>
+            </a:extLst>
+          </a:blip>
+          <a:stretch>
+            <a:fillRect/>
+          </a:stretch>
+        </p:blipFill>
+        <p:spPr>
+          <a:xfrm>
+            <a:off x="6172200" y="1873242"/>
+            <a:ext cx="5181600" cy="4256103"/>
+          </a:xfrm>
+        </p:spPr>
+      </p:pic>
     </p:spTree>
     <p:extLst>
       <p:ext uri="{BB962C8B-B14F-4D97-AF65-F5344CB8AC3E}">
-        <p14:creationId xmlns:p14="http://schemas.microsoft.com/office/powerpoint/2010/main" val="547057354"/>
+        <p14:creationId xmlns:p14="http://schemas.microsoft.com/office/powerpoint/2010/main" val="482767491"/>
       </p:ext>
     </p:extLst>
   </p:cSld>
@@ -5910,7 +6348,7 @@
 </p:sld>
 </file>
 
-<file path=ppt/slides/slide4.xml><?xml version="1.0" encoding="utf-8"?>
+<file path=ppt/slides/slide30.xml><?xml version="1.0" encoding="utf-8"?>
 <p:sld xmlns:a="http://schemas.openxmlformats.org/drawingml/2006/main" xmlns:r="http://schemas.openxmlformats.org/officeDocument/2006/relationships" xmlns:p="http://schemas.openxmlformats.org/presentationml/2006/main" show="0">
   <p:cSld>
     <p:spTree>
@@ -5950,15 +6388,7 @@
           <a:p>
             <a:r>
               <a:rPr lang="en-US" dirty="0"/>
-              <a:t>Case 2: 1000 sims, 1000 </a:t>
-            </a:r>
-            <a:r>
-              <a:rPr lang="en-US" dirty="0" err="1"/>
-              <a:t>datapoints</a:t>
-            </a:r>
-            <a:r>
-              <a:rPr lang="en-US" dirty="0"/>
-              <a:t>, 1 Ex </a:t>
+              <a:t>Case 2: 1000 sims, 100,000 data points, 10 Ex </a:t>
             </a:r>
             <a:r>
               <a:rPr lang="en-US" dirty="0" err="1"/>
@@ -5970,18 +6400,43 @@
       </p:sp>
       <p:sp>
         <p:nvSpPr>
-          <p:cNvPr id="3" name="Content Placeholder 2">
-            <a:extLst>
-              <a:ext uri="{FF2B5EF4-FFF2-40B4-BE49-F238E27FC236}">
-                <a16:creationId xmlns:a16="http://schemas.microsoft.com/office/drawing/2014/main" id="{FAEBC2D9-131F-6B4D-AF3C-BD2B1567A0A5}"/>
-              </a:ext>
-            </a:extLst>
-          </p:cNvPr>
-          <p:cNvSpPr>
-            <a:spLocks noGrp="1"/>
-          </p:cNvSpPr>
-          <p:nvPr>
-            <p:ph idx="1"/>
+          <p:cNvPr id="4" name="Content Placeholder 3">
+            <a:extLst>
+              <a:ext uri="{FF2B5EF4-FFF2-40B4-BE49-F238E27FC236}">
+                <a16:creationId xmlns:a16="http://schemas.microsoft.com/office/drawing/2014/main" id="{476DB8E3-E8F4-4640-A97C-C260441B9F61}"/>
+              </a:ext>
+            </a:extLst>
+          </p:cNvPr>
+          <p:cNvSpPr>
+            <a:spLocks noGrp="1"/>
+          </p:cNvSpPr>
+          <p:nvPr>
+            <p:ph sz="half" idx="1"/>
+          </p:nvPr>
+        </p:nvSpPr>
+        <p:spPr/>
+        <p:txBody>
+          <a:bodyPr/>
+          <a:lstStyle/>
+          <a:p>
+            <a:endParaRPr lang="en-US"/>
+          </a:p>
+        </p:txBody>
+      </p:sp>
+      <p:sp>
+        <p:nvSpPr>
+          <p:cNvPr id="5" name="Content Placeholder 4">
+            <a:extLst>
+              <a:ext uri="{FF2B5EF4-FFF2-40B4-BE49-F238E27FC236}">
+                <a16:creationId xmlns:a16="http://schemas.microsoft.com/office/drawing/2014/main" id="{7FD6F8C3-C368-F24C-A2C0-E2148C03243F}"/>
+              </a:ext>
+            </a:extLst>
+          </p:cNvPr>
+          <p:cNvSpPr>
+            <a:spLocks noGrp="1"/>
+          </p:cNvSpPr>
+          <p:nvPr>
+            <p:ph sz="half" idx="2"/>
           </p:nvPr>
         </p:nvSpPr>
         <p:spPr/>
@@ -5996,7 +6451,7 @@
     </p:spTree>
     <p:extLst>
       <p:ext uri="{BB962C8B-B14F-4D97-AF65-F5344CB8AC3E}">
-        <p14:creationId xmlns:p14="http://schemas.microsoft.com/office/powerpoint/2010/main" val="382325634"/>
+        <p14:creationId xmlns:p14="http://schemas.microsoft.com/office/powerpoint/2010/main" val="1759168878"/>
       </p:ext>
     </p:extLst>
   </p:cSld>
@@ -6006,7 +6461,7 @@
 </p:sld>
 </file>
 
-<file path=ppt/slides/slide5.xml><?xml version="1.0" encoding="utf-8"?>
+<file path=ppt/slides/slide31.xml><?xml version="1.0" encoding="utf-8"?>
 <p:sld xmlns:a="http://schemas.openxmlformats.org/drawingml/2006/main" xmlns:r="http://schemas.openxmlformats.org/officeDocument/2006/relationships" xmlns:p="http://schemas.openxmlformats.org/presentationml/2006/main" show="0">
   <p:cSld>
     <p:spTree>
@@ -6046,15 +6501,7 @@
           <a:p>
             <a:r>
               <a:rPr lang="en-US" dirty="0"/>
-              <a:t>Case 2: 1000 sims, 1000 </a:t>
-            </a:r>
-            <a:r>
-              <a:rPr lang="en-US" dirty="0" err="1"/>
-              <a:t>datapoints</a:t>
-            </a:r>
-            <a:r>
-              <a:rPr lang="en-US" dirty="0"/>
-              <a:t>, 1 Ex </a:t>
+              <a:t>Case 2: 1000 sims, 100,000 data points, 10 Ex </a:t>
             </a:r>
             <a:r>
               <a:rPr lang="en-US" dirty="0" err="1"/>
@@ -6066,18 +6513,43 @@
       </p:sp>
       <p:sp>
         <p:nvSpPr>
-          <p:cNvPr id="3" name="Content Placeholder 2">
-            <a:extLst>
-              <a:ext uri="{FF2B5EF4-FFF2-40B4-BE49-F238E27FC236}">
-                <a16:creationId xmlns:a16="http://schemas.microsoft.com/office/drawing/2014/main" id="{FAEBC2D9-131F-6B4D-AF3C-BD2B1567A0A5}"/>
-              </a:ext>
-            </a:extLst>
-          </p:cNvPr>
-          <p:cNvSpPr>
-            <a:spLocks noGrp="1"/>
-          </p:cNvSpPr>
-          <p:nvPr>
-            <p:ph idx="1"/>
+          <p:cNvPr id="4" name="Content Placeholder 3">
+            <a:extLst>
+              <a:ext uri="{FF2B5EF4-FFF2-40B4-BE49-F238E27FC236}">
+                <a16:creationId xmlns:a16="http://schemas.microsoft.com/office/drawing/2014/main" id="{476DB8E3-E8F4-4640-A97C-C260441B9F61}"/>
+              </a:ext>
+            </a:extLst>
+          </p:cNvPr>
+          <p:cNvSpPr>
+            <a:spLocks noGrp="1"/>
+          </p:cNvSpPr>
+          <p:nvPr>
+            <p:ph sz="half" idx="1"/>
+          </p:nvPr>
+        </p:nvSpPr>
+        <p:spPr/>
+        <p:txBody>
+          <a:bodyPr/>
+          <a:lstStyle/>
+          <a:p>
+            <a:endParaRPr lang="en-US"/>
+          </a:p>
+        </p:txBody>
+      </p:sp>
+      <p:sp>
+        <p:nvSpPr>
+          <p:cNvPr id="5" name="Content Placeholder 4">
+            <a:extLst>
+              <a:ext uri="{FF2B5EF4-FFF2-40B4-BE49-F238E27FC236}">
+                <a16:creationId xmlns:a16="http://schemas.microsoft.com/office/drawing/2014/main" id="{7FD6F8C3-C368-F24C-A2C0-E2148C03243F}"/>
+              </a:ext>
+            </a:extLst>
+          </p:cNvPr>
+          <p:cNvSpPr>
+            <a:spLocks noGrp="1"/>
+          </p:cNvSpPr>
+          <p:nvPr>
+            <p:ph sz="half" idx="2"/>
           </p:nvPr>
         </p:nvSpPr>
         <p:spPr/>
@@ -6092,7 +6564,7 @@
     </p:spTree>
     <p:extLst>
       <p:ext uri="{BB962C8B-B14F-4D97-AF65-F5344CB8AC3E}">
-        <p14:creationId xmlns:p14="http://schemas.microsoft.com/office/powerpoint/2010/main" val="851252504"/>
+        <p14:creationId xmlns:p14="http://schemas.microsoft.com/office/powerpoint/2010/main" val="423279544"/>
       </p:ext>
     </p:extLst>
   </p:cSld>
@@ -6102,7 +6574,7 @@
 </p:sld>
 </file>
 
-<file path=ppt/slides/slide6.xml><?xml version="1.0" encoding="utf-8"?>
+<file path=ppt/slides/slide32.xml><?xml version="1.0" encoding="utf-8"?>
 <p:sld xmlns:a="http://schemas.openxmlformats.org/drawingml/2006/main" xmlns:r="http://schemas.openxmlformats.org/officeDocument/2006/relationships" xmlns:p="http://schemas.openxmlformats.org/presentationml/2006/main" show="0">
   <p:cSld>
     <p:spTree>
@@ -6142,15 +6614,7 @@
           <a:p>
             <a:r>
               <a:rPr lang="en-US" dirty="0"/>
-              <a:t>Case 2: 1000 sims, 1000 </a:t>
-            </a:r>
-            <a:r>
-              <a:rPr lang="en-US" dirty="0" err="1"/>
-              <a:t>datapoints</a:t>
-            </a:r>
-            <a:r>
-              <a:rPr lang="en-US" dirty="0"/>
-              <a:t>, 1 Ex </a:t>
+              <a:t>Case 2: 1000 sims, 100,000 data points, 10 Ex </a:t>
             </a:r>
             <a:r>
               <a:rPr lang="en-US" dirty="0" err="1"/>
@@ -6162,18 +6626,43 @@
       </p:sp>
       <p:sp>
         <p:nvSpPr>
-          <p:cNvPr id="3" name="Content Placeholder 2">
-            <a:extLst>
-              <a:ext uri="{FF2B5EF4-FFF2-40B4-BE49-F238E27FC236}">
-                <a16:creationId xmlns:a16="http://schemas.microsoft.com/office/drawing/2014/main" id="{FAEBC2D9-131F-6B4D-AF3C-BD2B1567A0A5}"/>
-              </a:ext>
-            </a:extLst>
-          </p:cNvPr>
-          <p:cNvSpPr>
-            <a:spLocks noGrp="1"/>
-          </p:cNvSpPr>
-          <p:nvPr>
-            <p:ph idx="1"/>
+          <p:cNvPr id="4" name="Content Placeholder 3">
+            <a:extLst>
+              <a:ext uri="{FF2B5EF4-FFF2-40B4-BE49-F238E27FC236}">
+                <a16:creationId xmlns:a16="http://schemas.microsoft.com/office/drawing/2014/main" id="{476DB8E3-E8F4-4640-A97C-C260441B9F61}"/>
+              </a:ext>
+            </a:extLst>
+          </p:cNvPr>
+          <p:cNvSpPr>
+            <a:spLocks noGrp="1"/>
+          </p:cNvSpPr>
+          <p:nvPr>
+            <p:ph sz="half" idx="1"/>
+          </p:nvPr>
+        </p:nvSpPr>
+        <p:spPr/>
+        <p:txBody>
+          <a:bodyPr/>
+          <a:lstStyle/>
+          <a:p>
+            <a:endParaRPr lang="en-US"/>
+          </a:p>
+        </p:txBody>
+      </p:sp>
+      <p:sp>
+        <p:nvSpPr>
+          <p:cNvPr id="5" name="Content Placeholder 4">
+            <a:extLst>
+              <a:ext uri="{FF2B5EF4-FFF2-40B4-BE49-F238E27FC236}">
+                <a16:creationId xmlns:a16="http://schemas.microsoft.com/office/drawing/2014/main" id="{7FD6F8C3-C368-F24C-A2C0-E2148C03243F}"/>
+              </a:ext>
+            </a:extLst>
+          </p:cNvPr>
+          <p:cNvSpPr>
+            <a:spLocks noGrp="1"/>
+          </p:cNvSpPr>
+          <p:nvPr>
+            <p:ph sz="half" idx="2"/>
           </p:nvPr>
         </p:nvSpPr>
         <p:spPr/>
@@ -6188,7 +6677,1411 @@
     </p:spTree>
     <p:extLst>
       <p:ext uri="{BB962C8B-B14F-4D97-AF65-F5344CB8AC3E}">
-        <p14:creationId xmlns:p14="http://schemas.microsoft.com/office/powerpoint/2010/main" val="1902638425"/>
+        <p14:creationId xmlns:p14="http://schemas.microsoft.com/office/powerpoint/2010/main" val="2863462758"/>
+      </p:ext>
+    </p:extLst>
+  </p:cSld>
+  <p:clrMapOvr>
+    <a:masterClrMapping/>
+  </p:clrMapOvr>
+</p:sld>
+</file>
+
+<file path=ppt/slides/slide33.xml><?xml version="1.0" encoding="utf-8"?>
+<p:sld xmlns:a="http://schemas.openxmlformats.org/drawingml/2006/main" xmlns:r="http://schemas.openxmlformats.org/officeDocument/2006/relationships" xmlns:p="http://schemas.openxmlformats.org/presentationml/2006/main" show="0">
+  <p:cSld>
+    <p:spTree>
+      <p:nvGrpSpPr>
+        <p:cNvPr id="1" name=""/>
+        <p:cNvGrpSpPr/>
+        <p:nvPr/>
+      </p:nvGrpSpPr>
+      <p:grpSpPr>
+        <a:xfrm>
+          <a:off x="0" y="0"/>
+          <a:ext cx="0" cy="0"/>
+          <a:chOff x="0" y="0"/>
+          <a:chExt cx="0" cy="0"/>
+        </a:xfrm>
+      </p:grpSpPr>
+      <p:sp>
+        <p:nvSpPr>
+          <p:cNvPr id="2" name="Title 1">
+            <a:extLst>
+              <a:ext uri="{FF2B5EF4-FFF2-40B4-BE49-F238E27FC236}">
+                <a16:creationId xmlns:a16="http://schemas.microsoft.com/office/drawing/2014/main" id="{A063F629-197F-704E-A07F-2A5D08BC394B}"/>
+              </a:ext>
+            </a:extLst>
+          </p:cNvPr>
+          <p:cNvSpPr>
+            <a:spLocks noGrp="1"/>
+          </p:cNvSpPr>
+          <p:nvPr>
+            <p:ph type="title"/>
+          </p:nvPr>
+        </p:nvSpPr>
+        <p:spPr/>
+        <p:txBody>
+          <a:bodyPr/>
+          <a:lstStyle/>
+          <a:p>
+            <a:r>
+              <a:rPr lang="en-US" dirty="0"/>
+              <a:t>Case 2: 1000 sims, 100,000 data points, 50 Ex </a:t>
+            </a:r>
+            <a:r>
+              <a:rPr lang="en-US" dirty="0" err="1"/>
+              <a:t>Vars</a:t>
+            </a:r>
+            <a:endParaRPr lang="en-US" dirty="0"/>
+          </a:p>
+        </p:txBody>
+      </p:sp>
+      <p:sp>
+        <p:nvSpPr>
+          <p:cNvPr id="4" name="Content Placeholder 3">
+            <a:extLst>
+              <a:ext uri="{FF2B5EF4-FFF2-40B4-BE49-F238E27FC236}">
+                <a16:creationId xmlns:a16="http://schemas.microsoft.com/office/drawing/2014/main" id="{476DB8E3-E8F4-4640-A97C-C260441B9F61}"/>
+              </a:ext>
+            </a:extLst>
+          </p:cNvPr>
+          <p:cNvSpPr>
+            <a:spLocks noGrp="1"/>
+          </p:cNvSpPr>
+          <p:nvPr>
+            <p:ph sz="half" idx="1"/>
+          </p:nvPr>
+        </p:nvSpPr>
+        <p:spPr/>
+        <p:txBody>
+          <a:bodyPr/>
+          <a:lstStyle/>
+          <a:p>
+            <a:endParaRPr lang="en-US"/>
+          </a:p>
+        </p:txBody>
+      </p:sp>
+      <p:sp>
+        <p:nvSpPr>
+          <p:cNvPr id="5" name="Content Placeholder 4">
+            <a:extLst>
+              <a:ext uri="{FF2B5EF4-FFF2-40B4-BE49-F238E27FC236}">
+                <a16:creationId xmlns:a16="http://schemas.microsoft.com/office/drawing/2014/main" id="{7FD6F8C3-C368-F24C-A2C0-E2148C03243F}"/>
+              </a:ext>
+            </a:extLst>
+          </p:cNvPr>
+          <p:cNvSpPr>
+            <a:spLocks noGrp="1"/>
+          </p:cNvSpPr>
+          <p:nvPr>
+            <p:ph sz="half" idx="2"/>
+          </p:nvPr>
+        </p:nvSpPr>
+        <p:spPr/>
+        <p:txBody>
+          <a:bodyPr/>
+          <a:lstStyle/>
+          <a:p>
+            <a:endParaRPr lang="en-US"/>
+          </a:p>
+        </p:txBody>
+      </p:sp>
+    </p:spTree>
+    <p:extLst>
+      <p:ext uri="{BB962C8B-B14F-4D97-AF65-F5344CB8AC3E}">
+        <p14:creationId xmlns:p14="http://schemas.microsoft.com/office/powerpoint/2010/main" val="3314514004"/>
+      </p:ext>
+    </p:extLst>
+  </p:cSld>
+  <p:clrMapOvr>
+    <a:masterClrMapping/>
+  </p:clrMapOvr>
+</p:sld>
+</file>
+
+<file path=ppt/slides/slide34.xml><?xml version="1.0" encoding="utf-8"?>
+<p:sld xmlns:a="http://schemas.openxmlformats.org/drawingml/2006/main" xmlns:r="http://schemas.openxmlformats.org/officeDocument/2006/relationships" xmlns:p="http://schemas.openxmlformats.org/presentationml/2006/main" show="0">
+  <p:cSld>
+    <p:spTree>
+      <p:nvGrpSpPr>
+        <p:cNvPr id="1" name=""/>
+        <p:cNvGrpSpPr/>
+        <p:nvPr/>
+      </p:nvGrpSpPr>
+      <p:grpSpPr>
+        <a:xfrm>
+          <a:off x="0" y="0"/>
+          <a:ext cx="0" cy="0"/>
+          <a:chOff x="0" y="0"/>
+          <a:chExt cx="0" cy="0"/>
+        </a:xfrm>
+      </p:grpSpPr>
+      <p:sp>
+        <p:nvSpPr>
+          <p:cNvPr id="2" name="Title 1">
+            <a:extLst>
+              <a:ext uri="{FF2B5EF4-FFF2-40B4-BE49-F238E27FC236}">
+                <a16:creationId xmlns:a16="http://schemas.microsoft.com/office/drawing/2014/main" id="{A063F629-197F-704E-A07F-2A5D08BC394B}"/>
+              </a:ext>
+            </a:extLst>
+          </p:cNvPr>
+          <p:cNvSpPr>
+            <a:spLocks noGrp="1"/>
+          </p:cNvSpPr>
+          <p:nvPr>
+            <p:ph type="title"/>
+          </p:nvPr>
+        </p:nvSpPr>
+        <p:spPr/>
+        <p:txBody>
+          <a:bodyPr/>
+          <a:lstStyle/>
+          <a:p>
+            <a:r>
+              <a:rPr lang="en-US" dirty="0"/>
+              <a:t>Case 2: 1000 sims, 100,000 data points, 50 Ex </a:t>
+            </a:r>
+            <a:r>
+              <a:rPr lang="en-US" dirty="0" err="1"/>
+              <a:t>Vars</a:t>
+            </a:r>
+            <a:endParaRPr lang="en-US" dirty="0"/>
+          </a:p>
+        </p:txBody>
+      </p:sp>
+      <p:sp>
+        <p:nvSpPr>
+          <p:cNvPr id="4" name="Content Placeholder 3">
+            <a:extLst>
+              <a:ext uri="{FF2B5EF4-FFF2-40B4-BE49-F238E27FC236}">
+                <a16:creationId xmlns:a16="http://schemas.microsoft.com/office/drawing/2014/main" id="{476DB8E3-E8F4-4640-A97C-C260441B9F61}"/>
+              </a:ext>
+            </a:extLst>
+          </p:cNvPr>
+          <p:cNvSpPr>
+            <a:spLocks noGrp="1"/>
+          </p:cNvSpPr>
+          <p:nvPr>
+            <p:ph sz="half" idx="1"/>
+          </p:nvPr>
+        </p:nvSpPr>
+        <p:spPr/>
+        <p:txBody>
+          <a:bodyPr/>
+          <a:lstStyle/>
+          <a:p>
+            <a:endParaRPr lang="en-US"/>
+          </a:p>
+        </p:txBody>
+      </p:sp>
+      <p:sp>
+        <p:nvSpPr>
+          <p:cNvPr id="5" name="Content Placeholder 4">
+            <a:extLst>
+              <a:ext uri="{FF2B5EF4-FFF2-40B4-BE49-F238E27FC236}">
+                <a16:creationId xmlns:a16="http://schemas.microsoft.com/office/drawing/2014/main" id="{7FD6F8C3-C368-F24C-A2C0-E2148C03243F}"/>
+              </a:ext>
+            </a:extLst>
+          </p:cNvPr>
+          <p:cNvSpPr>
+            <a:spLocks noGrp="1"/>
+          </p:cNvSpPr>
+          <p:nvPr>
+            <p:ph sz="half" idx="2"/>
+          </p:nvPr>
+        </p:nvSpPr>
+        <p:spPr/>
+        <p:txBody>
+          <a:bodyPr/>
+          <a:lstStyle/>
+          <a:p>
+            <a:endParaRPr lang="en-US"/>
+          </a:p>
+        </p:txBody>
+      </p:sp>
+    </p:spTree>
+    <p:extLst>
+      <p:ext uri="{BB962C8B-B14F-4D97-AF65-F5344CB8AC3E}">
+        <p14:creationId xmlns:p14="http://schemas.microsoft.com/office/powerpoint/2010/main" val="3192578731"/>
+      </p:ext>
+    </p:extLst>
+  </p:cSld>
+  <p:clrMapOvr>
+    <a:masterClrMapping/>
+  </p:clrMapOvr>
+</p:sld>
+</file>
+
+<file path=ppt/slides/slide35.xml><?xml version="1.0" encoding="utf-8"?>
+<p:sld xmlns:a="http://schemas.openxmlformats.org/drawingml/2006/main" xmlns:r="http://schemas.openxmlformats.org/officeDocument/2006/relationships" xmlns:p="http://schemas.openxmlformats.org/presentationml/2006/main" show="0">
+  <p:cSld>
+    <p:spTree>
+      <p:nvGrpSpPr>
+        <p:cNvPr id="1" name=""/>
+        <p:cNvGrpSpPr/>
+        <p:nvPr/>
+      </p:nvGrpSpPr>
+      <p:grpSpPr>
+        <a:xfrm>
+          <a:off x="0" y="0"/>
+          <a:ext cx="0" cy="0"/>
+          <a:chOff x="0" y="0"/>
+          <a:chExt cx="0" cy="0"/>
+        </a:xfrm>
+      </p:grpSpPr>
+      <p:sp>
+        <p:nvSpPr>
+          <p:cNvPr id="2" name="Title 1">
+            <a:extLst>
+              <a:ext uri="{FF2B5EF4-FFF2-40B4-BE49-F238E27FC236}">
+                <a16:creationId xmlns:a16="http://schemas.microsoft.com/office/drawing/2014/main" id="{A063F629-197F-704E-A07F-2A5D08BC394B}"/>
+              </a:ext>
+            </a:extLst>
+          </p:cNvPr>
+          <p:cNvSpPr>
+            <a:spLocks noGrp="1"/>
+          </p:cNvSpPr>
+          <p:nvPr>
+            <p:ph type="title"/>
+          </p:nvPr>
+        </p:nvSpPr>
+        <p:spPr/>
+        <p:txBody>
+          <a:bodyPr/>
+          <a:lstStyle/>
+          <a:p>
+            <a:r>
+              <a:rPr lang="en-US" dirty="0"/>
+              <a:t>Case 2: 1000 sims, 100,000 data points, 50 Ex </a:t>
+            </a:r>
+            <a:r>
+              <a:rPr lang="en-US" dirty="0" err="1"/>
+              <a:t>Vars</a:t>
+            </a:r>
+            <a:endParaRPr lang="en-US" dirty="0"/>
+          </a:p>
+        </p:txBody>
+      </p:sp>
+      <p:sp>
+        <p:nvSpPr>
+          <p:cNvPr id="4" name="Content Placeholder 3">
+            <a:extLst>
+              <a:ext uri="{FF2B5EF4-FFF2-40B4-BE49-F238E27FC236}">
+                <a16:creationId xmlns:a16="http://schemas.microsoft.com/office/drawing/2014/main" id="{476DB8E3-E8F4-4640-A97C-C260441B9F61}"/>
+              </a:ext>
+            </a:extLst>
+          </p:cNvPr>
+          <p:cNvSpPr>
+            <a:spLocks noGrp="1"/>
+          </p:cNvSpPr>
+          <p:nvPr>
+            <p:ph sz="half" idx="1"/>
+          </p:nvPr>
+        </p:nvSpPr>
+        <p:spPr/>
+        <p:txBody>
+          <a:bodyPr/>
+          <a:lstStyle/>
+          <a:p>
+            <a:endParaRPr lang="en-US"/>
+          </a:p>
+        </p:txBody>
+      </p:sp>
+      <p:sp>
+        <p:nvSpPr>
+          <p:cNvPr id="5" name="Content Placeholder 4">
+            <a:extLst>
+              <a:ext uri="{FF2B5EF4-FFF2-40B4-BE49-F238E27FC236}">
+                <a16:creationId xmlns:a16="http://schemas.microsoft.com/office/drawing/2014/main" id="{7FD6F8C3-C368-F24C-A2C0-E2148C03243F}"/>
+              </a:ext>
+            </a:extLst>
+          </p:cNvPr>
+          <p:cNvSpPr>
+            <a:spLocks noGrp="1"/>
+          </p:cNvSpPr>
+          <p:nvPr>
+            <p:ph sz="half" idx="2"/>
+          </p:nvPr>
+        </p:nvSpPr>
+        <p:spPr/>
+        <p:txBody>
+          <a:bodyPr/>
+          <a:lstStyle/>
+          <a:p>
+            <a:endParaRPr lang="en-US"/>
+          </a:p>
+        </p:txBody>
+      </p:sp>
+    </p:spTree>
+    <p:extLst>
+      <p:ext uri="{BB962C8B-B14F-4D97-AF65-F5344CB8AC3E}">
+        <p14:creationId xmlns:p14="http://schemas.microsoft.com/office/powerpoint/2010/main" val="650272069"/>
+      </p:ext>
+    </p:extLst>
+  </p:cSld>
+  <p:clrMapOvr>
+    <a:masterClrMapping/>
+  </p:clrMapOvr>
+</p:sld>
+</file>
+
+<file path=ppt/slides/slide36.xml><?xml version="1.0" encoding="utf-8"?>
+<p:sld xmlns:a="http://schemas.openxmlformats.org/drawingml/2006/main" xmlns:r="http://schemas.openxmlformats.org/officeDocument/2006/relationships" xmlns:p="http://schemas.openxmlformats.org/presentationml/2006/main">
+  <p:cSld>
+    <p:spTree>
+      <p:nvGrpSpPr>
+        <p:cNvPr id="1" name=""/>
+        <p:cNvGrpSpPr/>
+        <p:nvPr/>
+      </p:nvGrpSpPr>
+      <p:grpSpPr>
+        <a:xfrm>
+          <a:off x="0" y="0"/>
+          <a:ext cx="0" cy="0"/>
+          <a:chOff x="0" y="0"/>
+          <a:chExt cx="0" cy="0"/>
+        </a:xfrm>
+      </p:grpSpPr>
+      <p:sp>
+        <p:nvSpPr>
+          <p:cNvPr id="2" name="Title 1"/>
+          <p:cNvSpPr>
+            <a:spLocks noGrp="1"/>
+          </p:cNvSpPr>
+          <p:nvPr>
+            <p:ph type="title"/>
+          </p:nvPr>
+        </p:nvSpPr>
+        <p:spPr/>
+        <p:txBody>
+          <a:bodyPr/>
+          <a:lstStyle/>
+          <a:p>
+            <a:r>
+              <a:rPr lang="en-US" dirty="0"/>
+              <a:t>Case 2: 1000 sims, 1000 data points, 5 Ex </a:t>
+            </a:r>
+            <a:r>
+              <a:rPr lang="en-US" dirty="0" err="1"/>
+              <a:t>Vars</a:t>
+            </a:r>
+            <a:br>
+              <a:rPr lang="en-US" dirty="0"/>
+            </a:br>
+            <a:r>
+              <a:rPr lang="en-US" dirty="0"/>
+              <a:t>Small/ Med/ Large coefficients</a:t>
+            </a:r>
+          </a:p>
+        </p:txBody>
+      </p:sp>
+      <p:pic>
+        <p:nvPicPr>
+          <p:cNvPr id="7170" name="Picture 2"/>
+          <p:cNvPicPr>
+            <a:picLocks noGrp="1" noChangeAspect="1" noChangeArrowheads="1"/>
+          </p:cNvPicPr>
+          <p:nvPr>
+            <p:ph sz="half" idx="1"/>
+          </p:nvPr>
+        </p:nvPicPr>
+        <p:blipFill>
+          <a:blip r:embed="rId2">
+            <a:extLst>
+              <a:ext uri="{28A0092B-C50C-407E-A947-70E740481C1C}">
+                <a14:useLocalDpi xmlns:a14="http://schemas.microsoft.com/office/drawing/2010/main" val="0"/>
+              </a:ext>
+            </a:extLst>
+          </a:blip>
+          <a:srcRect/>
+          <a:stretch>
+            <a:fillRect/>
+          </a:stretch>
+        </p:blipFill>
+        <p:spPr bwMode="auto">
+          <a:xfrm>
+            <a:off x="838200" y="3001464"/>
+            <a:ext cx="5181600" cy="1999659"/>
+          </a:xfrm>
+          <a:prstGeom prst="rect">
+            <a:avLst/>
+          </a:prstGeom>
+          <a:noFill/>
+          <a:ln>
+            <a:noFill/>
+          </a:ln>
+          <a:extLst>
+            <a:ext uri="{909E8E84-426E-40DD-AFC4-6F175D3DCCD1}">
+              <a14:hiddenFill xmlns:a14="http://schemas.microsoft.com/office/drawing/2010/main">
+                <a:solidFill>
+                  <a:schemeClr val="accent1"/>
+                </a:solidFill>
+              </a14:hiddenFill>
+            </a:ext>
+            <a:ext uri="{91240B29-F687-4F45-9708-019B960494DF}">
+              <a14:hiddenLine xmlns:a14="http://schemas.microsoft.com/office/drawing/2010/main" w="9525">
+                <a:solidFill>
+                  <a:schemeClr val="tx1"/>
+                </a:solidFill>
+                <a:miter lim="800000"/>
+                <a:headEnd/>
+                <a:tailEnd/>
+              </a14:hiddenLine>
+            </a:ext>
+          </a:extLst>
+        </p:spPr>
+      </p:pic>
+      <p:pic>
+        <p:nvPicPr>
+          <p:cNvPr id="7171" name="Picture 3"/>
+          <p:cNvPicPr>
+            <a:picLocks noGrp="1" noChangeAspect="1" noChangeArrowheads="1"/>
+          </p:cNvPicPr>
+          <p:nvPr>
+            <p:ph sz="half" idx="2"/>
+          </p:nvPr>
+        </p:nvPicPr>
+        <p:blipFill>
+          <a:blip r:embed="rId3">
+            <a:extLst>
+              <a:ext uri="{28A0092B-C50C-407E-A947-70E740481C1C}">
+                <a14:useLocalDpi xmlns:a14="http://schemas.microsoft.com/office/drawing/2010/main" val="0"/>
+              </a:ext>
+            </a:extLst>
+          </a:blip>
+          <a:srcRect/>
+          <a:stretch>
+            <a:fillRect/>
+          </a:stretch>
+        </p:blipFill>
+        <p:spPr bwMode="auto">
+          <a:xfrm>
+            <a:off x="6172200" y="3033383"/>
+            <a:ext cx="5181600" cy="1935822"/>
+          </a:xfrm>
+          <a:prstGeom prst="rect">
+            <a:avLst/>
+          </a:prstGeom>
+          <a:noFill/>
+          <a:ln>
+            <a:noFill/>
+          </a:ln>
+          <a:extLst>
+            <a:ext uri="{909E8E84-426E-40DD-AFC4-6F175D3DCCD1}">
+              <a14:hiddenFill xmlns:a14="http://schemas.microsoft.com/office/drawing/2010/main">
+                <a:solidFill>
+                  <a:schemeClr val="accent1"/>
+                </a:solidFill>
+              </a14:hiddenFill>
+            </a:ext>
+            <a:ext uri="{91240B29-F687-4F45-9708-019B960494DF}">
+              <a14:hiddenLine xmlns:a14="http://schemas.microsoft.com/office/drawing/2010/main" w="9525">
+                <a:solidFill>
+                  <a:schemeClr val="tx1"/>
+                </a:solidFill>
+                <a:miter lim="800000"/>
+                <a:headEnd/>
+                <a:tailEnd/>
+              </a14:hiddenLine>
+            </a:ext>
+          </a:extLst>
+        </p:spPr>
+      </p:pic>
+    </p:spTree>
+    <p:extLst>
+      <p:ext uri="{BB962C8B-B14F-4D97-AF65-F5344CB8AC3E}">
+        <p14:creationId xmlns:p14="http://schemas.microsoft.com/office/powerpoint/2010/main" val="953906175"/>
+      </p:ext>
+    </p:extLst>
+  </p:cSld>
+  <p:clrMapOvr>
+    <a:masterClrMapping/>
+  </p:clrMapOvr>
+</p:sld>
+</file>
+
+<file path=ppt/slides/slide37.xml><?xml version="1.0" encoding="utf-8"?>
+<p:sld xmlns:a="http://schemas.openxmlformats.org/drawingml/2006/main" xmlns:r="http://schemas.openxmlformats.org/officeDocument/2006/relationships" xmlns:p="http://schemas.openxmlformats.org/presentationml/2006/main">
+  <p:cSld>
+    <p:spTree>
+      <p:nvGrpSpPr>
+        <p:cNvPr id="1" name=""/>
+        <p:cNvGrpSpPr/>
+        <p:nvPr/>
+      </p:nvGrpSpPr>
+      <p:grpSpPr>
+        <a:xfrm>
+          <a:off x="0" y="0"/>
+          <a:ext cx="0" cy="0"/>
+          <a:chOff x="0" y="0"/>
+          <a:chExt cx="0" cy="0"/>
+        </a:xfrm>
+      </p:grpSpPr>
+      <p:sp>
+        <p:nvSpPr>
+          <p:cNvPr id="2" name="Title 1"/>
+          <p:cNvSpPr>
+            <a:spLocks noGrp="1"/>
+          </p:cNvSpPr>
+          <p:nvPr>
+            <p:ph type="title"/>
+          </p:nvPr>
+        </p:nvSpPr>
+        <p:spPr/>
+        <p:txBody>
+          <a:bodyPr/>
+          <a:lstStyle/>
+          <a:p>
+            <a:r>
+              <a:rPr lang="en-US" dirty="0"/>
+              <a:t>Case 2: 1000 sims, 1000 data points, 5 Ex </a:t>
+            </a:r>
+            <a:r>
+              <a:rPr lang="en-US" dirty="0" err="1"/>
+              <a:t>Vars</a:t>
+            </a:r>
+            <a:br>
+              <a:rPr lang="en-US" dirty="0"/>
+            </a:br>
+            <a:r>
+              <a:rPr lang="en-US" dirty="0"/>
+              <a:t>Small/ Med/ Large coefficients</a:t>
+            </a:r>
+          </a:p>
+        </p:txBody>
+      </p:sp>
+      <p:pic>
+        <p:nvPicPr>
+          <p:cNvPr id="8194" name="Picture 2"/>
+          <p:cNvPicPr>
+            <a:picLocks noGrp="1" noChangeAspect="1" noChangeArrowheads="1"/>
+          </p:cNvPicPr>
+          <p:nvPr>
+            <p:ph sz="half" idx="1"/>
+          </p:nvPr>
+        </p:nvPicPr>
+        <p:blipFill>
+          <a:blip r:embed="rId2">
+            <a:extLst>
+              <a:ext uri="{28A0092B-C50C-407E-A947-70E740481C1C}">
+                <a14:useLocalDpi xmlns:a14="http://schemas.microsoft.com/office/drawing/2010/main" val="0"/>
+              </a:ext>
+            </a:extLst>
+          </a:blip>
+          <a:srcRect/>
+          <a:stretch>
+            <a:fillRect/>
+          </a:stretch>
+        </p:blipFill>
+        <p:spPr bwMode="auto">
+          <a:xfrm>
+            <a:off x="838200" y="2546683"/>
+            <a:ext cx="5181600" cy="2909222"/>
+          </a:xfrm>
+          <a:prstGeom prst="rect">
+            <a:avLst/>
+          </a:prstGeom>
+          <a:noFill/>
+          <a:ln>
+            <a:noFill/>
+          </a:ln>
+          <a:extLst>
+            <a:ext uri="{909E8E84-426E-40DD-AFC4-6F175D3DCCD1}">
+              <a14:hiddenFill xmlns:a14="http://schemas.microsoft.com/office/drawing/2010/main">
+                <a:solidFill>
+                  <a:schemeClr val="accent1"/>
+                </a:solidFill>
+              </a14:hiddenFill>
+            </a:ext>
+            <a:ext uri="{91240B29-F687-4F45-9708-019B960494DF}">
+              <a14:hiddenLine xmlns:a14="http://schemas.microsoft.com/office/drawing/2010/main" w="9525">
+                <a:solidFill>
+                  <a:schemeClr val="tx1"/>
+                </a:solidFill>
+                <a:miter lim="800000"/>
+                <a:headEnd/>
+                <a:tailEnd/>
+              </a14:hiddenLine>
+            </a:ext>
+          </a:extLst>
+        </p:spPr>
+      </p:pic>
+      <p:pic>
+        <p:nvPicPr>
+          <p:cNvPr id="8195" name="Picture 3"/>
+          <p:cNvPicPr>
+            <a:picLocks noGrp="1" noChangeAspect="1" noChangeArrowheads="1"/>
+          </p:cNvPicPr>
+          <p:nvPr>
+            <p:ph sz="half" idx="2"/>
+          </p:nvPr>
+        </p:nvPicPr>
+        <p:blipFill>
+          <a:blip r:embed="rId3">
+            <a:extLst>
+              <a:ext uri="{28A0092B-C50C-407E-A947-70E740481C1C}">
+                <a14:useLocalDpi xmlns:a14="http://schemas.microsoft.com/office/drawing/2010/main" val="0"/>
+              </a:ext>
+            </a:extLst>
+          </a:blip>
+          <a:srcRect/>
+          <a:stretch>
+            <a:fillRect/>
+          </a:stretch>
+        </p:blipFill>
+        <p:spPr bwMode="auto">
+          <a:xfrm>
+            <a:off x="6172200" y="2533778"/>
+            <a:ext cx="5181600" cy="2935032"/>
+          </a:xfrm>
+          <a:prstGeom prst="rect">
+            <a:avLst/>
+          </a:prstGeom>
+          <a:noFill/>
+          <a:ln>
+            <a:noFill/>
+          </a:ln>
+          <a:extLst>
+            <a:ext uri="{909E8E84-426E-40DD-AFC4-6F175D3DCCD1}">
+              <a14:hiddenFill xmlns:a14="http://schemas.microsoft.com/office/drawing/2010/main">
+                <a:solidFill>
+                  <a:schemeClr val="accent1"/>
+                </a:solidFill>
+              </a14:hiddenFill>
+            </a:ext>
+            <a:ext uri="{91240B29-F687-4F45-9708-019B960494DF}">
+              <a14:hiddenLine xmlns:a14="http://schemas.microsoft.com/office/drawing/2010/main" w="9525">
+                <a:solidFill>
+                  <a:schemeClr val="tx1"/>
+                </a:solidFill>
+                <a:miter lim="800000"/>
+                <a:headEnd/>
+                <a:tailEnd/>
+              </a14:hiddenLine>
+            </a:ext>
+          </a:extLst>
+        </p:spPr>
+      </p:pic>
+    </p:spTree>
+    <p:extLst>
+      <p:ext uri="{BB962C8B-B14F-4D97-AF65-F5344CB8AC3E}">
+        <p14:creationId xmlns:p14="http://schemas.microsoft.com/office/powerpoint/2010/main" val="3415777889"/>
+      </p:ext>
+    </p:extLst>
+  </p:cSld>
+  <p:clrMapOvr>
+    <a:masterClrMapping/>
+  </p:clrMapOvr>
+</p:sld>
+</file>
+
+<file path=ppt/slides/slide38.xml><?xml version="1.0" encoding="utf-8"?>
+<p:sld xmlns:a="http://schemas.openxmlformats.org/drawingml/2006/main" xmlns:r="http://schemas.openxmlformats.org/officeDocument/2006/relationships" xmlns:p="http://schemas.openxmlformats.org/presentationml/2006/main">
+  <p:cSld>
+    <p:spTree>
+      <p:nvGrpSpPr>
+        <p:cNvPr id="1" name=""/>
+        <p:cNvGrpSpPr/>
+        <p:nvPr/>
+      </p:nvGrpSpPr>
+      <p:grpSpPr>
+        <a:xfrm>
+          <a:off x="0" y="0"/>
+          <a:ext cx="0" cy="0"/>
+          <a:chOff x="0" y="0"/>
+          <a:chExt cx="0" cy="0"/>
+        </a:xfrm>
+      </p:grpSpPr>
+      <p:sp>
+        <p:nvSpPr>
+          <p:cNvPr id="2" name="Title 1"/>
+          <p:cNvSpPr>
+            <a:spLocks noGrp="1"/>
+          </p:cNvSpPr>
+          <p:nvPr>
+            <p:ph type="title"/>
+          </p:nvPr>
+        </p:nvSpPr>
+        <p:spPr/>
+        <p:txBody>
+          <a:bodyPr/>
+          <a:lstStyle/>
+          <a:p>
+            <a:r>
+              <a:rPr lang="en-US" dirty="0"/>
+              <a:t>Case 2: 1000 sims, 1000 data points, 5 Ex </a:t>
+            </a:r>
+            <a:r>
+              <a:rPr lang="en-US" dirty="0" err="1"/>
+              <a:t>Vars</a:t>
+            </a:r>
+            <a:br>
+              <a:rPr lang="en-US" dirty="0"/>
+            </a:br>
+            <a:r>
+              <a:rPr lang="en-US" dirty="0"/>
+              <a:t>Small/ Med/ Large coefficients</a:t>
+            </a:r>
+          </a:p>
+        </p:txBody>
+      </p:sp>
+      <p:pic>
+        <p:nvPicPr>
+          <p:cNvPr id="9218" name="Picture 2"/>
+          <p:cNvPicPr>
+            <a:picLocks noGrp="1" noChangeAspect="1" noChangeArrowheads="1"/>
+          </p:cNvPicPr>
+          <p:nvPr>
+            <p:ph sz="half" idx="1"/>
+          </p:nvPr>
+        </p:nvPicPr>
+        <p:blipFill>
+          <a:blip r:embed="rId2">
+            <a:extLst>
+              <a:ext uri="{28A0092B-C50C-407E-A947-70E740481C1C}">
+                <a14:useLocalDpi xmlns:a14="http://schemas.microsoft.com/office/drawing/2010/main" val="0"/>
+              </a:ext>
+            </a:extLst>
+          </a:blip>
+          <a:srcRect/>
+          <a:stretch>
+            <a:fillRect/>
+          </a:stretch>
+        </p:blipFill>
+        <p:spPr bwMode="auto">
+          <a:xfrm>
+            <a:off x="838200" y="2531723"/>
+            <a:ext cx="5181600" cy="2939142"/>
+          </a:xfrm>
+          <a:prstGeom prst="rect">
+            <a:avLst/>
+          </a:prstGeom>
+          <a:noFill/>
+          <a:ln>
+            <a:noFill/>
+          </a:ln>
+          <a:extLst>
+            <a:ext uri="{909E8E84-426E-40DD-AFC4-6F175D3DCCD1}">
+              <a14:hiddenFill xmlns:a14="http://schemas.microsoft.com/office/drawing/2010/main">
+                <a:solidFill>
+                  <a:schemeClr val="accent1"/>
+                </a:solidFill>
+              </a14:hiddenFill>
+            </a:ext>
+            <a:ext uri="{91240B29-F687-4F45-9708-019B960494DF}">
+              <a14:hiddenLine xmlns:a14="http://schemas.microsoft.com/office/drawing/2010/main" w="9525">
+                <a:solidFill>
+                  <a:schemeClr val="tx1"/>
+                </a:solidFill>
+                <a:miter lim="800000"/>
+                <a:headEnd/>
+                <a:tailEnd/>
+              </a14:hiddenLine>
+            </a:ext>
+          </a:extLst>
+        </p:spPr>
+      </p:pic>
+      <p:pic>
+        <p:nvPicPr>
+          <p:cNvPr id="9219" name="Picture 3"/>
+          <p:cNvPicPr>
+            <a:picLocks noGrp="1" noChangeAspect="1" noChangeArrowheads="1"/>
+          </p:cNvPicPr>
+          <p:nvPr>
+            <p:ph sz="half" idx="2"/>
+          </p:nvPr>
+        </p:nvPicPr>
+        <p:blipFill>
+          <a:blip r:embed="rId3">
+            <a:extLst>
+              <a:ext uri="{28A0092B-C50C-407E-A947-70E740481C1C}">
+                <a14:useLocalDpi xmlns:a14="http://schemas.microsoft.com/office/drawing/2010/main" val="0"/>
+              </a:ext>
+            </a:extLst>
+          </a:blip>
+          <a:srcRect/>
+          <a:stretch>
+            <a:fillRect/>
+          </a:stretch>
+        </p:blipFill>
+        <p:spPr bwMode="auto">
+          <a:xfrm>
+            <a:off x="6172200" y="2532209"/>
+            <a:ext cx="5181600" cy="2938169"/>
+          </a:xfrm>
+          <a:prstGeom prst="rect">
+            <a:avLst/>
+          </a:prstGeom>
+          <a:noFill/>
+          <a:ln>
+            <a:noFill/>
+          </a:ln>
+          <a:extLst>
+            <a:ext uri="{909E8E84-426E-40DD-AFC4-6F175D3DCCD1}">
+              <a14:hiddenFill xmlns:a14="http://schemas.microsoft.com/office/drawing/2010/main">
+                <a:solidFill>
+                  <a:schemeClr val="accent1"/>
+                </a:solidFill>
+              </a14:hiddenFill>
+            </a:ext>
+            <a:ext uri="{91240B29-F687-4F45-9708-019B960494DF}">
+              <a14:hiddenLine xmlns:a14="http://schemas.microsoft.com/office/drawing/2010/main" w="9525">
+                <a:solidFill>
+                  <a:schemeClr val="tx1"/>
+                </a:solidFill>
+                <a:miter lim="800000"/>
+                <a:headEnd/>
+                <a:tailEnd/>
+              </a14:hiddenLine>
+            </a:ext>
+          </a:extLst>
+        </p:spPr>
+      </p:pic>
+    </p:spTree>
+    <p:extLst>
+      <p:ext uri="{BB962C8B-B14F-4D97-AF65-F5344CB8AC3E}">
+        <p14:creationId xmlns:p14="http://schemas.microsoft.com/office/powerpoint/2010/main" val="3415777889"/>
+      </p:ext>
+    </p:extLst>
+  </p:cSld>
+  <p:clrMapOvr>
+    <a:masterClrMapping/>
+  </p:clrMapOvr>
+</p:sld>
+</file>
+
+<file path=ppt/slides/slide39.xml><?xml version="1.0" encoding="utf-8"?>
+<p:sld xmlns:a="http://schemas.openxmlformats.org/drawingml/2006/main" xmlns:r="http://schemas.openxmlformats.org/officeDocument/2006/relationships" xmlns:p="http://schemas.openxmlformats.org/presentationml/2006/main">
+  <p:cSld>
+    <p:spTree>
+      <p:nvGrpSpPr>
+        <p:cNvPr id="1" name=""/>
+        <p:cNvGrpSpPr/>
+        <p:nvPr/>
+      </p:nvGrpSpPr>
+      <p:grpSpPr>
+        <a:xfrm>
+          <a:off x="0" y="0"/>
+          <a:ext cx="0" cy="0"/>
+          <a:chOff x="0" y="0"/>
+          <a:chExt cx="0" cy="0"/>
+        </a:xfrm>
+      </p:grpSpPr>
+      <p:sp>
+        <p:nvSpPr>
+          <p:cNvPr id="2" name="Title 1"/>
+          <p:cNvSpPr>
+            <a:spLocks noGrp="1"/>
+          </p:cNvSpPr>
+          <p:nvPr>
+            <p:ph type="title"/>
+          </p:nvPr>
+        </p:nvSpPr>
+        <p:spPr/>
+        <p:txBody>
+          <a:bodyPr>
+            <a:normAutofit fontScale="90000"/>
+          </a:bodyPr>
+          <a:lstStyle/>
+          <a:p>
+            <a:r>
+              <a:rPr lang="en-US" dirty="0"/>
+              <a:t>Case 2: 1000 sims, 1000 data points, 5 Ex </a:t>
+            </a:r>
+            <a:r>
+              <a:rPr lang="en-US" dirty="0" err="1"/>
+              <a:t>Vars</a:t>
+            </a:r>
+            <a:br>
+              <a:rPr lang="en-US" dirty="0"/>
+            </a:br>
+            <a:r>
+              <a:rPr lang="en-US" dirty="0"/>
+              <a:t>Small/ Med/ Large coefficients + forward</a:t>
+            </a:r>
+            <a:r>
+              <a:rPr lang="en-US"/>
+              <a:t>/ backward</a:t>
+            </a:r>
+            <a:endParaRPr lang="en-US" dirty="0"/>
+          </a:p>
+        </p:txBody>
+      </p:sp>
+      <p:sp>
+        <p:nvSpPr>
+          <p:cNvPr id="3" name="Content Placeholder 2"/>
+          <p:cNvSpPr>
+            <a:spLocks noGrp="1"/>
+          </p:cNvSpPr>
+          <p:nvPr>
+            <p:ph sz="half" idx="1"/>
+          </p:nvPr>
+        </p:nvSpPr>
+        <p:spPr/>
+        <p:txBody>
+          <a:bodyPr/>
+          <a:lstStyle/>
+          <a:p>
+            <a:endParaRPr lang="en-US"/>
+          </a:p>
+        </p:txBody>
+      </p:sp>
+      <p:sp>
+        <p:nvSpPr>
+          <p:cNvPr id="4" name="Content Placeholder 3"/>
+          <p:cNvSpPr>
+            <a:spLocks noGrp="1"/>
+          </p:cNvSpPr>
+          <p:nvPr>
+            <p:ph sz="half" idx="2"/>
+          </p:nvPr>
+        </p:nvSpPr>
+        <p:spPr/>
+        <p:txBody>
+          <a:bodyPr/>
+          <a:lstStyle/>
+          <a:p>
+            <a:endParaRPr lang="en-US"/>
+          </a:p>
+        </p:txBody>
+      </p:sp>
+    </p:spTree>
+    <p:extLst>
+      <p:ext uri="{BB962C8B-B14F-4D97-AF65-F5344CB8AC3E}">
+        <p14:creationId xmlns:p14="http://schemas.microsoft.com/office/powerpoint/2010/main" val="1093664465"/>
+      </p:ext>
+    </p:extLst>
+  </p:cSld>
+  <p:clrMapOvr>
+    <a:masterClrMapping/>
+  </p:clrMapOvr>
+</p:sld>
+</file>
+
+<file path=ppt/slides/slide4.xml><?xml version="1.0" encoding="utf-8"?>
+<p:sld xmlns:a="http://schemas.openxmlformats.org/drawingml/2006/main" xmlns:r="http://schemas.openxmlformats.org/officeDocument/2006/relationships" xmlns:p="http://schemas.openxmlformats.org/presentationml/2006/main">
+  <p:cSld>
+    <p:spTree>
+      <p:nvGrpSpPr>
+        <p:cNvPr id="1" name=""/>
+        <p:cNvGrpSpPr/>
+        <p:nvPr/>
+      </p:nvGrpSpPr>
+      <p:grpSpPr>
+        <a:xfrm>
+          <a:off x="0" y="0"/>
+          <a:ext cx="0" cy="0"/>
+          <a:chOff x="0" y="0"/>
+          <a:chExt cx="0" cy="0"/>
+        </a:xfrm>
+      </p:grpSpPr>
+      <p:sp>
+        <p:nvSpPr>
+          <p:cNvPr id="2" name="Title 1">
+            <a:extLst>
+              <a:ext uri="{FF2B5EF4-FFF2-40B4-BE49-F238E27FC236}">
+                <a16:creationId xmlns:a16="http://schemas.microsoft.com/office/drawing/2014/main" id="{D08B2E86-6C93-9A4E-95D5-2167F24BA32E}"/>
+              </a:ext>
+            </a:extLst>
+          </p:cNvPr>
+          <p:cNvSpPr>
+            <a:spLocks noGrp="1"/>
+          </p:cNvSpPr>
+          <p:nvPr>
+            <p:ph type="title"/>
+          </p:nvPr>
+        </p:nvSpPr>
+        <p:spPr/>
+        <p:txBody>
+          <a:bodyPr/>
+          <a:lstStyle/>
+          <a:p>
+            <a:r>
+              <a:rPr lang="en-US" dirty="0"/>
+              <a:t>Case 1</a:t>
+            </a:r>
+          </a:p>
+        </p:txBody>
+      </p:sp>
+      <p:sp>
+        <p:nvSpPr>
+          <p:cNvPr id="3" name="Content Placeholder 2">
+            <a:extLst>
+              <a:ext uri="{FF2B5EF4-FFF2-40B4-BE49-F238E27FC236}">
+                <a16:creationId xmlns:a16="http://schemas.microsoft.com/office/drawing/2014/main" id="{FE0D021C-9597-EE4C-9656-740B97FC66DC}"/>
+              </a:ext>
+            </a:extLst>
+          </p:cNvPr>
+          <p:cNvSpPr>
+            <a:spLocks noGrp="1"/>
+          </p:cNvSpPr>
+          <p:nvPr>
+            <p:ph idx="1"/>
+          </p:nvPr>
+        </p:nvSpPr>
+        <p:spPr/>
+        <p:txBody>
+          <a:bodyPr/>
+          <a:lstStyle/>
+          <a:p>
+            <a:r>
+              <a:rPr lang="en-US" dirty="0"/>
+              <a:t>In this case, we simulate the dataset and set the variance of each variable (noise and explanatory) to 0.5 to 5.0 in an interval of 0.5 and display the results of each simulation.</a:t>
+            </a:r>
+          </a:p>
+          <a:p>
+            <a:r>
+              <a:rPr lang="en-US" dirty="0"/>
+              <a:t>(Trace) 5 noise, 10 explanatory</a:t>
+            </a:r>
+          </a:p>
+          <a:p>
+            <a:r>
+              <a:rPr lang="en-US" dirty="0"/>
+              <a:t>(KK) 10 noise / 10 explanatory, 10 noise / 5 explanatory</a:t>
+            </a:r>
+          </a:p>
+          <a:p>
+            <a:r>
+              <a:rPr lang="en-US" dirty="0"/>
+              <a:t>All 1000 data points, 1000 sims</a:t>
+            </a:r>
+          </a:p>
+        </p:txBody>
+      </p:sp>
+    </p:spTree>
+    <p:extLst>
+      <p:ext uri="{BB962C8B-B14F-4D97-AF65-F5344CB8AC3E}">
+        <p14:creationId xmlns:p14="http://schemas.microsoft.com/office/powerpoint/2010/main" val="444506584"/>
+      </p:ext>
+    </p:extLst>
+  </p:cSld>
+  <p:clrMapOvr>
+    <a:masterClrMapping/>
+  </p:clrMapOvr>
+</p:sld>
+</file>
+
+<file path=ppt/slides/slide5.xml><?xml version="1.0" encoding="utf-8"?>
+<p:sld xmlns:a="http://schemas.openxmlformats.org/drawingml/2006/main" xmlns:r="http://schemas.openxmlformats.org/officeDocument/2006/relationships" xmlns:p="http://schemas.openxmlformats.org/presentationml/2006/main">
+  <p:cSld>
+    <p:spTree>
+      <p:nvGrpSpPr>
+        <p:cNvPr id="1" name=""/>
+        <p:cNvGrpSpPr/>
+        <p:nvPr/>
+      </p:nvGrpSpPr>
+      <p:grpSpPr>
+        <a:xfrm>
+          <a:off x="0" y="0"/>
+          <a:ext cx="0" cy="0"/>
+          <a:chOff x="0" y="0"/>
+          <a:chExt cx="0" cy="0"/>
+        </a:xfrm>
+      </p:grpSpPr>
+      <p:sp>
+        <p:nvSpPr>
+          <p:cNvPr id="2" name="Title 1"/>
+          <p:cNvSpPr>
+            <a:spLocks noGrp="1"/>
+          </p:cNvSpPr>
+          <p:nvPr>
+            <p:ph type="title"/>
+          </p:nvPr>
+        </p:nvSpPr>
+        <p:spPr/>
+        <p:txBody>
+          <a:bodyPr/>
+          <a:lstStyle/>
+          <a:p>
+            <a:r>
+              <a:rPr lang="en-US" dirty="0"/>
+              <a:t>Case 1 - 10 noise / 10 explanatory</a:t>
+            </a:r>
+          </a:p>
+        </p:txBody>
+      </p:sp>
+      <p:pic>
+        <p:nvPicPr>
+          <p:cNvPr id="4098" name="Picture 2"/>
+          <p:cNvPicPr>
+            <a:picLocks noGrp="1" noChangeAspect="1" noChangeArrowheads="1"/>
+          </p:cNvPicPr>
+          <p:nvPr>
+            <p:ph sz="half" idx="1"/>
+          </p:nvPr>
+        </p:nvPicPr>
+        <p:blipFill>
+          <a:blip r:embed="rId2">
+            <a:extLst>
+              <a:ext uri="{28A0092B-C50C-407E-A947-70E740481C1C}">
+                <a14:useLocalDpi xmlns:a14="http://schemas.microsoft.com/office/drawing/2010/main" val="0"/>
+              </a:ext>
+            </a:extLst>
+          </a:blip>
+          <a:srcRect/>
+          <a:stretch>
+            <a:fillRect/>
+          </a:stretch>
+        </p:blipFill>
+        <p:spPr bwMode="auto">
+          <a:xfrm>
+            <a:off x="963930" y="2385854"/>
+            <a:ext cx="4930140" cy="3230880"/>
+          </a:xfrm>
+          <a:prstGeom prst="rect">
+            <a:avLst/>
+          </a:prstGeom>
+          <a:noFill/>
+          <a:ln>
+            <a:noFill/>
+          </a:ln>
+          <a:extLst>
+            <a:ext uri="{909E8E84-426E-40DD-AFC4-6F175D3DCCD1}">
+              <a14:hiddenFill xmlns:a14="http://schemas.microsoft.com/office/drawing/2010/main">
+                <a:solidFill>
+                  <a:schemeClr val="accent1"/>
+                </a:solidFill>
+              </a14:hiddenFill>
+            </a:ext>
+            <a:ext uri="{91240B29-F687-4F45-9708-019B960494DF}">
+              <a14:hiddenLine xmlns:a14="http://schemas.microsoft.com/office/drawing/2010/main" w="9525">
+                <a:solidFill>
+                  <a:schemeClr val="tx1"/>
+                </a:solidFill>
+                <a:miter lim="800000"/>
+                <a:headEnd/>
+                <a:tailEnd/>
+              </a14:hiddenLine>
+            </a:ext>
+          </a:extLst>
+        </p:spPr>
+      </p:pic>
+      <p:pic>
+        <p:nvPicPr>
+          <p:cNvPr id="4099" name="Picture 3"/>
+          <p:cNvPicPr>
+            <a:picLocks noGrp="1" noChangeAspect="1" noChangeArrowheads="1"/>
+          </p:cNvPicPr>
+          <p:nvPr>
+            <p:ph sz="half" idx="2"/>
+          </p:nvPr>
+        </p:nvPicPr>
+        <p:blipFill>
+          <a:blip r:embed="rId3">
+            <a:extLst>
+              <a:ext uri="{28A0092B-C50C-407E-A947-70E740481C1C}">
+                <a14:useLocalDpi xmlns:a14="http://schemas.microsoft.com/office/drawing/2010/main" val="0"/>
+              </a:ext>
+            </a:extLst>
+          </a:blip>
+          <a:srcRect/>
+          <a:stretch>
+            <a:fillRect/>
+          </a:stretch>
+        </p:blipFill>
+        <p:spPr bwMode="auto">
+          <a:xfrm>
+            <a:off x="6286500" y="2374424"/>
+            <a:ext cx="4953000" cy="3253740"/>
+          </a:xfrm>
+          <a:prstGeom prst="rect">
+            <a:avLst/>
+          </a:prstGeom>
+          <a:noFill/>
+          <a:ln>
+            <a:noFill/>
+          </a:ln>
+          <a:extLst>
+            <a:ext uri="{909E8E84-426E-40DD-AFC4-6F175D3DCCD1}">
+              <a14:hiddenFill xmlns:a14="http://schemas.microsoft.com/office/drawing/2010/main">
+                <a:solidFill>
+                  <a:schemeClr val="accent1"/>
+                </a:solidFill>
+              </a14:hiddenFill>
+            </a:ext>
+            <a:ext uri="{91240B29-F687-4F45-9708-019B960494DF}">
+              <a14:hiddenLine xmlns:a14="http://schemas.microsoft.com/office/drawing/2010/main" w="9525">
+                <a:solidFill>
+                  <a:schemeClr val="tx1"/>
+                </a:solidFill>
+                <a:miter lim="800000"/>
+                <a:headEnd/>
+                <a:tailEnd/>
+              </a14:hiddenLine>
+            </a:ext>
+          </a:extLst>
+        </p:spPr>
+      </p:pic>
+    </p:spTree>
+    <p:extLst>
+      <p:ext uri="{BB962C8B-B14F-4D97-AF65-F5344CB8AC3E}">
+        <p14:creationId xmlns:p14="http://schemas.microsoft.com/office/powerpoint/2010/main" val="3500290650"/>
+      </p:ext>
+    </p:extLst>
+  </p:cSld>
+  <p:clrMapOvr>
+    <a:masterClrMapping/>
+  </p:clrMapOvr>
+</p:sld>
+</file>
+
+<file path=ppt/slides/slide6.xml><?xml version="1.0" encoding="utf-8"?>
+<p:sld xmlns:a="http://schemas.openxmlformats.org/drawingml/2006/main" xmlns:r="http://schemas.openxmlformats.org/officeDocument/2006/relationships" xmlns:p="http://schemas.openxmlformats.org/presentationml/2006/main">
+  <p:cSld>
+    <p:spTree>
+      <p:nvGrpSpPr>
+        <p:cNvPr id="1" name=""/>
+        <p:cNvGrpSpPr/>
+        <p:nvPr/>
+      </p:nvGrpSpPr>
+      <p:grpSpPr>
+        <a:xfrm>
+          <a:off x="0" y="0"/>
+          <a:ext cx="0" cy="0"/>
+          <a:chOff x="0" y="0"/>
+          <a:chExt cx="0" cy="0"/>
+        </a:xfrm>
+      </p:grpSpPr>
+      <p:sp>
+        <p:nvSpPr>
+          <p:cNvPr id="2" name="Title 1"/>
+          <p:cNvSpPr>
+            <a:spLocks noGrp="1"/>
+          </p:cNvSpPr>
+          <p:nvPr>
+            <p:ph type="title"/>
+          </p:nvPr>
+        </p:nvSpPr>
+        <p:spPr/>
+        <p:txBody>
+          <a:bodyPr/>
+          <a:lstStyle/>
+          <a:p>
+            <a:r>
+              <a:rPr lang="en-US" dirty="0"/>
+              <a:t>Case 1 - 10 noise / 10 explanatory</a:t>
+            </a:r>
+          </a:p>
+        </p:txBody>
+      </p:sp>
+      <p:pic>
+        <p:nvPicPr>
+          <p:cNvPr id="5122" name="Picture 2"/>
+          <p:cNvPicPr>
+            <a:picLocks noGrp="1" noChangeAspect="1" noChangeArrowheads="1"/>
+          </p:cNvPicPr>
+          <p:nvPr>
+            <p:ph sz="half" idx="1"/>
+          </p:nvPr>
+        </p:nvPicPr>
+        <p:blipFill>
+          <a:blip r:embed="rId2">
+            <a:extLst>
+              <a:ext uri="{28A0092B-C50C-407E-A947-70E740481C1C}">
+                <a14:useLocalDpi xmlns:a14="http://schemas.microsoft.com/office/drawing/2010/main" val="0"/>
+              </a:ext>
+            </a:extLst>
+          </a:blip>
+          <a:srcRect/>
+          <a:stretch>
+            <a:fillRect/>
+          </a:stretch>
+        </p:blipFill>
+        <p:spPr bwMode="auto">
+          <a:xfrm>
+            <a:off x="933450" y="2462054"/>
+            <a:ext cx="4991100" cy="3078480"/>
+          </a:xfrm>
+          <a:prstGeom prst="rect">
+            <a:avLst/>
+          </a:prstGeom>
+          <a:noFill/>
+          <a:ln>
+            <a:noFill/>
+          </a:ln>
+          <a:extLst>
+            <a:ext uri="{909E8E84-426E-40DD-AFC4-6F175D3DCCD1}">
+              <a14:hiddenFill xmlns:a14="http://schemas.microsoft.com/office/drawing/2010/main">
+                <a:solidFill>
+                  <a:schemeClr val="accent1"/>
+                </a:solidFill>
+              </a14:hiddenFill>
+            </a:ext>
+            <a:ext uri="{91240B29-F687-4F45-9708-019B960494DF}">
+              <a14:hiddenLine xmlns:a14="http://schemas.microsoft.com/office/drawing/2010/main" w="9525">
+                <a:solidFill>
+                  <a:schemeClr val="tx1"/>
+                </a:solidFill>
+                <a:miter lim="800000"/>
+                <a:headEnd/>
+                <a:tailEnd/>
+              </a14:hiddenLine>
+            </a:ext>
+          </a:extLst>
+        </p:spPr>
+      </p:pic>
+      <p:pic>
+        <p:nvPicPr>
+          <p:cNvPr id="5123" name="Picture 3"/>
+          <p:cNvPicPr>
+            <a:picLocks noGrp="1" noChangeAspect="1" noChangeArrowheads="1"/>
+          </p:cNvPicPr>
+          <p:nvPr>
+            <p:ph sz="half" idx="2"/>
+          </p:nvPr>
+        </p:nvPicPr>
+        <p:blipFill>
+          <a:blip r:embed="rId3">
+            <a:extLst>
+              <a:ext uri="{28A0092B-C50C-407E-A947-70E740481C1C}">
+                <a14:useLocalDpi xmlns:a14="http://schemas.microsoft.com/office/drawing/2010/main" val="0"/>
+              </a:ext>
+            </a:extLst>
+          </a:blip>
+          <a:srcRect/>
+          <a:stretch>
+            <a:fillRect/>
+          </a:stretch>
+        </p:blipFill>
+        <p:spPr bwMode="auto">
+          <a:xfrm>
+            <a:off x="6267450" y="2450624"/>
+            <a:ext cx="4991100" cy="3101340"/>
+          </a:xfrm>
+          <a:prstGeom prst="rect">
+            <a:avLst/>
+          </a:prstGeom>
+          <a:noFill/>
+          <a:ln>
+            <a:noFill/>
+          </a:ln>
+          <a:extLst>
+            <a:ext uri="{909E8E84-426E-40DD-AFC4-6F175D3DCCD1}">
+              <a14:hiddenFill xmlns:a14="http://schemas.microsoft.com/office/drawing/2010/main">
+                <a:solidFill>
+                  <a:schemeClr val="accent1"/>
+                </a:solidFill>
+              </a14:hiddenFill>
+            </a:ext>
+            <a:ext uri="{91240B29-F687-4F45-9708-019B960494DF}">
+              <a14:hiddenLine xmlns:a14="http://schemas.microsoft.com/office/drawing/2010/main" w="9525">
+                <a:solidFill>
+                  <a:schemeClr val="tx1"/>
+                </a:solidFill>
+                <a:miter lim="800000"/>
+                <a:headEnd/>
+                <a:tailEnd/>
+              </a14:hiddenLine>
+            </a:ext>
+          </a:extLst>
+        </p:spPr>
+      </p:pic>
+    </p:spTree>
+    <p:extLst>
+      <p:ext uri="{BB962C8B-B14F-4D97-AF65-F5344CB8AC3E}">
+        <p14:creationId xmlns:p14="http://schemas.microsoft.com/office/powerpoint/2010/main" val="769652833"/>
       </p:ext>
     </p:extLst>
   </p:cSld>
@@ -6217,13 +8110,7 @@
       </p:grpSpPr>
       <p:sp>
         <p:nvSpPr>
-          <p:cNvPr id="2" name="Title 1">
-            <a:extLst>
-              <a:ext uri="{FF2B5EF4-FFF2-40B4-BE49-F238E27FC236}">
-                <a16:creationId xmlns:a16="http://schemas.microsoft.com/office/drawing/2014/main" id="{A063F629-197F-704E-A07F-2A5D08BC394B}"/>
-              </a:ext>
-            </a:extLst>
-          </p:cNvPr>
+          <p:cNvPr id="2" name="Title 1"/>
           <p:cNvSpPr>
             <a:spLocks noGrp="1"/>
           </p:cNvSpPr>
@@ -6238,27 +8125,16 @@
           <a:p>
             <a:r>
               <a:rPr lang="en-US" dirty="0"/>
-              <a:t>Case 2: 1000 sims, 1000 data points, 5 Ex </a:t>
-            </a:r>
-            <a:r>
-              <a:rPr lang="en-US" dirty="0" err="1"/>
-              <a:t>Vars</a:t>
-            </a:r>
-            <a:endParaRPr lang="en-US" dirty="0"/>
+              <a:t>Case 1 - 10 noise / 10 explanatory</a:t>
+            </a:r>
           </a:p>
         </p:txBody>
       </p:sp>
       <p:pic>
         <p:nvPicPr>
-          <p:cNvPr id="7" name="Content Placeholder 6">
-            <a:extLst>
-              <a:ext uri="{FF2B5EF4-FFF2-40B4-BE49-F238E27FC236}">
-                <a16:creationId xmlns:a16="http://schemas.microsoft.com/office/drawing/2014/main" id="{8D9927CB-CDD3-9543-B041-F637B62D0FCF}"/>
-              </a:ext>
-            </a:extLst>
-          </p:cNvPr>
+          <p:cNvPr id="6146" name="Picture 2"/>
           <p:cNvPicPr>
-            <a:picLocks noGrp="1" noChangeAspect="1"/>
+            <a:picLocks noGrp="1" noChangeAspect="1" noChangeArrowheads="1"/>
           </p:cNvPicPr>
           <p:nvPr>
             <p:ph sz="half" idx="1"/>
@@ -6272,97 +8148,104 @@
               </a:ext>
             </a:extLst>
           </a:blip>
+          <a:srcRect/>
           <a:stretch>
             <a:fillRect/>
           </a:stretch>
         </p:blipFill>
-        <p:spPr>
+        <p:spPr bwMode="auto">
           <a:xfrm>
-            <a:off x="838200" y="2958293"/>
-            <a:ext cx="5181600" cy="2086002"/>
-          </a:xfrm>
-        </p:spPr>
-      </p:pic>
-      <p:pic>
-        <p:nvPicPr>
-          <p:cNvPr id="9" name="Content Placeholder 8">
-            <a:extLst>
-              <a:ext uri="{FF2B5EF4-FFF2-40B4-BE49-F238E27FC236}">
-                <a16:creationId xmlns:a16="http://schemas.microsoft.com/office/drawing/2014/main" id="{DD694240-73F5-C04B-BC7F-0E77BEBF52A8}"/>
-              </a:ext>
-            </a:extLst>
-          </p:cNvPr>
-          <p:cNvPicPr>
-            <a:picLocks noGrp="1" noChangeAspect="1"/>
-          </p:cNvPicPr>
-          <p:nvPr>
-            <p:ph sz="half" idx="2"/>
-          </p:nvPr>
-        </p:nvPicPr>
-        <p:blipFill>
-          <a:blip r:embed="rId3">
-            <a:extLst>
-              <a:ext uri="{28A0092B-C50C-407E-A947-70E740481C1C}">
-                <a14:useLocalDpi xmlns:a14="http://schemas.microsoft.com/office/drawing/2010/main" val="0"/>
-              </a:ext>
-            </a:extLst>
-          </a:blip>
-          <a:stretch>
-            <a:fillRect/>
-          </a:stretch>
-        </p:blipFill>
-        <p:spPr>
-          <a:xfrm>
-            <a:off x="6172200" y="2973908"/>
-            <a:ext cx="5181600" cy="2054772"/>
-          </a:xfrm>
-        </p:spPr>
-      </p:pic>
-      <p:sp>
-        <p:nvSpPr>
-          <p:cNvPr id="10" name="TextBox 9">
-            <a:extLst>
-              <a:ext uri="{FF2B5EF4-FFF2-40B4-BE49-F238E27FC236}">
-                <a16:creationId xmlns:a16="http://schemas.microsoft.com/office/drawing/2014/main" id="{E3B9695A-7DBD-AE44-BA33-DCEF54122B5A}"/>
-              </a:ext>
-            </a:extLst>
-          </p:cNvPr>
-          <p:cNvSpPr txBox="1"/>
-          <p:nvPr/>
-        </p:nvSpPr>
-        <p:spPr>
-          <a:xfrm>
-            <a:off x="1075038" y="1690688"/>
-            <a:ext cx="5582490" cy="646331"/>
+            <a:off x="929640" y="2454434"/>
+            <a:ext cx="4998720" cy="3093720"/>
           </a:xfrm>
           <a:prstGeom prst="rect">
             <a:avLst/>
           </a:prstGeom>
           <a:noFill/>
+          <a:ln>
+            <a:noFill/>
+          </a:ln>
+          <a:extLst>
+            <a:ext uri="{909E8E84-426E-40DD-AFC4-6F175D3DCCD1}">
+              <a14:hiddenFill xmlns:a14="http://schemas.microsoft.com/office/drawing/2010/main">
+                <a:solidFill>
+                  <a:schemeClr val="accent1"/>
+                </a:solidFill>
+              </a14:hiddenFill>
+            </a:ext>
+            <a:ext uri="{91240B29-F687-4F45-9708-019B960494DF}">
+              <a14:hiddenLine xmlns:a14="http://schemas.microsoft.com/office/drawing/2010/main" w="9525">
+                <a:solidFill>
+                  <a:schemeClr val="tx1"/>
+                </a:solidFill>
+                <a:miter lim="800000"/>
+                <a:headEnd/>
+                <a:tailEnd/>
+              </a14:hiddenLine>
+            </a:ext>
+          </a:extLst>
         </p:spPr>
-        <p:txBody>
-          <a:bodyPr wrap="none" rtlCol="0">
-            <a:spAutoFit/>
-          </a:bodyPr>
-          <a:lstStyle/>
-          <a:p>
-            <a:r>
-              <a:rPr lang="en-US" dirty="0"/>
-              <a:t>*Description is hardcoded</a:t>
-            </a:r>
-          </a:p>
-          <a:p>
-            <a:r>
-              <a:rPr lang="en-US" dirty="0"/>
-              <a:t>*TPR for LR is the only one that is incorrect – reran to fix it</a:t>
-            </a:r>
-          </a:p>
-        </p:txBody>
-      </p:sp>
+      </p:pic>
+      <p:pic>
+        <p:nvPicPr>
+          <p:cNvPr id="6147" name="Picture 3"/>
+          <p:cNvPicPr>
+            <a:picLocks noGrp="1" noChangeAspect="1" noChangeArrowheads="1"/>
+          </p:cNvPicPr>
+          <p:nvPr>
+            <p:ph sz="half" idx="2"/>
+          </p:nvPr>
+        </p:nvPicPr>
+        <p:blipFill>
+          <a:blip r:embed="rId3">
+            <a:extLst>
+              <a:ext uri="{28A0092B-C50C-407E-A947-70E740481C1C}">
+                <a14:useLocalDpi xmlns:a14="http://schemas.microsoft.com/office/drawing/2010/main" val="0"/>
+              </a:ext>
+            </a:extLst>
+          </a:blip>
+          <a:srcRect/>
+          <a:stretch>
+            <a:fillRect/>
+          </a:stretch>
+        </p:blipFill>
+        <p:spPr bwMode="auto">
+          <a:xfrm>
+            <a:off x="6263640" y="2454434"/>
+            <a:ext cx="4998720" cy="3093720"/>
+          </a:xfrm>
+          <a:prstGeom prst="rect">
+            <a:avLst/>
+          </a:prstGeom>
+          <a:noFill/>
+          <a:ln>
+            <a:noFill/>
+          </a:ln>
+          <a:extLst>
+            <a:ext uri="{909E8E84-426E-40DD-AFC4-6F175D3DCCD1}">
+              <a14:hiddenFill xmlns:a14="http://schemas.microsoft.com/office/drawing/2010/main">
+                <a:solidFill>
+                  <a:schemeClr val="accent1"/>
+                </a:solidFill>
+              </a14:hiddenFill>
+            </a:ext>
+            <a:ext uri="{91240B29-F687-4F45-9708-019B960494DF}">
+              <a14:hiddenLine xmlns:a14="http://schemas.microsoft.com/office/drawing/2010/main" w="9525">
+                <a:solidFill>
+                  <a:schemeClr val="tx1"/>
+                </a:solidFill>
+                <a:miter lim="800000"/>
+                <a:headEnd/>
+                <a:tailEnd/>
+              </a14:hiddenLine>
+            </a:ext>
+          </a:extLst>
+        </p:spPr>
+      </p:pic>
     </p:spTree>
     <p:extLst>
       <p:ext uri="{BB962C8B-B14F-4D97-AF65-F5344CB8AC3E}">
-        <p14:creationId xmlns:p14="http://schemas.microsoft.com/office/powerpoint/2010/main" val="341843874"/>
+        <p14:creationId xmlns:p14="http://schemas.microsoft.com/office/powerpoint/2010/main" val="769652833"/>
       </p:ext>
     </p:extLst>
   </p:cSld>
@@ -6391,13 +8274,7 @@
       </p:grpSpPr>
       <p:sp>
         <p:nvSpPr>
-          <p:cNvPr id="2" name="Title 1">
-            <a:extLst>
-              <a:ext uri="{FF2B5EF4-FFF2-40B4-BE49-F238E27FC236}">
-                <a16:creationId xmlns:a16="http://schemas.microsoft.com/office/drawing/2014/main" id="{A063F629-197F-704E-A07F-2A5D08BC394B}"/>
-              </a:ext>
-            </a:extLst>
-          </p:cNvPr>
+          <p:cNvPr id="2" name="Title 1"/>
           <p:cNvSpPr>
             <a:spLocks noGrp="1"/>
           </p:cNvSpPr>
@@ -6412,27 +8289,16 @@
           <a:p>
             <a:r>
               <a:rPr lang="en-US" dirty="0"/>
-              <a:t>Case 2: 1000 sims, 1000 data points, 5 Ex </a:t>
-            </a:r>
-            <a:r>
-              <a:rPr lang="en-US" dirty="0" err="1"/>
-              <a:t>Vars</a:t>
-            </a:r>
-            <a:endParaRPr lang="en-US" dirty="0"/>
+              <a:t>Case 1 - 10 noise / 5 explanatory</a:t>
+            </a:r>
           </a:p>
         </p:txBody>
       </p:sp>
       <p:pic>
         <p:nvPicPr>
-          <p:cNvPr id="7" name="Content Placeholder 6">
-            <a:extLst>
-              <a:ext uri="{FF2B5EF4-FFF2-40B4-BE49-F238E27FC236}">
-                <a16:creationId xmlns:a16="http://schemas.microsoft.com/office/drawing/2014/main" id="{97C4D4E9-8C16-0049-A1B6-1C1973E091A5}"/>
-              </a:ext>
-            </a:extLst>
-          </p:cNvPr>
+          <p:cNvPr id="1026" name="Picture 2"/>
           <p:cNvPicPr>
-            <a:picLocks noGrp="1" noChangeAspect="1"/>
+            <a:picLocks noGrp="1" noChangeAspect="1" noChangeArrowheads="1"/>
           </p:cNvPicPr>
           <p:nvPr>
             <p:ph sz="half" idx="1"/>
@@ -6446,28 +8312,49 @@
               </a:ext>
             </a:extLst>
           </a:blip>
+          <a:srcRect/>
           <a:stretch>
             <a:fillRect/>
           </a:stretch>
         </p:blipFill>
-        <p:spPr>
+        <p:spPr bwMode="auto">
           <a:xfrm>
-            <a:off x="838200" y="2470195"/>
-            <a:ext cx="5181600" cy="3062197"/>
+            <a:off x="975360" y="2351564"/>
+            <a:ext cx="4907280" cy="3299460"/>
           </a:xfrm>
+          <a:prstGeom prst="rect">
+            <a:avLst/>
+          </a:prstGeom>
+          <a:noFill/>
+          <a:ln>
+            <a:noFill/>
+          </a:ln>
+          <a:extLst>
+            <a:ext uri="{909E8E84-426E-40DD-AFC4-6F175D3DCCD1}">
+              <a14:hiddenFill xmlns:a14="http://schemas.microsoft.com/office/drawing/2010/main">
+                <a:solidFill>
+                  <a:schemeClr val="accent1"/>
+                </a:solidFill>
+              </a14:hiddenFill>
+            </a:ext>
+            <a:ext uri="{91240B29-F687-4F45-9708-019B960494DF}">
+              <a14:hiddenLine xmlns:a14="http://schemas.microsoft.com/office/drawing/2010/main" w="9525">
+                <a:solidFill>
+                  <a:schemeClr val="tx1"/>
+                </a:solidFill>
+                <a:miter lim="800000"/>
+                <a:headEnd/>
+                <a:tailEnd/>
+              </a14:hiddenLine>
+            </a:ext>
+          </a:extLst>
         </p:spPr>
       </p:pic>
       <p:pic>
         <p:nvPicPr>
-          <p:cNvPr id="9" name="Content Placeholder 8">
-            <a:extLst>
-              <a:ext uri="{FF2B5EF4-FFF2-40B4-BE49-F238E27FC236}">
-                <a16:creationId xmlns:a16="http://schemas.microsoft.com/office/drawing/2014/main" id="{C905B4AA-51FF-8A4F-8152-E40E28318055}"/>
-              </a:ext>
-            </a:extLst>
-          </p:cNvPr>
+          <p:cNvPr id="1027" name="Picture 3"/>
           <p:cNvPicPr>
-            <a:picLocks noGrp="1" noChangeAspect="1"/>
+            <a:picLocks noGrp="1" noChangeAspect="1" noChangeArrowheads="1"/>
           </p:cNvPicPr>
           <p:nvPr>
             <p:ph sz="half" idx="2"/>
@@ -6481,55 +8368,48 @@
               </a:ext>
             </a:extLst>
           </a:blip>
+          <a:srcRect/>
           <a:stretch>
             <a:fillRect/>
           </a:stretch>
         </p:blipFill>
-        <p:spPr>
+        <p:spPr bwMode="auto">
           <a:xfrm>
-            <a:off x="6172200" y="2469343"/>
-            <a:ext cx="5181600" cy="3063902"/>
-          </a:xfrm>
-        </p:spPr>
-      </p:pic>
-      <p:sp>
-        <p:nvSpPr>
-          <p:cNvPr id="10" name="Rectangle 9">
-            <a:extLst>
-              <a:ext uri="{FF2B5EF4-FFF2-40B4-BE49-F238E27FC236}">
-                <a16:creationId xmlns:a16="http://schemas.microsoft.com/office/drawing/2014/main" id="{1545FE0F-2B39-844F-B233-2F6B501DB01F}"/>
-              </a:ext>
-            </a:extLst>
-          </p:cNvPr>
-          <p:cNvSpPr/>
-          <p:nvPr/>
-        </p:nvSpPr>
-        <p:spPr>
-          <a:xfrm>
-            <a:off x="838200" y="1573597"/>
-            <a:ext cx="6096000" cy="369332"/>
+            <a:off x="6297930" y="2355374"/>
+            <a:ext cx="4930140" cy="3291840"/>
           </a:xfrm>
           <a:prstGeom prst="rect">
             <a:avLst/>
           </a:prstGeom>
+          <a:noFill/>
+          <a:ln>
+            <a:noFill/>
+          </a:ln>
+          <a:extLst>
+            <a:ext uri="{909E8E84-426E-40DD-AFC4-6F175D3DCCD1}">
+              <a14:hiddenFill xmlns:a14="http://schemas.microsoft.com/office/drawing/2010/main">
+                <a:solidFill>
+                  <a:schemeClr val="accent1"/>
+                </a:solidFill>
+              </a14:hiddenFill>
+            </a:ext>
+            <a:ext uri="{91240B29-F687-4F45-9708-019B960494DF}">
+              <a14:hiddenLine xmlns:a14="http://schemas.microsoft.com/office/drawing/2010/main" w="9525">
+                <a:solidFill>
+                  <a:schemeClr val="tx1"/>
+                </a:solidFill>
+                <a:miter lim="800000"/>
+                <a:headEnd/>
+                <a:tailEnd/>
+              </a14:hiddenLine>
+            </a:ext>
+          </a:extLst>
         </p:spPr>
-        <p:txBody>
-          <a:bodyPr>
-            <a:spAutoFit/>
-          </a:bodyPr>
-          <a:lstStyle/>
-          <a:p>
-            <a:r>
-              <a:rPr lang="en-US" dirty="0"/>
-              <a:t>*TPR for LR is the only one that is incorrect – reran to fix it</a:t>
-            </a:r>
-          </a:p>
-        </p:txBody>
-      </p:sp>
+      </p:pic>
     </p:spTree>
     <p:extLst>
       <p:ext uri="{BB962C8B-B14F-4D97-AF65-F5344CB8AC3E}">
-        <p14:creationId xmlns:p14="http://schemas.microsoft.com/office/powerpoint/2010/main" val="2982233844"/>
+        <p14:creationId xmlns:p14="http://schemas.microsoft.com/office/powerpoint/2010/main" val="3658199014"/>
       </p:ext>
     </p:extLst>
   </p:cSld>
@@ -6558,13 +8438,7 @@
       </p:grpSpPr>
       <p:sp>
         <p:nvSpPr>
-          <p:cNvPr id="2" name="Title 1">
-            <a:extLst>
-              <a:ext uri="{FF2B5EF4-FFF2-40B4-BE49-F238E27FC236}">
-                <a16:creationId xmlns:a16="http://schemas.microsoft.com/office/drawing/2014/main" id="{A063F629-197F-704E-A07F-2A5D08BC394B}"/>
-              </a:ext>
-            </a:extLst>
-          </p:cNvPr>
+          <p:cNvPr id="2" name="Title 1"/>
           <p:cNvSpPr>
             <a:spLocks noGrp="1"/>
           </p:cNvSpPr>
@@ -6579,27 +8453,16 @@
           <a:p>
             <a:r>
               <a:rPr lang="en-US" dirty="0"/>
-              <a:t>Case 2: 1000 sims, 1000 data points, 5 Ex </a:t>
-            </a:r>
-            <a:r>
-              <a:rPr lang="en-US" dirty="0" err="1"/>
-              <a:t>Vars</a:t>
-            </a:r>
-            <a:endParaRPr lang="en-US" dirty="0"/>
+              <a:t>Case 1 - 10 noise / 5 explanatory</a:t>
+            </a:r>
           </a:p>
         </p:txBody>
       </p:sp>
       <p:pic>
         <p:nvPicPr>
-          <p:cNvPr id="7" name="Content Placeholder 6">
-            <a:extLst>
-              <a:ext uri="{FF2B5EF4-FFF2-40B4-BE49-F238E27FC236}">
-                <a16:creationId xmlns:a16="http://schemas.microsoft.com/office/drawing/2014/main" id="{78D76495-20EF-C142-B7BA-8D8A19A65C78}"/>
-              </a:ext>
-            </a:extLst>
-          </p:cNvPr>
+          <p:cNvPr id="2050" name="Picture 2"/>
           <p:cNvPicPr>
-            <a:picLocks noGrp="1" noChangeAspect="1"/>
+            <a:picLocks noGrp="1" noChangeAspect="1" noChangeArrowheads="1"/>
           </p:cNvPicPr>
           <p:nvPr>
             <p:ph sz="half" idx="1"/>
@@ -6613,28 +8476,49 @@
               </a:ext>
             </a:extLst>
           </a:blip>
+          <a:srcRect/>
           <a:stretch>
             <a:fillRect/>
           </a:stretch>
         </p:blipFill>
-        <p:spPr>
+        <p:spPr bwMode="auto">
           <a:xfrm>
-            <a:off x="838200" y="2463359"/>
-            <a:ext cx="5181600" cy="3075869"/>
+            <a:off x="929640" y="2439194"/>
+            <a:ext cx="4998720" cy="3124200"/>
           </a:xfrm>
+          <a:prstGeom prst="rect">
+            <a:avLst/>
+          </a:prstGeom>
+          <a:noFill/>
+          <a:ln>
+            <a:noFill/>
+          </a:ln>
+          <a:extLst>
+            <a:ext uri="{909E8E84-426E-40DD-AFC4-6F175D3DCCD1}">
+              <a14:hiddenFill xmlns:a14="http://schemas.microsoft.com/office/drawing/2010/main">
+                <a:solidFill>
+                  <a:schemeClr val="accent1"/>
+                </a:solidFill>
+              </a14:hiddenFill>
+            </a:ext>
+            <a:ext uri="{91240B29-F687-4F45-9708-019B960494DF}">
+              <a14:hiddenLine xmlns:a14="http://schemas.microsoft.com/office/drawing/2010/main" w="9525">
+                <a:solidFill>
+                  <a:schemeClr val="tx1"/>
+                </a:solidFill>
+                <a:miter lim="800000"/>
+                <a:headEnd/>
+                <a:tailEnd/>
+              </a14:hiddenLine>
+            </a:ext>
+          </a:extLst>
         </p:spPr>
       </p:pic>
       <p:pic>
         <p:nvPicPr>
-          <p:cNvPr id="9" name="Content Placeholder 8">
-            <a:extLst>
-              <a:ext uri="{FF2B5EF4-FFF2-40B4-BE49-F238E27FC236}">
-                <a16:creationId xmlns:a16="http://schemas.microsoft.com/office/drawing/2014/main" id="{BD93F27F-531F-3543-B542-919EA87E9B5F}"/>
-              </a:ext>
-            </a:extLst>
-          </p:cNvPr>
+          <p:cNvPr id="2051" name="Picture 3"/>
           <p:cNvPicPr>
-            <a:picLocks noGrp="1" noChangeAspect="1"/>
+            <a:picLocks noGrp="1" noChangeAspect="1" noChangeArrowheads="1"/>
           </p:cNvPicPr>
           <p:nvPr>
             <p:ph sz="half" idx="2"/>
@@ -6648,21 +8532,48 @@
               </a:ext>
             </a:extLst>
           </a:blip>
+          <a:srcRect/>
           <a:stretch>
             <a:fillRect/>
           </a:stretch>
         </p:blipFill>
-        <p:spPr>
+        <p:spPr bwMode="auto">
           <a:xfrm>
-            <a:off x="6172200" y="2468655"/>
-            <a:ext cx="5181600" cy="3065277"/>
+            <a:off x="6263640" y="2458244"/>
+            <a:ext cx="4998720" cy="3086100"/>
           </a:xfrm>
+          <a:prstGeom prst="rect">
+            <a:avLst/>
+          </a:prstGeom>
+          <a:noFill/>
+          <a:ln>
+            <a:noFill/>
+          </a:ln>
+          <a:extLst>
+            <a:ext uri="{909E8E84-426E-40DD-AFC4-6F175D3DCCD1}">
+              <a14:hiddenFill xmlns:a14="http://schemas.microsoft.com/office/drawing/2010/main">
+                <a:solidFill>
+                  <a:schemeClr val="accent1"/>
+                </a:solidFill>
+              </a14:hiddenFill>
+            </a:ext>
+            <a:ext uri="{91240B29-F687-4F45-9708-019B960494DF}">
+              <a14:hiddenLine xmlns:a14="http://schemas.microsoft.com/office/drawing/2010/main" w="9525">
+                <a:solidFill>
+                  <a:schemeClr val="tx1"/>
+                </a:solidFill>
+                <a:miter lim="800000"/>
+                <a:headEnd/>
+                <a:tailEnd/>
+              </a14:hiddenLine>
+            </a:ext>
+          </a:extLst>
         </p:spPr>
       </p:pic>
     </p:spTree>
     <p:extLst>
       <p:ext uri="{BB962C8B-B14F-4D97-AF65-F5344CB8AC3E}">
-        <p14:creationId xmlns:p14="http://schemas.microsoft.com/office/powerpoint/2010/main" val="2451847598"/>
+        <p14:creationId xmlns:p14="http://schemas.microsoft.com/office/powerpoint/2010/main" val="978185655"/>
       </p:ext>
     </p:extLst>
   </p:cSld>

--- a/GUI/Version4/Results_KK2.pptx
+++ b/GUI/Version4/Results_KK2.pptx
@@ -4,6 +4,9 @@
   <p:sldMasterIdLst>
     <p:sldMasterId id="2147483648" r:id="rId1"/>
   </p:sldMasterIdLst>
+  <p:notesMasterIdLst>
+    <p:notesMasterId r:id="rId41"/>
+  </p:notesMasterIdLst>
   <p:sldIdLst>
     <p:sldId id="256" r:id="rId2"/>
     <p:sldId id="293" r:id="rId3"/>
@@ -159,6 +162,819 @@
     </p:ext>
   </p:extLst>
 </p:presentation>
+</file>
+
+<file path=ppt/notesMasters/notesMaster1.xml><?xml version="1.0" encoding="utf-8"?>
+<p:notesMaster xmlns:a="http://schemas.openxmlformats.org/drawingml/2006/main" xmlns:r="http://schemas.openxmlformats.org/officeDocument/2006/relationships" xmlns:p="http://schemas.openxmlformats.org/presentationml/2006/main">
+  <p:cSld>
+    <p:bg>
+      <p:bgRef idx="1001">
+        <a:schemeClr val="bg1"/>
+      </p:bgRef>
+    </p:bg>
+    <p:spTree>
+      <p:nvGrpSpPr>
+        <p:cNvPr id="1" name=""/>
+        <p:cNvGrpSpPr/>
+        <p:nvPr/>
+      </p:nvGrpSpPr>
+      <p:grpSpPr>
+        <a:xfrm>
+          <a:off x="0" y="0"/>
+          <a:ext cx="0" cy="0"/>
+          <a:chOff x="0" y="0"/>
+          <a:chExt cx="0" cy="0"/>
+        </a:xfrm>
+      </p:grpSpPr>
+      <p:sp>
+        <p:nvSpPr>
+          <p:cNvPr id="2" name="Header Placeholder 1"/>
+          <p:cNvSpPr>
+            <a:spLocks noGrp="1"/>
+          </p:cNvSpPr>
+          <p:nvPr>
+            <p:ph type="hdr" sz="quarter"/>
+          </p:nvPr>
+        </p:nvSpPr>
+        <p:spPr>
+          <a:xfrm>
+            <a:off x="0" y="0"/>
+            <a:ext cx="2971800" cy="458788"/>
+          </a:xfrm>
+          <a:prstGeom prst="rect">
+            <a:avLst/>
+          </a:prstGeom>
+        </p:spPr>
+        <p:txBody>
+          <a:bodyPr vert="horz" lIns="91440" tIns="45720" rIns="91440" bIns="45720" rtlCol="0"/>
+          <a:lstStyle>
+            <a:lvl1pPr algn="l">
+              <a:defRPr sz="1200"/>
+            </a:lvl1pPr>
+          </a:lstStyle>
+          <a:p>
+            <a:endParaRPr lang="en-US"/>
+          </a:p>
+        </p:txBody>
+      </p:sp>
+      <p:sp>
+        <p:nvSpPr>
+          <p:cNvPr id="3" name="Date Placeholder 2"/>
+          <p:cNvSpPr>
+            <a:spLocks noGrp="1"/>
+          </p:cNvSpPr>
+          <p:nvPr>
+            <p:ph type="dt" idx="1"/>
+          </p:nvPr>
+        </p:nvSpPr>
+        <p:spPr>
+          <a:xfrm>
+            <a:off x="3884613" y="0"/>
+            <a:ext cx="2971800" cy="458788"/>
+          </a:xfrm>
+          <a:prstGeom prst="rect">
+            <a:avLst/>
+          </a:prstGeom>
+        </p:spPr>
+        <p:txBody>
+          <a:bodyPr vert="horz" lIns="91440" tIns="45720" rIns="91440" bIns="45720" rtlCol="0"/>
+          <a:lstStyle>
+            <a:lvl1pPr algn="r">
+              <a:defRPr sz="1200"/>
+            </a:lvl1pPr>
+          </a:lstStyle>
+          <a:p>
+            <a:fld id="{6A33859A-E59D-EC4D-BDCC-BFBDD27378AF}" type="datetimeFigureOut">
+              <a:rPr lang="en-US" smtClean="0"/>
+              <a:t>6/26/18</a:t>
+            </a:fld>
+            <a:endParaRPr lang="en-US"/>
+          </a:p>
+        </p:txBody>
+      </p:sp>
+      <p:sp>
+        <p:nvSpPr>
+          <p:cNvPr id="4" name="Slide Image Placeholder 3"/>
+          <p:cNvSpPr>
+            <a:spLocks noGrp="1" noRot="1" noChangeAspect="1"/>
+          </p:cNvSpPr>
+          <p:nvPr>
+            <p:ph type="sldImg" idx="2"/>
+          </p:nvPr>
+        </p:nvSpPr>
+        <p:spPr>
+          <a:xfrm>
+            <a:off x="685800" y="1143000"/>
+            <a:ext cx="5486400" cy="3086100"/>
+          </a:xfrm>
+          <a:prstGeom prst="rect">
+            <a:avLst/>
+          </a:prstGeom>
+          <a:noFill/>
+          <a:ln w="12700">
+            <a:solidFill>
+              <a:prstClr val="black"/>
+            </a:solidFill>
+          </a:ln>
+        </p:spPr>
+        <p:txBody>
+          <a:bodyPr vert="horz" lIns="91440" tIns="45720" rIns="91440" bIns="45720" rtlCol="0" anchor="ctr"/>
+          <a:lstStyle/>
+          <a:p>
+            <a:endParaRPr lang="en-US"/>
+          </a:p>
+        </p:txBody>
+      </p:sp>
+      <p:sp>
+        <p:nvSpPr>
+          <p:cNvPr id="5" name="Notes Placeholder 4"/>
+          <p:cNvSpPr>
+            <a:spLocks noGrp="1"/>
+          </p:cNvSpPr>
+          <p:nvPr>
+            <p:ph type="body" sz="quarter" idx="3"/>
+          </p:nvPr>
+        </p:nvSpPr>
+        <p:spPr>
+          <a:xfrm>
+            <a:off x="685800" y="4400550"/>
+            <a:ext cx="5486400" cy="3600450"/>
+          </a:xfrm>
+          <a:prstGeom prst="rect">
+            <a:avLst/>
+          </a:prstGeom>
+        </p:spPr>
+        <p:txBody>
+          <a:bodyPr vert="horz" lIns="91440" tIns="45720" rIns="91440" bIns="45720" rtlCol="0"/>
+          <a:lstStyle/>
+          <a:p>
+            <a:pPr lvl="0"/>
+            <a:r>
+              <a:rPr lang="en-US"/>
+              <a:t>Edit Master text styles</a:t>
+            </a:r>
+          </a:p>
+          <a:p>
+            <a:pPr lvl="1"/>
+            <a:r>
+              <a:rPr lang="en-US"/>
+              <a:t>Second level</a:t>
+            </a:r>
+          </a:p>
+          <a:p>
+            <a:pPr lvl="2"/>
+            <a:r>
+              <a:rPr lang="en-US"/>
+              <a:t>Third level</a:t>
+            </a:r>
+          </a:p>
+          <a:p>
+            <a:pPr lvl="3"/>
+            <a:r>
+              <a:rPr lang="en-US"/>
+              <a:t>Fourth level</a:t>
+            </a:r>
+          </a:p>
+          <a:p>
+            <a:pPr lvl="4"/>
+            <a:r>
+              <a:rPr lang="en-US"/>
+              <a:t>Fifth level</a:t>
+            </a:r>
+          </a:p>
+        </p:txBody>
+      </p:sp>
+      <p:sp>
+        <p:nvSpPr>
+          <p:cNvPr id="6" name="Footer Placeholder 5"/>
+          <p:cNvSpPr>
+            <a:spLocks noGrp="1"/>
+          </p:cNvSpPr>
+          <p:nvPr>
+            <p:ph type="ftr" sz="quarter" idx="4"/>
+          </p:nvPr>
+        </p:nvSpPr>
+        <p:spPr>
+          <a:xfrm>
+            <a:off x="0" y="8685213"/>
+            <a:ext cx="2971800" cy="458787"/>
+          </a:xfrm>
+          <a:prstGeom prst="rect">
+            <a:avLst/>
+          </a:prstGeom>
+        </p:spPr>
+        <p:txBody>
+          <a:bodyPr vert="horz" lIns="91440" tIns="45720" rIns="91440" bIns="45720" rtlCol="0" anchor="b"/>
+          <a:lstStyle>
+            <a:lvl1pPr algn="l">
+              <a:defRPr sz="1200"/>
+            </a:lvl1pPr>
+          </a:lstStyle>
+          <a:p>
+            <a:endParaRPr lang="en-US"/>
+          </a:p>
+        </p:txBody>
+      </p:sp>
+      <p:sp>
+        <p:nvSpPr>
+          <p:cNvPr id="7" name="Slide Number Placeholder 6"/>
+          <p:cNvSpPr>
+            <a:spLocks noGrp="1"/>
+          </p:cNvSpPr>
+          <p:nvPr>
+            <p:ph type="sldNum" sz="quarter" idx="5"/>
+          </p:nvPr>
+        </p:nvSpPr>
+        <p:spPr>
+          <a:xfrm>
+            <a:off x="3884613" y="8685213"/>
+            <a:ext cx="2971800" cy="458787"/>
+          </a:xfrm>
+          <a:prstGeom prst="rect">
+            <a:avLst/>
+          </a:prstGeom>
+        </p:spPr>
+        <p:txBody>
+          <a:bodyPr vert="horz" lIns="91440" tIns="45720" rIns="91440" bIns="45720" rtlCol="0" anchor="b"/>
+          <a:lstStyle>
+            <a:lvl1pPr algn="r">
+              <a:defRPr sz="1200"/>
+            </a:lvl1pPr>
+          </a:lstStyle>
+          <a:p>
+            <a:fld id="{A9F1E848-75FF-CA48-8B27-2344374D93BB}" type="slidenum">
+              <a:rPr lang="en-US" smtClean="0"/>
+              <a:t>‹#›</a:t>
+            </a:fld>
+            <a:endParaRPr lang="en-US"/>
+          </a:p>
+        </p:txBody>
+      </p:sp>
+    </p:spTree>
+    <p:extLst>
+      <p:ext uri="{BB962C8B-B14F-4D97-AF65-F5344CB8AC3E}">
+        <p14:creationId xmlns:p14="http://schemas.microsoft.com/office/powerpoint/2010/main" val="2305714573"/>
+      </p:ext>
+    </p:extLst>
+  </p:cSld>
+  <p:clrMap bg1="lt1" tx1="dk1" bg2="lt2" tx2="dk2" accent1="accent1" accent2="accent2" accent3="accent3" accent4="accent4" accent5="accent5" accent6="accent6" hlink="hlink" folHlink="folHlink"/>
+  <p:notesStyle>
+    <a:lvl1pPr marL="0" algn="l" defTabSz="914400" rtl="0" eaLnBrk="1" latinLnBrk="0" hangingPunct="1">
+      <a:defRPr sz="1200" kern="1200">
+        <a:solidFill>
+          <a:schemeClr val="tx1"/>
+        </a:solidFill>
+        <a:latin typeface="+mn-lt"/>
+        <a:ea typeface="+mn-ea"/>
+        <a:cs typeface="+mn-cs"/>
+      </a:defRPr>
+    </a:lvl1pPr>
+    <a:lvl2pPr marL="457200" algn="l" defTabSz="914400" rtl="0" eaLnBrk="1" latinLnBrk="0" hangingPunct="1">
+      <a:defRPr sz="1200" kern="1200">
+        <a:solidFill>
+          <a:schemeClr val="tx1"/>
+        </a:solidFill>
+        <a:latin typeface="+mn-lt"/>
+        <a:ea typeface="+mn-ea"/>
+        <a:cs typeface="+mn-cs"/>
+      </a:defRPr>
+    </a:lvl2pPr>
+    <a:lvl3pPr marL="914400" algn="l" defTabSz="914400" rtl="0" eaLnBrk="1" latinLnBrk="0" hangingPunct="1">
+      <a:defRPr sz="1200" kern="1200">
+        <a:solidFill>
+          <a:schemeClr val="tx1"/>
+        </a:solidFill>
+        <a:latin typeface="+mn-lt"/>
+        <a:ea typeface="+mn-ea"/>
+        <a:cs typeface="+mn-cs"/>
+      </a:defRPr>
+    </a:lvl3pPr>
+    <a:lvl4pPr marL="1371600" algn="l" defTabSz="914400" rtl="0" eaLnBrk="1" latinLnBrk="0" hangingPunct="1">
+      <a:defRPr sz="1200" kern="1200">
+        <a:solidFill>
+          <a:schemeClr val="tx1"/>
+        </a:solidFill>
+        <a:latin typeface="+mn-lt"/>
+        <a:ea typeface="+mn-ea"/>
+        <a:cs typeface="+mn-cs"/>
+      </a:defRPr>
+    </a:lvl4pPr>
+    <a:lvl5pPr marL="1828800" algn="l" defTabSz="914400" rtl="0" eaLnBrk="1" latinLnBrk="0" hangingPunct="1">
+      <a:defRPr sz="1200" kern="1200">
+        <a:solidFill>
+          <a:schemeClr val="tx1"/>
+        </a:solidFill>
+        <a:latin typeface="+mn-lt"/>
+        <a:ea typeface="+mn-ea"/>
+        <a:cs typeface="+mn-cs"/>
+      </a:defRPr>
+    </a:lvl5pPr>
+    <a:lvl6pPr marL="2286000" algn="l" defTabSz="914400" rtl="0" eaLnBrk="1" latinLnBrk="0" hangingPunct="1">
+      <a:defRPr sz="1200" kern="1200">
+        <a:solidFill>
+          <a:schemeClr val="tx1"/>
+        </a:solidFill>
+        <a:latin typeface="+mn-lt"/>
+        <a:ea typeface="+mn-ea"/>
+        <a:cs typeface="+mn-cs"/>
+      </a:defRPr>
+    </a:lvl6pPr>
+    <a:lvl7pPr marL="2743200" algn="l" defTabSz="914400" rtl="0" eaLnBrk="1" latinLnBrk="0" hangingPunct="1">
+      <a:defRPr sz="1200" kern="1200">
+        <a:solidFill>
+          <a:schemeClr val="tx1"/>
+        </a:solidFill>
+        <a:latin typeface="+mn-lt"/>
+        <a:ea typeface="+mn-ea"/>
+        <a:cs typeface="+mn-cs"/>
+      </a:defRPr>
+    </a:lvl7pPr>
+    <a:lvl8pPr marL="3200400" algn="l" defTabSz="914400" rtl="0" eaLnBrk="1" latinLnBrk="0" hangingPunct="1">
+      <a:defRPr sz="1200" kern="1200">
+        <a:solidFill>
+          <a:schemeClr val="tx1"/>
+        </a:solidFill>
+        <a:latin typeface="+mn-lt"/>
+        <a:ea typeface="+mn-ea"/>
+        <a:cs typeface="+mn-cs"/>
+      </a:defRPr>
+    </a:lvl8pPr>
+    <a:lvl9pPr marL="3657600" algn="l" defTabSz="914400" rtl="0" eaLnBrk="1" latinLnBrk="0" hangingPunct="1">
+      <a:defRPr sz="1200" kern="1200">
+        <a:solidFill>
+          <a:schemeClr val="tx1"/>
+        </a:solidFill>
+        <a:latin typeface="+mn-lt"/>
+        <a:ea typeface="+mn-ea"/>
+        <a:cs typeface="+mn-cs"/>
+      </a:defRPr>
+    </a:lvl9pPr>
+  </p:notesStyle>
+</p:notesMaster>
+</file>
+
+<file path=ppt/notesSlides/notesSlide1.xml><?xml version="1.0" encoding="utf-8"?>
+<p:notes xmlns:a="http://schemas.openxmlformats.org/drawingml/2006/main" xmlns:r="http://schemas.openxmlformats.org/officeDocument/2006/relationships" xmlns:p="http://schemas.openxmlformats.org/presentationml/2006/main">
+  <p:cSld>
+    <p:spTree>
+      <p:nvGrpSpPr>
+        <p:cNvPr id="1" name=""/>
+        <p:cNvGrpSpPr/>
+        <p:nvPr/>
+      </p:nvGrpSpPr>
+      <p:grpSpPr>
+        <a:xfrm>
+          <a:off x="0" y="0"/>
+          <a:ext cx="0" cy="0"/>
+          <a:chOff x="0" y="0"/>
+          <a:chExt cx="0" cy="0"/>
+        </a:xfrm>
+      </p:grpSpPr>
+      <p:sp>
+        <p:nvSpPr>
+          <p:cNvPr id="2" name="Slide Image Placeholder 1"/>
+          <p:cNvSpPr>
+            <a:spLocks noGrp="1" noRot="1" noChangeAspect="1"/>
+          </p:cNvSpPr>
+          <p:nvPr>
+            <p:ph type="sldImg"/>
+          </p:nvPr>
+        </p:nvSpPr>
+        <p:spPr/>
+      </p:sp>
+      <p:sp>
+        <p:nvSpPr>
+          <p:cNvPr id="3" name="Notes Placeholder 2"/>
+          <p:cNvSpPr>
+            <a:spLocks noGrp="1"/>
+          </p:cNvSpPr>
+          <p:nvPr>
+            <p:ph type="body" idx="1"/>
+          </p:nvPr>
+        </p:nvSpPr>
+        <p:spPr/>
+        <p:txBody>
+          <a:bodyPr/>
+          <a:lstStyle/>
+          <a:p>
+            <a:r>
+              <a:rPr lang="en-US" sz="1200" dirty="0"/>
+              <a:t>Q: How many data points (at 10 explanatory variables) does it take to see no difference in accuracy?</a:t>
+            </a:r>
+          </a:p>
+          <a:p>
+            <a:r>
+              <a:rPr lang="en-US" sz="1200" dirty="0"/>
+              <a:t>X: number of observations</a:t>
+            </a:r>
+          </a:p>
+          <a:p>
+            <a:r>
+              <a:rPr lang="en-US" sz="1200" dirty="0"/>
+              <a:t>Y: Accuracy</a:t>
+            </a:r>
+          </a:p>
+          <a:p>
+            <a:r>
+              <a:rPr lang="en-US" sz="1200" dirty="0"/>
+              <a:t>Lines: number of noise variables for a fixed number of explanatory variables</a:t>
+            </a:r>
+          </a:p>
+          <a:p>
+            <a:r>
+              <a:rPr lang="en-US" sz="1200" dirty="0"/>
+              <a:t>Convergence = doesn’t make a difference in how many noise variables anymore because it has enough power</a:t>
+            </a:r>
+          </a:p>
+          <a:p>
+            <a:r>
+              <a:rPr lang="en-US" sz="1200" dirty="0"/>
+              <a:t>10, 100, 500, 1000</a:t>
+            </a:r>
+          </a:p>
+          <a:p>
+            <a:endParaRPr lang="en-US" dirty="0"/>
+          </a:p>
+          <a:p>
+            <a:r>
+              <a:rPr lang="en-US" dirty="0"/>
+              <a:t>###################</a:t>
+            </a:r>
+          </a:p>
+          <a:p>
+            <a:endParaRPr lang="en-US" dirty="0"/>
+          </a:p>
+          <a:p>
+            <a:r>
+              <a:rPr lang="en-US" dirty="0"/>
+              <a:t>Look into f score, precision, recall numbers in both </a:t>
+            </a:r>
+            <a:r>
+              <a:rPr lang="en-US" dirty="0" err="1"/>
+              <a:t>algs</a:t>
+            </a:r>
+            <a:r>
+              <a:rPr lang="en-US" dirty="0"/>
+              <a:t> and their index</a:t>
+            </a:r>
+          </a:p>
+          <a:p>
+            <a:r>
+              <a:rPr lang="en-US" dirty="0"/>
+              <a:t>What index of precision and recall are used to calculate f?</a:t>
+            </a:r>
+          </a:p>
+          <a:p>
+            <a:r>
+              <a:rPr lang="en-US" dirty="0"/>
+              <a:t>Is alpha 0.5?</a:t>
+            </a:r>
+          </a:p>
+          <a:p>
+            <a:r>
+              <a:rPr lang="en-US" dirty="0"/>
+              <a:t>Validate table by hand</a:t>
+            </a:r>
+          </a:p>
+          <a:p>
+            <a:r>
+              <a:rPr lang="en-US" dirty="0"/>
+              <a:t>Are comparing them fairly – if </a:t>
+            </a:r>
+            <a:r>
+              <a:rPr lang="en-US" dirty="0" err="1"/>
+              <a:t>lr</a:t>
+            </a:r>
+            <a:r>
+              <a:rPr lang="en-US" dirty="0"/>
+              <a:t> is at 0.5, what is </a:t>
+            </a:r>
+            <a:r>
+              <a:rPr lang="en-US" dirty="0" err="1"/>
+              <a:t>rf</a:t>
+            </a:r>
+            <a:r>
+              <a:rPr lang="en-US" dirty="0"/>
+              <a:t> at?</a:t>
+            </a:r>
+          </a:p>
+          <a:p>
+            <a:endParaRPr lang="en-US" dirty="0"/>
+          </a:p>
+          <a:p>
+            <a:r>
+              <a:rPr lang="en-US" dirty="0"/>
+              <a:t>####################</a:t>
+            </a:r>
+          </a:p>
+          <a:p>
+            <a:endParaRPr lang="en-US" dirty="0"/>
+          </a:p>
+          <a:p>
+            <a:r>
+              <a:rPr lang="en-US" dirty="0"/>
+              <a:t>Fix the axis on boxplots</a:t>
+            </a:r>
+          </a:p>
+          <a:p>
+            <a:endParaRPr lang="en-US" dirty="0"/>
+          </a:p>
+          <a:p>
+            <a:r>
+              <a:rPr lang="en-US" dirty="0"/>
+              <a:t>####################</a:t>
+            </a:r>
+          </a:p>
+          <a:p>
+            <a:endParaRPr lang="en-US"/>
+          </a:p>
+          <a:p>
+            <a:r>
+              <a:rPr lang="en-US"/>
+              <a:t>Case </a:t>
+            </a:r>
+            <a:r>
+              <a:rPr lang="en-US" dirty="0"/>
+              <a:t>2: 1000 sims, 1000 data points, 5 Ex </a:t>
+            </a:r>
+            <a:r>
+              <a:rPr lang="en-US" dirty="0" err="1"/>
+              <a:t>Vars</a:t>
+            </a:r>
+            <a:br>
+              <a:rPr lang="en-US" dirty="0"/>
+            </a:br>
+            <a:r>
+              <a:rPr lang="en-US" dirty="0"/>
+              <a:t>Small/ Med/ Large coefficients</a:t>
+            </a:r>
+          </a:p>
+          <a:p>
+            <a:r>
+              <a:rPr lang="en-US" dirty="0"/>
+              <a:t>Somewhere between 20 and 50 it makes a difference – flat in beginning – add 100 in here</a:t>
+            </a:r>
+          </a:p>
+          <a:p>
+            <a:endParaRPr lang="en-US" dirty="0"/>
+          </a:p>
+        </p:txBody>
+      </p:sp>
+      <p:sp>
+        <p:nvSpPr>
+          <p:cNvPr id="4" name="Slide Number Placeholder 3"/>
+          <p:cNvSpPr>
+            <a:spLocks noGrp="1"/>
+          </p:cNvSpPr>
+          <p:nvPr>
+            <p:ph type="sldNum" sz="quarter" idx="10"/>
+          </p:nvPr>
+        </p:nvSpPr>
+        <p:spPr/>
+        <p:txBody>
+          <a:bodyPr/>
+          <a:lstStyle/>
+          <a:p>
+            <a:fld id="{A9F1E848-75FF-CA48-8B27-2344374D93BB}" type="slidenum">
+              <a:rPr lang="en-US" smtClean="0"/>
+              <a:t>1</a:t>
+            </a:fld>
+            <a:endParaRPr lang="en-US"/>
+          </a:p>
+        </p:txBody>
+      </p:sp>
+    </p:spTree>
+    <p:extLst>
+      <p:ext uri="{BB962C8B-B14F-4D97-AF65-F5344CB8AC3E}">
+        <p14:creationId xmlns:p14="http://schemas.microsoft.com/office/powerpoint/2010/main" val="3362676290"/>
+      </p:ext>
+    </p:extLst>
+  </p:cSld>
+  <p:clrMapOvr>
+    <a:masterClrMapping/>
+  </p:clrMapOvr>
+</p:notes>
+</file>
+
+<file path=ppt/notesSlides/notesSlide2.xml><?xml version="1.0" encoding="utf-8"?>
+<p:notes xmlns:a="http://schemas.openxmlformats.org/drawingml/2006/main" xmlns:r="http://schemas.openxmlformats.org/officeDocument/2006/relationships" xmlns:p="http://schemas.openxmlformats.org/presentationml/2006/main">
+  <p:cSld>
+    <p:spTree>
+      <p:nvGrpSpPr>
+        <p:cNvPr id="1" name=""/>
+        <p:cNvGrpSpPr/>
+        <p:nvPr/>
+      </p:nvGrpSpPr>
+      <p:grpSpPr>
+        <a:xfrm>
+          <a:off x="0" y="0"/>
+          <a:ext cx="0" cy="0"/>
+          <a:chOff x="0" y="0"/>
+          <a:chExt cx="0" cy="0"/>
+        </a:xfrm>
+      </p:grpSpPr>
+      <p:sp>
+        <p:nvSpPr>
+          <p:cNvPr id="2" name="Slide Image Placeholder 1"/>
+          <p:cNvSpPr>
+            <a:spLocks noGrp="1" noRot="1" noChangeAspect="1"/>
+          </p:cNvSpPr>
+          <p:nvPr>
+            <p:ph type="sldImg"/>
+          </p:nvPr>
+        </p:nvSpPr>
+        <p:spPr/>
+      </p:sp>
+      <p:sp>
+        <p:nvSpPr>
+          <p:cNvPr id="3" name="Notes Placeholder 2"/>
+          <p:cNvSpPr>
+            <a:spLocks noGrp="1"/>
+          </p:cNvSpPr>
+          <p:nvPr>
+            <p:ph type="body" idx="1"/>
+          </p:nvPr>
+        </p:nvSpPr>
+        <p:spPr/>
+        <p:txBody>
+          <a:bodyPr/>
+          <a:lstStyle/>
+          <a:p>
+            <a:r>
+              <a:rPr lang="en-US" sz="1800" dirty="0"/>
+              <a:t>Q: How many data points (at 10 explanatory variables) does it take to see no difference in accuracy?</a:t>
+            </a:r>
+          </a:p>
+          <a:p>
+            <a:r>
+              <a:rPr lang="en-US" sz="1800" dirty="0"/>
+              <a:t>X: number of observations</a:t>
+            </a:r>
+          </a:p>
+          <a:p>
+            <a:r>
+              <a:rPr lang="en-US" sz="1800" dirty="0"/>
+              <a:t>Y: Accuracy</a:t>
+            </a:r>
+          </a:p>
+          <a:p>
+            <a:r>
+              <a:rPr lang="en-US" sz="1800" dirty="0"/>
+              <a:t>Lines: number of noise variables for a fixed number of explanatory variables</a:t>
+            </a:r>
+          </a:p>
+          <a:p>
+            <a:r>
+              <a:rPr lang="en-US" sz="1800" dirty="0"/>
+              <a:t>Convergence = doesn’t make a difference in how many noise variables anymore because it has enough power</a:t>
+            </a:r>
+          </a:p>
+          <a:p>
+            <a:r>
+              <a:rPr lang="en-US" sz="1800" dirty="0"/>
+              <a:t>10, 100, 500, 1000</a:t>
+            </a:r>
+          </a:p>
+        </p:txBody>
+      </p:sp>
+      <p:sp>
+        <p:nvSpPr>
+          <p:cNvPr id="4" name="Slide Number Placeholder 3"/>
+          <p:cNvSpPr>
+            <a:spLocks noGrp="1"/>
+          </p:cNvSpPr>
+          <p:nvPr>
+            <p:ph type="sldNum" sz="quarter" idx="10"/>
+          </p:nvPr>
+        </p:nvSpPr>
+        <p:spPr/>
+        <p:txBody>
+          <a:bodyPr/>
+          <a:lstStyle/>
+          <a:p>
+            <a:fld id="{A9F1E848-75FF-CA48-8B27-2344374D93BB}" type="slidenum">
+              <a:rPr lang="en-US" smtClean="0"/>
+              <a:t>2</a:t>
+            </a:fld>
+            <a:endParaRPr lang="en-US"/>
+          </a:p>
+        </p:txBody>
+      </p:sp>
+    </p:spTree>
+    <p:extLst>
+      <p:ext uri="{BB962C8B-B14F-4D97-AF65-F5344CB8AC3E}">
+        <p14:creationId xmlns:p14="http://schemas.microsoft.com/office/powerpoint/2010/main" val="1242527499"/>
+      </p:ext>
+    </p:extLst>
+  </p:cSld>
+  <p:clrMapOvr>
+    <a:masterClrMapping/>
+  </p:clrMapOvr>
+</p:notes>
+</file>
+
+<file path=ppt/notesSlides/notesSlide3.xml><?xml version="1.0" encoding="utf-8"?>
+<p:notes xmlns:a="http://schemas.openxmlformats.org/drawingml/2006/main" xmlns:r="http://schemas.openxmlformats.org/officeDocument/2006/relationships" xmlns:p="http://schemas.openxmlformats.org/presentationml/2006/main">
+  <p:cSld>
+    <p:spTree>
+      <p:nvGrpSpPr>
+        <p:cNvPr id="1" name=""/>
+        <p:cNvGrpSpPr/>
+        <p:nvPr/>
+      </p:nvGrpSpPr>
+      <p:grpSpPr>
+        <a:xfrm>
+          <a:off x="0" y="0"/>
+          <a:ext cx="0" cy="0"/>
+          <a:chOff x="0" y="0"/>
+          <a:chExt cx="0" cy="0"/>
+        </a:xfrm>
+      </p:grpSpPr>
+      <p:sp>
+        <p:nvSpPr>
+          <p:cNvPr id="2" name="Slide Image Placeholder 1"/>
+          <p:cNvSpPr>
+            <a:spLocks noGrp="1" noRot="1" noChangeAspect="1"/>
+          </p:cNvSpPr>
+          <p:nvPr>
+            <p:ph type="sldImg"/>
+          </p:nvPr>
+        </p:nvSpPr>
+        <p:spPr/>
+      </p:sp>
+      <p:sp>
+        <p:nvSpPr>
+          <p:cNvPr id="3" name="Notes Placeholder 2"/>
+          <p:cNvSpPr>
+            <a:spLocks noGrp="1"/>
+          </p:cNvSpPr>
+          <p:nvPr>
+            <p:ph type="body" idx="1"/>
+          </p:nvPr>
+        </p:nvSpPr>
+        <p:spPr/>
+        <p:txBody>
+          <a:bodyPr/>
+          <a:lstStyle/>
+          <a:p>
+            <a:r>
+              <a:rPr lang="en-US" dirty="0"/>
+              <a:t>Case 2: 1000 sims, 1000 data points, 5 Ex </a:t>
+            </a:r>
+            <a:r>
+              <a:rPr lang="en-US" dirty="0" err="1"/>
+              <a:t>Vars</a:t>
+            </a:r>
+            <a:br>
+              <a:rPr lang="en-US" dirty="0"/>
+            </a:br>
+            <a:r>
+              <a:rPr lang="en-US" dirty="0"/>
+              <a:t>Small/ Med/ Large coefficients</a:t>
+            </a:r>
+          </a:p>
+          <a:p>
+            <a:r>
+              <a:rPr lang="en-US" dirty="0"/>
+              <a:t>Somewhere between 20 and 50 it makes a difference – flat in beginning – add 100 in here</a:t>
+            </a:r>
+          </a:p>
+        </p:txBody>
+      </p:sp>
+      <p:sp>
+        <p:nvSpPr>
+          <p:cNvPr id="4" name="Slide Number Placeholder 3"/>
+          <p:cNvSpPr>
+            <a:spLocks noGrp="1"/>
+          </p:cNvSpPr>
+          <p:nvPr>
+            <p:ph type="sldNum" sz="quarter" idx="10"/>
+          </p:nvPr>
+        </p:nvSpPr>
+        <p:spPr/>
+        <p:txBody>
+          <a:bodyPr/>
+          <a:lstStyle/>
+          <a:p>
+            <a:fld id="{A9F1E848-75FF-CA48-8B27-2344374D93BB}" type="slidenum">
+              <a:rPr lang="en-US" smtClean="0"/>
+              <a:t>38</a:t>
+            </a:fld>
+            <a:endParaRPr lang="en-US"/>
+          </a:p>
+        </p:txBody>
+      </p:sp>
+    </p:spTree>
+    <p:extLst>
+      <p:ext uri="{BB962C8B-B14F-4D97-AF65-F5344CB8AC3E}">
+        <p14:creationId xmlns:p14="http://schemas.microsoft.com/office/powerpoint/2010/main" val="2818456467"/>
+      </p:ext>
+    </p:extLst>
+  </p:cSld>
+  <p:clrMapOvr>
+    <a:masterClrMapping/>
+  </p:clrMapOvr>
+</p:notes>
 </file>
 
 <file path=ppt/slideLayouts/slideLayout1.xml><?xml version="1.0" encoding="utf-8"?>
@@ -4884,7 +5700,7 @@
           </p:nvPr>
         </p:nvPicPr>
         <p:blipFill>
-          <a:blip r:embed="rId2">
+          <a:blip r:embed="rId3">
             <a:extLst>
               <a:ext uri="{28A0092B-C50C-407E-A947-70E740481C1C}">
                 <a14:useLocalDpi xmlns:a14="http://schemas.microsoft.com/office/drawing/2010/main" val="0"/>
@@ -4897,8 +5713,8 @@
         </p:blipFill>
         <p:spPr>
           <a:xfrm>
-            <a:off x="838200" y="1880494"/>
-            <a:ext cx="5181600" cy="4241600"/>
+            <a:off x="135375" y="175094"/>
+            <a:ext cx="6084331" cy="4980566"/>
           </a:xfrm>
         </p:spPr>
       </p:pic>
@@ -4919,7 +5735,7 @@
           </p:nvPr>
         </p:nvPicPr>
         <p:blipFill>
-          <a:blip r:embed="rId3">
+          <a:blip r:embed="rId4">
             <a:extLst>
               <a:ext uri="{28A0092B-C50C-407E-A947-70E740481C1C}">
                 <a14:useLocalDpi xmlns:a14="http://schemas.microsoft.com/office/drawing/2010/main" val="0"/>
@@ -4932,8 +5748,8 @@
         </p:blipFill>
         <p:spPr>
           <a:xfrm>
-            <a:off x="6172200" y="1873865"/>
-            <a:ext cx="5181600" cy="4254857"/>
+            <a:off x="6126626" y="175094"/>
+            <a:ext cx="6065374" cy="4980566"/>
           </a:xfrm>
         </p:spPr>
       </p:pic>
@@ -5952,7 +6768,43 @@
           <a:bodyPr/>
           <a:lstStyle/>
           <a:p>
-            <a:endParaRPr lang="en-US"/>
+            <a:r>
+              <a:rPr lang="en-US" dirty="0"/>
+              <a:t>Overnight: was on 10 noise </a:t>
+            </a:r>
+            <a:r>
+              <a:rPr lang="en-US" dirty="0" err="1"/>
+              <a:t>vars</a:t>
+            </a:r>
+            <a:endParaRPr lang="en-US" dirty="0"/>
+          </a:p>
+          <a:p>
+            <a:r>
+              <a:rPr lang="en-US" dirty="0"/>
+              <a:t>24 hours: got to 20 noise </a:t>
+            </a:r>
+            <a:r>
+              <a:rPr lang="en-US" dirty="0" err="1"/>
+              <a:t>vars</a:t>
+            </a:r>
+            <a:endParaRPr lang="en-US" dirty="0"/>
+          </a:p>
+          <a:p>
+            <a:r>
+              <a:rPr lang="en-US" dirty="0"/>
+              <a:t>24hrs + overnight: got to 50 noise </a:t>
+            </a:r>
+            <a:r>
+              <a:rPr lang="en-US" dirty="0" err="1"/>
+              <a:t>vars</a:t>
+            </a:r>
+            <a:endParaRPr lang="en-US" dirty="0"/>
+          </a:p>
+          <a:p>
+            <a:r>
+              <a:rPr lang="en-US" dirty="0"/>
+              <a:t>48 hours still running</a:t>
+            </a:r>
           </a:p>
         </p:txBody>
       </p:sp>
@@ -6178,7 +7030,7 @@
           <a:bodyPr/>
           <a:lstStyle/>
           <a:p>
-            <a:endParaRPr lang="en-US"/>
+            <a:endParaRPr lang="en-US" dirty="0"/>
           </a:p>
         </p:txBody>
       </p:sp>
@@ -6295,8 +7147,8 @@
         </p:blipFill>
         <p:spPr>
           <a:xfrm>
-            <a:off x="838200" y="1885764"/>
-            <a:ext cx="5181600" cy="4231060"/>
+            <a:off x="-115112" y="261244"/>
+            <a:ext cx="6065461" cy="4952781"/>
           </a:xfrm>
         </p:spPr>
       </p:pic>
@@ -6330,8 +7182,8 @@
         </p:blipFill>
         <p:spPr>
           <a:xfrm>
-            <a:off x="6172200" y="1873242"/>
-            <a:ext cx="5181600" cy="4256103"/>
+            <a:off x="6040876" y="261244"/>
+            <a:ext cx="6407285" cy="5262866"/>
           </a:xfrm>
         </p:spPr>
       </p:pic>
@@ -7437,7 +8289,7 @@
           </p:nvPr>
         </p:nvPicPr>
         <p:blipFill>
-          <a:blip r:embed="rId2">
+          <a:blip r:embed="rId3">
             <a:extLst>
               <a:ext uri="{28A0092B-C50C-407E-A947-70E740481C1C}">
                 <a14:useLocalDpi xmlns:a14="http://schemas.microsoft.com/office/drawing/2010/main" val="0"/>
@@ -7493,7 +8345,7 @@
           </p:nvPr>
         </p:nvPicPr>
         <p:blipFill>
-          <a:blip r:embed="rId3">
+          <a:blip r:embed="rId4">
             <a:extLst>
               <a:ext uri="{28A0092B-C50C-407E-A947-70E740481C1C}">
                 <a14:useLocalDpi xmlns:a14="http://schemas.microsoft.com/office/drawing/2010/main" val="0"/>
@@ -7610,39 +8462,29 @@
       </p:sp>
       <p:sp>
         <p:nvSpPr>
-          <p:cNvPr id="3" name="Content Placeholder 2"/>
-          <p:cNvSpPr>
-            <a:spLocks noGrp="1"/>
-          </p:cNvSpPr>
-          <p:nvPr>
-            <p:ph sz="half" idx="1"/>
-          </p:nvPr>
-        </p:nvSpPr>
-        <p:spPr/>
-        <p:txBody>
-          <a:bodyPr/>
-          <a:lstStyle/>
-          <a:p>
-            <a:endParaRPr lang="en-US"/>
-          </a:p>
-        </p:txBody>
-      </p:sp>
-      <p:sp>
-        <p:nvSpPr>
-          <p:cNvPr id="4" name="Content Placeholder 3"/>
-          <p:cNvSpPr>
-            <a:spLocks noGrp="1"/>
-          </p:cNvSpPr>
-          <p:nvPr>
-            <p:ph sz="half" idx="2"/>
-          </p:nvPr>
-        </p:nvSpPr>
-        <p:spPr/>
-        <p:txBody>
-          <a:bodyPr/>
-          <a:lstStyle/>
-          <a:p>
-            <a:endParaRPr lang="en-US"/>
+          <p:cNvPr id="5" name="Content Placeholder 4">
+            <a:extLst>
+              <a:ext uri="{FF2B5EF4-FFF2-40B4-BE49-F238E27FC236}">
+                <a16:creationId xmlns:a16="http://schemas.microsoft.com/office/drawing/2014/main" id="{7B137FAF-4A9D-524B-BC30-44B7DA2447F7}"/>
+              </a:ext>
+            </a:extLst>
+          </p:cNvPr>
+          <p:cNvSpPr>
+            <a:spLocks noGrp="1"/>
+          </p:cNvSpPr>
+          <p:nvPr>
+            <p:ph idx="1"/>
+          </p:nvPr>
+        </p:nvSpPr>
+        <p:spPr/>
+        <p:txBody>
+          <a:bodyPr/>
+          <a:lstStyle/>
+          <a:p>
+            <a:r>
+              <a:rPr lang="en-US" dirty="0"/>
+              <a:t>Crashed – might have errors</a:t>
+            </a:r>
           </a:p>
         </p:txBody>
       </p:sp>
@@ -8876,4 +9718,299 @@
     </a:ext>
   </a:extLst>
 </a:theme>
+</file>
+
+<file path=ppt/theme/theme2.xml><?xml version="1.0" encoding="utf-8"?>
+<a:theme xmlns:a="http://schemas.openxmlformats.org/drawingml/2006/main" name="Office Theme">
+  <a:themeElements>
+    <a:clrScheme name="Office">
+      <a:dk1>
+        <a:sysClr val="windowText" lastClr="000000"/>
+      </a:dk1>
+      <a:lt1>
+        <a:sysClr val="window" lastClr="FFFFFF"/>
+      </a:lt1>
+      <a:dk2>
+        <a:srgbClr val="44546A"/>
+      </a:dk2>
+      <a:lt2>
+        <a:srgbClr val="E7E6E6"/>
+      </a:lt2>
+      <a:accent1>
+        <a:srgbClr val="4472C4"/>
+      </a:accent1>
+      <a:accent2>
+        <a:srgbClr val="ED7D31"/>
+      </a:accent2>
+      <a:accent3>
+        <a:srgbClr val="A5A5A5"/>
+      </a:accent3>
+      <a:accent4>
+        <a:srgbClr val="FFC000"/>
+      </a:accent4>
+      <a:accent5>
+        <a:srgbClr val="5B9BD5"/>
+      </a:accent5>
+      <a:accent6>
+        <a:srgbClr val="70AD47"/>
+      </a:accent6>
+      <a:hlink>
+        <a:srgbClr val="0563C1"/>
+      </a:hlink>
+      <a:folHlink>
+        <a:srgbClr val="954F72"/>
+      </a:folHlink>
+    </a:clrScheme>
+    <a:fontScheme name="Office">
+      <a:majorFont>
+        <a:latin typeface="Calibri Light" panose="020F0302020204030204"/>
+        <a:ea typeface=""/>
+        <a:cs typeface=""/>
+        <a:font script="Jpan" typeface="游ゴシック Light"/>
+        <a:font script="Hang" typeface="맑은 고딕"/>
+        <a:font script="Hans" typeface="等线 Light"/>
+        <a:font script="Hant" typeface="新細明體"/>
+        <a:font script="Arab" typeface="Times New Roman"/>
+        <a:font script="Hebr" typeface="Times New Roman"/>
+        <a:font script="Thai" typeface="Angsana New"/>
+        <a:font script="Ethi" typeface="Nyala"/>
+        <a:font script="Beng" typeface="Vrinda"/>
+        <a:font script="Gujr" typeface="Shruti"/>
+        <a:font script="Khmr" typeface="MoolBoran"/>
+        <a:font script="Knda" typeface="Tunga"/>
+        <a:font script="Guru" typeface="Raavi"/>
+        <a:font script="Cans" typeface="Euphemia"/>
+        <a:font script="Cher" typeface="Plantagenet Cherokee"/>
+        <a:font script="Yiii" typeface="Microsoft Yi Baiti"/>
+        <a:font script="Tibt" typeface="Microsoft Himalaya"/>
+        <a:font script="Thaa" typeface="MV Boli"/>
+        <a:font script="Deva" typeface="Mangal"/>
+        <a:font script="Telu" typeface="Gautami"/>
+        <a:font script="Taml" typeface="Latha"/>
+        <a:font script="Syrc" typeface="Estrangelo Edessa"/>
+        <a:font script="Orya" typeface="Kalinga"/>
+        <a:font script="Mlym" typeface="Kartika"/>
+        <a:font script="Laoo" typeface="DokChampa"/>
+        <a:font script="Sinh" typeface="Iskoola Pota"/>
+        <a:font script="Mong" typeface="Mongolian Baiti"/>
+        <a:font script="Viet" typeface="Times New Roman"/>
+        <a:font script="Uigh" typeface="Microsoft Uighur"/>
+        <a:font script="Geor" typeface="Sylfaen"/>
+        <a:font script="Armn" typeface="Arial"/>
+        <a:font script="Bugi" typeface="Leelawadee UI"/>
+        <a:font script="Bopo" typeface="Microsoft JhengHei"/>
+        <a:font script="Java" typeface="Javanese Text"/>
+        <a:font script="Lisu" typeface="Segoe UI"/>
+        <a:font script="Mymr" typeface="Myanmar Text"/>
+        <a:font script="Nkoo" typeface="Ebrima"/>
+        <a:font script="Olck" typeface="Nirmala UI"/>
+        <a:font script="Osma" typeface="Ebrima"/>
+        <a:font script="Phag" typeface="Phagspa"/>
+        <a:font script="Syrn" typeface="Estrangelo Edessa"/>
+        <a:font script="Syrj" typeface="Estrangelo Edessa"/>
+        <a:font script="Syre" typeface="Estrangelo Edessa"/>
+        <a:font script="Sora" typeface="Nirmala UI"/>
+        <a:font script="Tale" typeface="Microsoft Tai Le"/>
+        <a:font script="Talu" typeface="Microsoft New Tai Lue"/>
+        <a:font script="Tfng" typeface="Ebrima"/>
+      </a:majorFont>
+      <a:minorFont>
+        <a:latin typeface="Calibri" panose="020F0502020204030204"/>
+        <a:ea typeface=""/>
+        <a:cs typeface=""/>
+        <a:font script="Jpan" typeface="游ゴシック"/>
+        <a:font script="Hang" typeface="맑은 고딕"/>
+        <a:font script="Hans" typeface="等线"/>
+        <a:font script="Hant" typeface="新細明體"/>
+        <a:font script="Arab" typeface="Arial"/>
+        <a:font script="Hebr" typeface="Arial"/>
+        <a:font script="Thai" typeface="Cordia New"/>
+        <a:font script="Ethi" typeface="Nyala"/>
+        <a:font script="Beng" typeface="Vrinda"/>
+        <a:font script="Gujr" typeface="Shruti"/>
+        <a:font script="Khmr" typeface="DaunPenh"/>
+        <a:font script="Knda" typeface="Tunga"/>
+        <a:font script="Guru" typeface="Raavi"/>
+        <a:font script="Cans" typeface="Euphemia"/>
+        <a:font script="Cher" typeface="Plantagenet Cherokee"/>
+        <a:font script="Yiii" typeface="Microsoft Yi Baiti"/>
+        <a:font script="Tibt" typeface="Microsoft Himalaya"/>
+        <a:font script="Thaa" typeface="MV Boli"/>
+        <a:font script="Deva" typeface="Mangal"/>
+        <a:font script="Telu" typeface="Gautami"/>
+        <a:font script="Taml" typeface="Latha"/>
+        <a:font script="Syrc" typeface="Estrangelo Edessa"/>
+        <a:font script="Orya" typeface="Kalinga"/>
+        <a:font script="Mlym" typeface="Kartika"/>
+        <a:font script="Laoo" typeface="DokChampa"/>
+        <a:font script="Sinh" typeface="Iskoola Pota"/>
+        <a:font script="Mong" typeface="Mongolian Baiti"/>
+        <a:font script="Viet" typeface="Arial"/>
+        <a:font script="Uigh" typeface="Microsoft Uighur"/>
+        <a:font script="Geor" typeface="Sylfaen"/>
+        <a:font script="Armn" typeface="Arial"/>
+        <a:font script="Bugi" typeface="Leelawadee UI"/>
+        <a:font script="Bopo" typeface="Microsoft JhengHei"/>
+        <a:font script="Java" typeface="Javanese Text"/>
+        <a:font script="Lisu" typeface="Segoe UI"/>
+        <a:font script="Mymr" typeface="Myanmar Text"/>
+        <a:font script="Nkoo" typeface="Ebrima"/>
+        <a:font script="Olck" typeface="Nirmala UI"/>
+        <a:font script="Osma" typeface="Ebrima"/>
+        <a:font script="Phag" typeface="Phagspa"/>
+        <a:font script="Syrn" typeface="Estrangelo Edessa"/>
+        <a:font script="Syrj" typeface="Estrangelo Edessa"/>
+        <a:font script="Syre" typeface="Estrangelo Edessa"/>
+        <a:font script="Sora" typeface="Nirmala UI"/>
+        <a:font script="Tale" typeface="Microsoft Tai Le"/>
+        <a:font script="Talu" typeface="Microsoft New Tai Lue"/>
+        <a:font script="Tfng" typeface="Ebrima"/>
+      </a:minorFont>
+    </a:fontScheme>
+    <a:fmtScheme name="Office">
+      <a:fillStyleLst>
+        <a:solidFill>
+          <a:schemeClr val="phClr"/>
+        </a:solidFill>
+        <a:gradFill rotWithShape="1">
+          <a:gsLst>
+            <a:gs pos="0">
+              <a:schemeClr val="phClr">
+                <a:lumMod val="110000"/>
+                <a:satMod val="105000"/>
+                <a:tint val="67000"/>
+              </a:schemeClr>
+            </a:gs>
+            <a:gs pos="50000">
+              <a:schemeClr val="phClr">
+                <a:lumMod val="105000"/>
+                <a:satMod val="103000"/>
+                <a:tint val="73000"/>
+              </a:schemeClr>
+            </a:gs>
+            <a:gs pos="100000">
+              <a:schemeClr val="phClr">
+                <a:lumMod val="105000"/>
+                <a:satMod val="109000"/>
+                <a:tint val="81000"/>
+              </a:schemeClr>
+            </a:gs>
+          </a:gsLst>
+          <a:lin ang="5400000" scaled="0"/>
+        </a:gradFill>
+        <a:gradFill rotWithShape="1">
+          <a:gsLst>
+            <a:gs pos="0">
+              <a:schemeClr val="phClr">
+                <a:satMod val="103000"/>
+                <a:lumMod val="102000"/>
+                <a:tint val="94000"/>
+              </a:schemeClr>
+            </a:gs>
+            <a:gs pos="50000">
+              <a:schemeClr val="phClr">
+                <a:satMod val="110000"/>
+                <a:lumMod val="100000"/>
+                <a:shade val="100000"/>
+              </a:schemeClr>
+            </a:gs>
+            <a:gs pos="100000">
+              <a:schemeClr val="phClr">
+                <a:lumMod val="99000"/>
+                <a:satMod val="120000"/>
+                <a:shade val="78000"/>
+              </a:schemeClr>
+            </a:gs>
+          </a:gsLst>
+          <a:lin ang="5400000" scaled="0"/>
+        </a:gradFill>
+      </a:fillStyleLst>
+      <a:lnStyleLst>
+        <a:ln w="6350" cap="flat" cmpd="sng" algn="ctr">
+          <a:solidFill>
+            <a:schemeClr val="phClr"/>
+          </a:solidFill>
+          <a:prstDash val="solid"/>
+          <a:miter lim="800000"/>
+        </a:ln>
+        <a:ln w="12700" cap="flat" cmpd="sng" algn="ctr">
+          <a:solidFill>
+            <a:schemeClr val="phClr"/>
+          </a:solidFill>
+          <a:prstDash val="solid"/>
+          <a:miter lim="800000"/>
+        </a:ln>
+        <a:ln w="19050" cap="flat" cmpd="sng" algn="ctr">
+          <a:solidFill>
+            <a:schemeClr val="phClr"/>
+          </a:solidFill>
+          <a:prstDash val="solid"/>
+          <a:miter lim="800000"/>
+        </a:ln>
+      </a:lnStyleLst>
+      <a:effectStyleLst>
+        <a:effectStyle>
+          <a:effectLst/>
+        </a:effectStyle>
+        <a:effectStyle>
+          <a:effectLst/>
+        </a:effectStyle>
+        <a:effectStyle>
+          <a:effectLst>
+            <a:outerShdw blurRad="57150" dist="19050" dir="5400000" algn="ctr" rotWithShape="0">
+              <a:srgbClr val="000000">
+                <a:alpha val="63000"/>
+              </a:srgbClr>
+            </a:outerShdw>
+          </a:effectLst>
+        </a:effectStyle>
+      </a:effectStyleLst>
+      <a:bgFillStyleLst>
+        <a:solidFill>
+          <a:schemeClr val="phClr"/>
+        </a:solidFill>
+        <a:solidFill>
+          <a:schemeClr val="phClr">
+            <a:tint val="95000"/>
+            <a:satMod val="170000"/>
+          </a:schemeClr>
+        </a:solidFill>
+        <a:gradFill rotWithShape="1">
+          <a:gsLst>
+            <a:gs pos="0">
+              <a:schemeClr val="phClr">
+                <a:tint val="93000"/>
+                <a:satMod val="150000"/>
+                <a:shade val="98000"/>
+                <a:lumMod val="102000"/>
+              </a:schemeClr>
+            </a:gs>
+            <a:gs pos="50000">
+              <a:schemeClr val="phClr">
+                <a:tint val="98000"/>
+                <a:satMod val="130000"/>
+                <a:shade val="90000"/>
+                <a:lumMod val="103000"/>
+              </a:schemeClr>
+            </a:gs>
+            <a:gs pos="100000">
+              <a:schemeClr val="phClr">
+                <a:shade val="63000"/>
+                <a:satMod val="120000"/>
+              </a:schemeClr>
+            </a:gs>
+          </a:gsLst>
+          <a:lin ang="5400000" scaled="0"/>
+        </a:gradFill>
+      </a:bgFillStyleLst>
+    </a:fmtScheme>
+  </a:themeElements>
+  <a:objectDefaults/>
+  <a:extraClrSchemeLst/>
+  <a:extLst>
+    <a:ext uri="{05A4C25C-085E-4340-85A3-A5531E510DB2}">
+      <thm15:themeFamily xmlns:thm15="http://schemas.microsoft.com/office/thememl/2012/main" name="Office Theme" id="{62F939B6-93AF-4DB8-9C6B-D6C7DFDC589F}" vid="{4A3C46E8-61CC-4603-A589-7422A47A8E4A}"/>
+    </a:ext>
+  </a:extLst>
+</a:theme>
 </file>